--- a/Phase01_Doc/Presentation/Presentation_20151117.pptx
+++ b/Phase01_Doc/Presentation/Presentation_20151117.pptx
@@ -2,17 +2,18 @@
 <file path=ppt/presentation.xml><?xml version="1.0" encoding="utf-8"?>
 <p:presentation xmlns:a="http://schemas.openxmlformats.org/drawingml/2006/main" xmlns:r="http://schemas.openxmlformats.org/officeDocument/2006/relationships" xmlns:p="http://schemas.openxmlformats.org/presentationml/2006/main" saveSubsetFonts="1">
   <p:sldMasterIdLst>
-    <p:sldMasterId id="2147483648" r:id="rId1"/>
+    <p:sldMasterId id="2147483660" r:id="rId1"/>
   </p:sldMasterIdLst>
   <p:sldIdLst>
     <p:sldId id="256" r:id="rId2"/>
-    <p:sldId id="258" r:id="rId3"/>
-    <p:sldId id="259" r:id="rId4"/>
-    <p:sldId id="257" r:id="rId5"/>
-    <p:sldId id="263" r:id="rId6"/>
-    <p:sldId id="260" r:id="rId7"/>
-    <p:sldId id="262" r:id="rId8"/>
-    <p:sldId id="264" r:id="rId9"/>
+    <p:sldId id="262" r:id="rId3"/>
+    <p:sldId id="258" r:id="rId4"/>
+    <p:sldId id="259" r:id="rId5"/>
+    <p:sldId id="257" r:id="rId6"/>
+    <p:sldId id="263" r:id="rId7"/>
+    <p:sldId id="260" r:id="rId8"/>
+    <p:sldId id="265" r:id="rId9"/>
+    <p:sldId id="264" r:id="rId10"/>
   </p:sldIdLst>
   <p:sldSz cx="9144000" cy="6858000" type="screen4x3"/>
   <p:notesSz cx="6858000" cy="9144000"/>
@@ -114,6 +115,1320 @@
 </p:presentation>
 </file>
 
+<file path=ppt/charts/chart1.xml><?xml version="1.0" encoding="utf-8"?>
+<c:chartSpace xmlns:c="http://schemas.openxmlformats.org/drawingml/2006/chart" xmlns:a="http://schemas.openxmlformats.org/drawingml/2006/main" xmlns:r="http://schemas.openxmlformats.org/officeDocument/2006/relationships">
+  <c:date1904 val="0"/>
+  <c:lang val="zh-TW"/>
+  <c:roundedCorners val="0"/>
+  <mc:AlternateContent xmlns:mc="http://schemas.openxmlformats.org/markup-compatibility/2006">
+    <mc:Choice xmlns:c14="http://schemas.microsoft.com/office/drawing/2007/8/2/chart" Requires="c14">
+      <c14:style val="102"/>
+    </mc:Choice>
+    <mc:Fallback>
+      <c:style val="2"/>
+    </mc:Fallback>
+  </mc:AlternateContent>
+  <c:chart>
+    <c:autoTitleDeleted val="0"/>
+    <c:plotArea>
+      <c:layout/>
+      <c:lineChart>
+        <c:grouping val="standard"/>
+        <c:varyColors val="0"/>
+        <c:ser>
+          <c:idx val="0"/>
+          <c:order val="0"/>
+          <c:spPr>
+            <a:ln w="25400">
+              <a:solidFill>
+                <a:srgbClr val="666699"/>
+              </a:solidFill>
+              <a:prstDash val="solid"/>
+            </a:ln>
+          </c:spPr>
+          <c:marker>
+            <c:symbol val="circle"/>
+            <c:size val="5"/>
+            <c:spPr>
+              <a:solidFill>
+                <a:srgbClr val="4F81BD"/>
+              </a:solidFill>
+              <a:ln>
+                <a:solidFill>
+                  <a:srgbClr val="666699"/>
+                </a:solidFill>
+                <a:prstDash val="solid"/>
+              </a:ln>
+            </c:spPr>
+          </c:marker>
+          <c:dLbls>
+            <c:spPr>
+              <a:noFill/>
+              <a:ln w="25400">
+                <a:noFill/>
+              </a:ln>
+            </c:spPr>
+            <c:txPr>
+              <a:bodyPr rot="0" spcFirstLastPara="1" vertOverflow="overflow" horzOverflow="overflow" vert="horz" wrap="square" lIns="38100" tIns="19050" rIns="38100" bIns="19050" anchor="ctr" anchorCtr="1">
+                <a:spAutoFit/>
+              </a:bodyPr>
+              <a:lstStyle/>
+              <a:p>
+                <a:pPr>
+                  <a:defRPr sz="2000" b="0" i="0" u="none" strike="noStrike" kern="1200" baseline="0">
+                    <a:solidFill>
+                      <a:schemeClr val="tx1">
+                        <a:lumMod val="75000"/>
+                        <a:lumOff val="25000"/>
+                      </a:schemeClr>
+                    </a:solidFill>
+                    <a:latin typeface="+mn-lt"/>
+                    <a:ea typeface="+mn-ea"/>
+                    <a:cs typeface="+mn-cs"/>
+                  </a:defRPr>
+                </a:pPr>
+                <a:endParaRPr lang="zh-TW"/>
+              </a:p>
+            </c:txPr>
+            <c:dLblPos val="t"/>
+            <c:showLegendKey val="0"/>
+            <c:showVal val="1"/>
+            <c:showCatName val="0"/>
+            <c:showSerName val="0"/>
+            <c:showPercent val="0"/>
+            <c:showBubbleSize val="0"/>
+            <c:showLeaderLines val="0"/>
+          </c:dLbls>
+          <c:val>
+            <c:numRef>
+              <c:f>'1.2'!$A$1:$A$6</c:f>
+              <c:numCache>
+                <c:formatCode>General</c:formatCode>
+                <c:ptCount val="6"/>
+                <c:pt idx="0">
+                  <c:v>26.5</c:v>
+                </c:pt>
+                <c:pt idx="1">
+                  <c:v>26.5</c:v>
+                </c:pt>
+                <c:pt idx="2">
+                  <c:v>17.0</c:v>
+                </c:pt>
+                <c:pt idx="3">
+                  <c:v>15.0</c:v>
+                </c:pt>
+                <c:pt idx="4">
+                  <c:v>7.0</c:v>
+                </c:pt>
+                <c:pt idx="5">
+                  <c:v>5.5</c:v>
+                </c:pt>
+              </c:numCache>
+            </c:numRef>
+          </c:val>
+          <c:smooth val="0"/>
+        </c:ser>
+        <c:ser>
+          <c:idx val="1"/>
+          <c:order val="1"/>
+          <c:spPr>
+            <a:ln w="25400">
+              <a:solidFill>
+                <a:srgbClr val="000000"/>
+              </a:solidFill>
+              <a:prstDash val="solid"/>
+            </a:ln>
+          </c:spPr>
+          <c:marker>
+            <c:symbol val="none"/>
+          </c:marker>
+          <c:val>
+            <c:numRef>
+              <c:f>'1.2'!$B$1:$B$6</c:f>
+              <c:numCache>
+                <c:formatCode>General</c:formatCode>
+                <c:ptCount val="6"/>
+                <c:pt idx="0">
+                  <c:v>26.5</c:v>
+                </c:pt>
+                <c:pt idx="1">
+                  <c:v>21.2</c:v>
+                </c:pt>
+                <c:pt idx="2">
+                  <c:v>15.9</c:v>
+                </c:pt>
+                <c:pt idx="3">
+                  <c:v>10.6</c:v>
+                </c:pt>
+                <c:pt idx="4">
+                  <c:v>5.3</c:v>
+                </c:pt>
+                <c:pt idx="5">
+                  <c:v>0.0</c:v>
+                </c:pt>
+              </c:numCache>
+            </c:numRef>
+          </c:val>
+          <c:smooth val="0"/>
+        </c:ser>
+        <c:dLbls>
+          <c:showLegendKey val="0"/>
+          <c:showVal val="0"/>
+          <c:showCatName val="0"/>
+          <c:showSerName val="0"/>
+          <c:showPercent val="0"/>
+          <c:showBubbleSize val="0"/>
+        </c:dLbls>
+        <c:marker val="1"/>
+        <c:smooth val="0"/>
+        <c:axId val="1853023064"/>
+        <c:axId val="1853014744"/>
+      </c:lineChart>
+      <c:catAx>
+        <c:axId val="1853023064"/>
+        <c:scaling>
+          <c:orientation val="minMax"/>
+        </c:scaling>
+        <c:delete val="0"/>
+        <c:axPos val="b"/>
+        <c:numFmt formatCode="General" sourceLinked="1"/>
+        <c:majorTickMark val="none"/>
+        <c:minorTickMark val="none"/>
+        <c:tickLblPos val="nextTo"/>
+        <c:spPr>
+          <a:ln w="3175">
+            <a:solidFill>
+              <a:srgbClr val="C0C0C0"/>
+            </a:solidFill>
+            <a:prstDash val="solid"/>
+          </a:ln>
+        </c:spPr>
+        <c:txPr>
+          <a:bodyPr rot="-60000000" spcFirstLastPara="1" vertOverflow="ellipsis" vert="horz" wrap="square" anchor="ctr" anchorCtr="1"/>
+          <a:lstStyle/>
+          <a:p>
+            <a:pPr>
+              <a:defRPr sz="900" b="0" i="0" u="none" strike="noStrike" kern="1200" baseline="0">
+                <a:solidFill>
+                  <a:schemeClr val="tx1">
+                    <a:lumMod val="65000"/>
+                    <a:lumOff val="35000"/>
+                  </a:schemeClr>
+                </a:solidFill>
+                <a:latin typeface="+mn-lt"/>
+                <a:ea typeface="+mn-ea"/>
+                <a:cs typeface="+mn-cs"/>
+              </a:defRPr>
+            </a:pPr>
+            <a:endParaRPr lang="zh-TW"/>
+          </a:p>
+        </c:txPr>
+        <c:crossAx val="1853014744"/>
+        <c:crosses val="autoZero"/>
+        <c:auto val="1"/>
+        <c:lblAlgn val="ctr"/>
+        <c:lblOffset val="100"/>
+        <c:noMultiLvlLbl val="0"/>
+      </c:catAx>
+      <c:valAx>
+        <c:axId val="1853014744"/>
+        <c:scaling>
+          <c:orientation val="minMax"/>
+        </c:scaling>
+        <c:delete val="0"/>
+        <c:axPos val="l"/>
+        <c:majorGridlines>
+          <c:spPr>
+            <a:ln w="3175">
+              <a:solidFill>
+                <a:srgbClr val="C0C0C0"/>
+              </a:solidFill>
+              <a:prstDash val="solid"/>
+            </a:ln>
+          </c:spPr>
+        </c:majorGridlines>
+        <c:numFmt formatCode="General" sourceLinked="1"/>
+        <c:majorTickMark val="none"/>
+        <c:minorTickMark val="none"/>
+        <c:tickLblPos val="nextTo"/>
+        <c:spPr>
+          <a:ln w="9525">
+            <a:noFill/>
+          </a:ln>
+        </c:spPr>
+        <c:txPr>
+          <a:bodyPr rot="-60000000" spcFirstLastPara="1" vertOverflow="ellipsis" vert="horz" wrap="square" anchor="ctr" anchorCtr="1"/>
+          <a:lstStyle/>
+          <a:p>
+            <a:pPr>
+              <a:defRPr sz="900" b="0" i="0" u="none" strike="noStrike" kern="1200" baseline="0">
+                <a:solidFill>
+                  <a:schemeClr val="tx1">
+                    <a:lumMod val="65000"/>
+                    <a:lumOff val="35000"/>
+                  </a:schemeClr>
+                </a:solidFill>
+                <a:latin typeface="+mn-lt"/>
+                <a:ea typeface="+mn-ea"/>
+                <a:cs typeface="+mn-cs"/>
+              </a:defRPr>
+            </a:pPr>
+            <a:endParaRPr lang="zh-TW"/>
+          </a:p>
+        </c:txPr>
+        <c:crossAx val="1853023064"/>
+        <c:crossesAt val="1.0"/>
+        <c:crossBetween val="midCat"/>
+      </c:valAx>
+      <c:spPr>
+        <a:noFill/>
+        <a:ln w="12700">
+          <a:solidFill>
+            <a:srgbClr val="000000"/>
+          </a:solidFill>
+          <a:prstDash val="solid"/>
+        </a:ln>
+      </c:spPr>
+    </c:plotArea>
+    <c:plotVisOnly val="1"/>
+    <c:dispBlanksAs val="gap"/>
+    <c:showDLblsOverMax val="0"/>
+  </c:chart>
+  <c:spPr>
+    <a:solidFill>
+      <a:srgbClr val="FFFFFF"/>
+    </a:solidFill>
+    <a:ln w="3175">
+      <a:solidFill>
+        <a:srgbClr val="C0C0C0"/>
+      </a:solidFill>
+      <a:prstDash val="solid"/>
+    </a:ln>
+  </c:spPr>
+  <c:txPr>
+    <a:bodyPr/>
+    <a:lstStyle/>
+    <a:p>
+      <a:pPr>
+        <a:defRPr/>
+      </a:pPr>
+      <a:endParaRPr lang="zh-TW"/>
+    </a:p>
+  </c:txPr>
+  <c:externalData r:id="rId1">
+    <c:autoUpdate val="0"/>
+  </c:externalData>
+</c:chartSpace>
+</file>
+
+<file path=ppt/charts/chart2.xml><?xml version="1.0" encoding="utf-8"?>
+<c:chartSpace xmlns:c="http://schemas.openxmlformats.org/drawingml/2006/chart" xmlns:a="http://schemas.openxmlformats.org/drawingml/2006/main" xmlns:r="http://schemas.openxmlformats.org/officeDocument/2006/relationships">
+  <c:date1904 val="0"/>
+  <c:lang val="zh-TW"/>
+  <c:roundedCorners val="0"/>
+  <mc:AlternateContent xmlns:mc="http://schemas.openxmlformats.org/markup-compatibility/2006">
+    <mc:Choice xmlns:c14="http://schemas.microsoft.com/office/drawing/2007/8/2/chart" Requires="c14">
+      <c14:style val="102"/>
+    </mc:Choice>
+    <mc:Fallback>
+      <c:style val="2"/>
+    </mc:Fallback>
+  </mc:AlternateContent>
+  <c:chart>
+    <c:autoTitleDeleted val="0"/>
+    <c:plotArea>
+      <c:layout/>
+      <c:lineChart>
+        <c:grouping val="standard"/>
+        <c:varyColors val="0"/>
+        <c:ser>
+          <c:idx val="0"/>
+          <c:order val="0"/>
+          <c:spPr>
+            <a:ln w="25400">
+              <a:solidFill>
+                <a:srgbClr val="666699"/>
+              </a:solidFill>
+              <a:prstDash val="solid"/>
+            </a:ln>
+          </c:spPr>
+          <c:marker>
+            <c:symbol val="circle"/>
+            <c:size val="5"/>
+            <c:spPr>
+              <a:solidFill>
+                <a:srgbClr val="4F81BD"/>
+              </a:solidFill>
+              <a:ln>
+                <a:solidFill>
+                  <a:srgbClr val="666699"/>
+                </a:solidFill>
+                <a:prstDash val="solid"/>
+              </a:ln>
+            </c:spPr>
+          </c:marker>
+          <c:dLbls>
+            <c:spPr>
+              <a:noFill/>
+              <a:ln w="25400">
+                <a:noFill/>
+              </a:ln>
+            </c:spPr>
+            <c:txPr>
+              <a:bodyPr rot="0" spcFirstLastPara="1" vertOverflow="overflow" horzOverflow="overflow" vert="horz" wrap="square" lIns="38100" tIns="19050" rIns="38100" bIns="19050" anchor="ctr" anchorCtr="1">
+                <a:spAutoFit/>
+              </a:bodyPr>
+              <a:lstStyle/>
+              <a:p>
+                <a:pPr>
+                  <a:defRPr sz="2000" b="0" i="0" u="none" strike="noStrike" kern="1200" baseline="0">
+                    <a:solidFill>
+                      <a:schemeClr val="tx1">
+                        <a:lumMod val="75000"/>
+                        <a:lumOff val="25000"/>
+                      </a:schemeClr>
+                    </a:solidFill>
+                    <a:latin typeface="+mn-lt"/>
+                    <a:ea typeface="+mn-ea"/>
+                    <a:cs typeface="+mn-cs"/>
+                  </a:defRPr>
+                </a:pPr>
+                <a:endParaRPr lang="zh-TW"/>
+              </a:p>
+            </c:txPr>
+            <c:dLblPos val="t"/>
+            <c:showLegendKey val="0"/>
+            <c:showVal val="1"/>
+            <c:showCatName val="0"/>
+            <c:showSerName val="0"/>
+            <c:showPercent val="0"/>
+            <c:showBubbleSize val="0"/>
+            <c:showLeaderLines val="0"/>
+          </c:dLbls>
+          <c:val>
+            <c:numRef>
+              <c:f>'1.3'!$A$1:$A$6</c:f>
+              <c:numCache>
+                <c:formatCode>General</c:formatCode>
+                <c:ptCount val="6"/>
+                <c:pt idx="0">
+                  <c:v>16.5</c:v>
+                </c:pt>
+                <c:pt idx="1">
+                  <c:v>11.0</c:v>
+                </c:pt>
+                <c:pt idx="2">
+                  <c:v>10.0</c:v>
+                </c:pt>
+                <c:pt idx="3">
+                  <c:v>8.5</c:v>
+                </c:pt>
+                <c:pt idx="4">
+                  <c:v>5.0</c:v>
+                </c:pt>
+                <c:pt idx="5">
+                  <c:v>1.0</c:v>
+                </c:pt>
+              </c:numCache>
+            </c:numRef>
+          </c:val>
+          <c:smooth val="0"/>
+        </c:ser>
+        <c:ser>
+          <c:idx val="1"/>
+          <c:order val="1"/>
+          <c:spPr>
+            <a:ln w="25400">
+              <a:solidFill>
+                <a:srgbClr val="000000"/>
+              </a:solidFill>
+              <a:prstDash val="solid"/>
+            </a:ln>
+          </c:spPr>
+          <c:marker>
+            <c:symbol val="none"/>
+          </c:marker>
+          <c:val>
+            <c:numRef>
+              <c:f>'1.3'!$B$1:$B$6</c:f>
+              <c:numCache>
+                <c:formatCode>General</c:formatCode>
+                <c:ptCount val="6"/>
+                <c:pt idx="0">
+                  <c:v>16.5</c:v>
+                </c:pt>
+                <c:pt idx="1">
+                  <c:v>13.2</c:v>
+                </c:pt>
+                <c:pt idx="2">
+                  <c:v>9.9</c:v>
+                </c:pt>
+                <c:pt idx="3">
+                  <c:v>6.6</c:v>
+                </c:pt>
+                <c:pt idx="4">
+                  <c:v>3.3</c:v>
+                </c:pt>
+                <c:pt idx="5">
+                  <c:v>0.0</c:v>
+                </c:pt>
+              </c:numCache>
+            </c:numRef>
+          </c:val>
+          <c:smooth val="0"/>
+        </c:ser>
+        <c:dLbls>
+          <c:showLegendKey val="0"/>
+          <c:showVal val="0"/>
+          <c:showCatName val="0"/>
+          <c:showSerName val="0"/>
+          <c:showPercent val="0"/>
+          <c:showBubbleSize val="0"/>
+        </c:dLbls>
+        <c:marker val="1"/>
+        <c:smooth val="0"/>
+        <c:axId val="2109068264"/>
+        <c:axId val="1854451384"/>
+      </c:lineChart>
+      <c:catAx>
+        <c:axId val="2109068264"/>
+        <c:scaling>
+          <c:orientation val="minMax"/>
+        </c:scaling>
+        <c:delete val="0"/>
+        <c:axPos val="b"/>
+        <c:numFmt formatCode="General" sourceLinked="1"/>
+        <c:majorTickMark val="none"/>
+        <c:minorTickMark val="none"/>
+        <c:tickLblPos val="nextTo"/>
+        <c:spPr>
+          <a:ln w="3175">
+            <a:solidFill>
+              <a:srgbClr val="C0C0C0"/>
+            </a:solidFill>
+            <a:prstDash val="solid"/>
+          </a:ln>
+        </c:spPr>
+        <c:txPr>
+          <a:bodyPr rot="-60000000" spcFirstLastPara="1" vertOverflow="ellipsis" vert="horz" wrap="square" anchor="ctr" anchorCtr="1"/>
+          <a:lstStyle/>
+          <a:p>
+            <a:pPr>
+              <a:defRPr sz="900" b="0" i="0" u="none" strike="noStrike" kern="1200" baseline="0">
+                <a:solidFill>
+                  <a:schemeClr val="tx1">
+                    <a:lumMod val="65000"/>
+                    <a:lumOff val="35000"/>
+                  </a:schemeClr>
+                </a:solidFill>
+                <a:latin typeface="+mn-lt"/>
+                <a:ea typeface="+mn-ea"/>
+                <a:cs typeface="+mn-cs"/>
+              </a:defRPr>
+            </a:pPr>
+            <a:endParaRPr lang="zh-TW"/>
+          </a:p>
+        </c:txPr>
+        <c:crossAx val="1854451384"/>
+        <c:crosses val="autoZero"/>
+        <c:auto val="1"/>
+        <c:lblAlgn val="ctr"/>
+        <c:lblOffset val="100"/>
+        <c:noMultiLvlLbl val="0"/>
+      </c:catAx>
+      <c:valAx>
+        <c:axId val="1854451384"/>
+        <c:scaling>
+          <c:orientation val="minMax"/>
+        </c:scaling>
+        <c:delete val="0"/>
+        <c:axPos val="l"/>
+        <c:majorGridlines>
+          <c:spPr>
+            <a:ln w="3175">
+              <a:solidFill>
+                <a:srgbClr val="C0C0C0"/>
+              </a:solidFill>
+              <a:prstDash val="solid"/>
+            </a:ln>
+          </c:spPr>
+        </c:majorGridlines>
+        <c:numFmt formatCode="General" sourceLinked="1"/>
+        <c:majorTickMark val="none"/>
+        <c:minorTickMark val="none"/>
+        <c:tickLblPos val="nextTo"/>
+        <c:spPr>
+          <a:ln w="9525">
+            <a:noFill/>
+          </a:ln>
+        </c:spPr>
+        <c:txPr>
+          <a:bodyPr rot="-60000000" spcFirstLastPara="1" vertOverflow="ellipsis" vert="horz" wrap="square" anchor="ctr" anchorCtr="1"/>
+          <a:lstStyle/>
+          <a:p>
+            <a:pPr>
+              <a:defRPr sz="900" b="0" i="0" u="none" strike="noStrike" kern="1200" baseline="0">
+                <a:solidFill>
+                  <a:schemeClr val="tx1">
+                    <a:lumMod val="65000"/>
+                    <a:lumOff val="35000"/>
+                  </a:schemeClr>
+                </a:solidFill>
+                <a:latin typeface="+mn-lt"/>
+                <a:ea typeface="+mn-ea"/>
+                <a:cs typeface="+mn-cs"/>
+              </a:defRPr>
+            </a:pPr>
+            <a:endParaRPr lang="zh-TW"/>
+          </a:p>
+        </c:txPr>
+        <c:crossAx val="2109068264"/>
+        <c:crossesAt val="1.0"/>
+        <c:crossBetween val="midCat"/>
+      </c:valAx>
+      <c:spPr>
+        <a:noFill/>
+        <a:ln w="12700">
+          <a:solidFill>
+            <a:srgbClr val="000000"/>
+          </a:solidFill>
+          <a:prstDash val="solid"/>
+        </a:ln>
+      </c:spPr>
+    </c:plotArea>
+    <c:plotVisOnly val="1"/>
+    <c:dispBlanksAs val="gap"/>
+    <c:showDLblsOverMax val="0"/>
+  </c:chart>
+  <c:spPr>
+    <a:solidFill>
+      <a:srgbClr val="FFFFFF"/>
+    </a:solidFill>
+    <a:ln w="3175">
+      <a:solidFill>
+        <a:srgbClr val="C0C0C0"/>
+      </a:solidFill>
+      <a:prstDash val="solid"/>
+    </a:ln>
+  </c:spPr>
+  <c:txPr>
+    <a:bodyPr/>
+    <a:lstStyle/>
+    <a:p>
+      <a:pPr>
+        <a:defRPr/>
+      </a:pPr>
+      <a:endParaRPr lang="zh-TW"/>
+    </a:p>
+  </c:txPr>
+  <c:externalData r:id="rId1">
+    <c:autoUpdate val="0"/>
+  </c:externalData>
+</c:chartSpace>
+</file>
+
+<file path=ppt/charts/chart3.xml><?xml version="1.0" encoding="utf-8"?>
+<c:chartSpace xmlns:c="http://schemas.openxmlformats.org/drawingml/2006/chart" xmlns:a="http://schemas.openxmlformats.org/drawingml/2006/main" xmlns:r="http://schemas.openxmlformats.org/officeDocument/2006/relationships">
+  <c:date1904 val="0"/>
+  <c:lang val="zh-TW"/>
+  <c:roundedCorners val="0"/>
+  <mc:AlternateContent xmlns:mc="http://schemas.openxmlformats.org/markup-compatibility/2006">
+    <mc:Choice xmlns:c14="http://schemas.microsoft.com/office/drawing/2007/8/2/chart" Requires="c14">
+      <c14:style val="102"/>
+    </mc:Choice>
+    <mc:Fallback>
+      <c:style val="2"/>
+    </mc:Fallback>
+  </mc:AlternateContent>
+  <c:chart>
+    <c:autoTitleDeleted val="0"/>
+    <c:plotArea>
+      <c:layout/>
+      <c:lineChart>
+        <c:grouping val="standard"/>
+        <c:varyColors val="0"/>
+        <c:ser>
+          <c:idx val="0"/>
+          <c:order val="0"/>
+          <c:spPr>
+            <a:ln w="25400">
+              <a:solidFill>
+                <a:srgbClr val="666699"/>
+              </a:solidFill>
+              <a:prstDash val="solid"/>
+            </a:ln>
+          </c:spPr>
+          <c:marker>
+            <c:symbol val="circle"/>
+            <c:size val="5"/>
+            <c:spPr>
+              <a:solidFill>
+                <a:srgbClr val="4F81BD"/>
+              </a:solidFill>
+              <a:ln>
+                <a:solidFill>
+                  <a:srgbClr val="666699"/>
+                </a:solidFill>
+                <a:prstDash val="solid"/>
+              </a:ln>
+            </c:spPr>
+          </c:marker>
+          <c:dLbls>
+            <c:spPr>
+              <a:noFill/>
+              <a:ln w="25400">
+                <a:noFill/>
+              </a:ln>
+            </c:spPr>
+            <c:txPr>
+              <a:bodyPr rot="0" spcFirstLastPara="1" vertOverflow="overflow" horzOverflow="overflow" vert="horz" wrap="square" lIns="38100" tIns="19050" rIns="38100" bIns="19050" anchor="ctr" anchorCtr="1">
+                <a:spAutoFit/>
+              </a:bodyPr>
+              <a:lstStyle/>
+              <a:p>
+                <a:pPr>
+                  <a:defRPr sz="2000" b="0" i="0" u="none" strike="noStrike" kern="1200" baseline="0">
+                    <a:solidFill>
+                      <a:schemeClr val="tx1">
+                        <a:lumMod val="75000"/>
+                        <a:lumOff val="25000"/>
+                      </a:schemeClr>
+                    </a:solidFill>
+                    <a:latin typeface="+mn-lt"/>
+                    <a:ea typeface="+mn-ea"/>
+                    <a:cs typeface="+mn-cs"/>
+                  </a:defRPr>
+                </a:pPr>
+                <a:endParaRPr lang="zh-TW"/>
+              </a:p>
+            </c:txPr>
+            <c:dLblPos val="t"/>
+            <c:showLegendKey val="0"/>
+            <c:showVal val="1"/>
+            <c:showCatName val="0"/>
+            <c:showSerName val="0"/>
+            <c:showPercent val="0"/>
+            <c:showBubbleSize val="0"/>
+            <c:showLeaderLines val="0"/>
+          </c:dLbls>
+          <c:val>
+            <c:numRef>
+              <c:f>'1.4'!$A$1:$A$6</c:f>
+              <c:numCache>
+                <c:formatCode>General</c:formatCode>
+                <c:ptCount val="6"/>
+                <c:pt idx="0">
+                  <c:v>20.0</c:v>
+                </c:pt>
+                <c:pt idx="1">
+                  <c:v>18.5</c:v>
+                </c:pt>
+                <c:pt idx="2">
+                  <c:v>16.0</c:v>
+                </c:pt>
+                <c:pt idx="3">
+                  <c:v>10.0</c:v>
+                </c:pt>
+                <c:pt idx="4">
+                  <c:v>0.5</c:v>
+                </c:pt>
+                <c:pt idx="5">
+                  <c:v>0.0</c:v>
+                </c:pt>
+              </c:numCache>
+            </c:numRef>
+          </c:val>
+          <c:smooth val="0"/>
+        </c:ser>
+        <c:ser>
+          <c:idx val="1"/>
+          <c:order val="1"/>
+          <c:spPr>
+            <a:ln w="25400">
+              <a:solidFill>
+                <a:srgbClr val="000000"/>
+              </a:solidFill>
+              <a:prstDash val="solid"/>
+            </a:ln>
+          </c:spPr>
+          <c:marker>
+            <c:symbol val="none"/>
+          </c:marker>
+          <c:val>
+            <c:numRef>
+              <c:f>'1.4'!$B$1:$B$6</c:f>
+              <c:numCache>
+                <c:formatCode>General</c:formatCode>
+                <c:ptCount val="6"/>
+                <c:pt idx="0">
+                  <c:v>20.0</c:v>
+                </c:pt>
+                <c:pt idx="1">
+                  <c:v>16.0</c:v>
+                </c:pt>
+                <c:pt idx="2">
+                  <c:v>12.0</c:v>
+                </c:pt>
+                <c:pt idx="3">
+                  <c:v>8.0</c:v>
+                </c:pt>
+                <c:pt idx="4">
+                  <c:v>4.0</c:v>
+                </c:pt>
+                <c:pt idx="5">
+                  <c:v>0.0</c:v>
+                </c:pt>
+              </c:numCache>
+            </c:numRef>
+          </c:val>
+          <c:smooth val="0"/>
+        </c:ser>
+        <c:dLbls>
+          <c:showLegendKey val="0"/>
+          <c:showVal val="0"/>
+          <c:showCatName val="0"/>
+          <c:showSerName val="0"/>
+          <c:showPercent val="0"/>
+          <c:showBubbleSize val="0"/>
+        </c:dLbls>
+        <c:marker val="1"/>
+        <c:smooth val="0"/>
+        <c:axId val="1855496520"/>
+        <c:axId val="1855692056"/>
+      </c:lineChart>
+      <c:catAx>
+        <c:axId val="1855496520"/>
+        <c:scaling>
+          <c:orientation val="minMax"/>
+        </c:scaling>
+        <c:delete val="0"/>
+        <c:axPos val="b"/>
+        <c:numFmt formatCode="General" sourceLinked="1"/>
+        <c:majorTickMark val="none"/>
+        <c:minorTickMark val="none"/>
+        <c:tickLblPos val="nextTo"/>
+        <c:spPr>
+          <a:ln w="3175">
+            <a:solidFill>
+              <a:srgbClr val="C0C0C0"/>
+            </a:solidFill>
+            <a:prstDash val="solid"/>
+          </a:ln>
+        </c:spPr>
+        <c:txPr>
+          <a:bodyPr rot="-60000000" spcFirstLastPara="1" vertOverflow="ellipsis" vert="horz" wrap="square" anchor="ctr" anchorCtr="1"/>
+          <a:lstStyle/>
+          <a:p>
+            <a:pPr>
+              <a:defRPr sz="900" b="0" i="0" u="none" strike="noStrike" kern="1200" baseline="0">
+                <a:solidFill>
+                  <a:schemeClr val="tx1">
+                    <a:lumMod val="65000"/>
+                    <a:lumOff val="35000"/>
+                  </a:schemeClr>
+                </a:solidFill>
+                <a:latin typeface="+mn-lt"/>
+                <a:ea typeface="+mn-ea"/>
+                <a:cs typeface="+mn-cs"/>
+              </a:defRPr>
+            </a:pPr>
+            <a:endParaRPr lang="zh-TW"/>
+          </a:p>
+        </c:txPr>
+        <c:crossAx val="1855692056"/>
+        <c:crosses val="autoZero"/>
+        <c:auto val="1"/>
+        <c:lblAlgn val="ctr"/>
+        <c:lblOffset val="100"/>
+        <c:noMultiLvlLbl val="0"/>
+      </c:catAx>
+      <c:valAx>
+        <c:axId val="1855692056"/>
+        <c:scaling>
+          <c:orientation val="minMax"/>
+        </c:scaling>
+        <c:delete val="0"/>
+        <c:axPos val="l"/>
+        <c:majorGridlines>
+          <c:spPr>
+            <a:ln w="3175">
+              <a:solidFill>
+                <a:srgbClr val="C0C0C0"/>
+              </a:solidFill>
+              <a:prstDash val="solid"/>
+            </a:ln>
+          </c:spPr>
+        </c:majorGridlines>
+        <c:numFmt formatCode="General" sourceLinked="1"/>
+        <c:majorTickMark val="none"/>
+        <c:minorTickMark val="none"/>
+        <c:tickLblPos val="nextTo"/>
+        <c:spPr>
+          <a:ln w="9525">
+            <a:noFill/>
+          </a:ln>
+        </c:spPr>
+        <c:txPr>
+          <a:bodyPr rot="-60000000" spcFirstLastPara="1" vertOverflow="ellipsis" vert="horz" wrap="square" anchor="ctr" anchorCtr="1"/>
+          <a:lstStyle/>
+          <a:p>
+            <a:pPr>
+              <a:defRPr sz="900" b="0" i="0" u="none" strike="noStrike" kern="1200" baseline="0">
+                <a:solidFill>
+                  <a:schemeClr val="tx1">
+                    <a:lumMod val="65000"/>
+                    <a:lumOff val="35000"/>
+                  </a:schemeClr>
+                </a:solidFill>
+                <a:latin typeface="+mn-lt"/>
+                <a:ea typeface="+mn-ea"/>
+                <a:cs typeface="+mn-cs"/>
+              </a:defRPr>
+            </a:pPr>
+            <a:endParaRPr lang="zh-TW"/>
+          </a:p>
+        </c:txPr>
+        <c:crossAx val="1855496520"/>
+        <c:crossesAt val="1.0"/>
+        <c:crossBetween val="midCat"/>
+      </c:valAx>
+      <c:spPr>
+        <a:noFill/>
+        <a:ln w="12700">
+          <a:solidFill>
+            <a:srgbClr val="000000"/>
+          </a:solidFill>
+          <a:prstDash val="solid"/>
+        </a:ln>
+      </c:spPr>
+    </c:plotArea>
+    <c:plotVisOnly val="1"/>
+    <c:dispBlanksAs val="gap"/>
+    <c:showDLblsOverMax val="0"/>
+  </c:chart>
+  <c:spPr>
+    <a:solidFill>
+      <a:srgbClr val="FFFFFF"/>
+    </a:solidFill>
+    <a:ln w="3175">
+      <a:solidFill>
+        <a:srgbClr val="C0C0C0"/>
+      </a:solidFill>
+      <a:prstDash val="solid"/>
+    </a:ln>
+  </c:spPr>
+  <c:txPr>
+    <a:bodyPr/>
+    <a:lstStyle/>
+    <a:p>
+      <a:pPr>
+        <a:defRPr/>
+      </a:pPr>
+      <a:endParaRPr lang="zh-TW"/>
+    </a:p>
+  </c:txPr>
+  <c:externalData r:id="rId1">
+    <c:autoUpdate val="0"/>
+  </c:externalData>
+</c:chartSpace>
+</file>
+
+<file path=ppt/charts/chart4.xml><?xml version="1.0" encoding="utf-8"?>
+<c:chartSpace xmlns:c="http://schemas.openxmlformats.org/drawingml/2006/chart" xmlns:a="http://schemas.openxmlformats.org/drawingml/2006/main" xmlns:r="http://schemas.openxmlformats.org/officeDocument/2006/relationships">
+  <c:date1904 val="0"/>
+  <c:lang val="zh-TW"/>
+  <c:roundedCorners val="0"/>
+  <mc:AlternateContent xmlns:mc="http://schemas.openxmlformats.org/markup-compatibility/2006">
+    <mc:Choice xmlns:c14="http://schemas.microsoft.com/office/drawing/2007/8/2/chart" Requires="c14">
+      <c14:style val="102"/>
+    </mc:Choice>
+    <mc:Fallback>
+      <c:style val="2"/>
+    </mc:Fallback>
+  </mc:AlternateContent>
+  <c:chart>
+    <c:title>
+      <c:tx>
+        <c:rich>
+          <a:bodyPr/>
+          <a:lstStyle/>
+          <a:p>
+            <a:pPr>
+              <a:defRPr sz="1400" b="0" i="0" u="none" strike="noStrike" baseline="0">
+                <a:solidFill>
+                  <a:srgbClr val="333333"/>
+                </a:solidFill>
+                <a:latin typeface="PingFang TC Regular"/>
+                <a:ea typeface="新細明體"/>
+                <a:cs typeface="PingFang TC Regular"/>
+              </a:defRPr>
+            </a:pPr>
+            <a:r>
+              <a:rPr lang="zh-TW" altLang="en-US">
+                <a:latin typeface="PingFang TC Regular"/>
+                <a:cs typeface="PingFang TC Regular"/>
+              </a:rPr>
+              <a:t>個人累積工作時數</a:t>
+            </a:r>
+          </a:p>
+        </c:rich>
+      </c:tx>
+      <c:layout/>
+      <c:overlay val="0"/>
+      <c:spPr>
+        <a:noFill/>
+        <a:ln w="25400">
+          <a:noFill/>
+        </a:ln>
+      </c:spPr>
+    </c:title>
+    <c:autoTitleDeleted val="0"/>
+    <c:plotArea>
+      <c:layout>
+        <c:manualLayout>
+          <c:layoutTarget val="inner"/>
+          <c:xMode val="edge"/>
+          <c:yMode val="edge"/>
+          <c:x val="0.155977752921053"/>
+          <c:y val="0.239650661403987"/>
+          <c:w val="0.579842122257317"/>
+          <c:h val="0.683989911860594"/>
+        </c:manualLayout>
+      </c:layout>
+      <c:barChart>
+        <c:barDir val="col"/>
+        <c:grouping val="clustered"/>
+        <c:varyColors val="0"/>
+        <c:ser>
+          <c:idx val="0"/>
+          <c:order val="0"/>
+          <c:tx>
+            <c:v>蔡易儒</c:v>
+          </c:tx>
+          <c:spPr>
+            <a:solidFill>
+              <a:srgbClr val="4F81BD"/>
+            </a:solidFill>
+            <a:ln w="25400">
+              <a:noFill/>
+            </a:ln>
+          </c:spPr>
+          <c:invertIfNegative val="0"/>
+          <c:val>
+            <c:numRef>
+              <c:f>每日消耗時數!$B$67</c:f>
+              <c:numCache>
+                <c:formatCode>General</c:formatCode>
+                <c:ptCount val="1"/>
+                <c:pt idx="0">
+                  <c:v>18.0</c:v>
+                </c:pt>
+              </c:numCache>
+            </c:numRef>
+          </c:val>
+        </c:ser>
+        <c:ser>
+          <c:idx val="1"/>
+          <c:order val="1"/>
+          <c:tx>
+            <c:v>陳亮宇</c:v>
+          </c:tx>
+          <c:spPr>
+            <a:solidFill>
+              <a:srgbClr val="C0504D"/>
+            </a:solidFill>
+            <a:ln w="25400">
+              <a:noFill/>
+            </a:ln>
+          </c:spPr>
+          <c:invertIfNegative val="0"/>
+          <c:val>
+            <c:numRef>
+              <c:f>每日消耗時數!$C$67</c:f>
+              <c:numCache>
+                <c:formatCode>General</c:formatCode>
+                <c:ptCount val="1"/>
+                <c:pt idx="0">
+                  <c:v>17.0</c:v>
+                </c:pt>
+              </c:numCache>
+            </c:numRef>
+          </c:val>
+        </c:ser>
+        <c:ser>
+          <c:idx val="2"/>
+          <c:order val="2"/>
+          <c:tx>
+            <c:v>鄒令業</c:v>
+          </c:tx>
+          <c:spPr>
+            <a:solidFill>
+              <a:srgbClr val="9BBB59"/>
+            </a:solidFill>
+            <a:ln w="25400">
+              <a:noFill/>
+            </a:ln>
+          </c:spPr>
+          <c:invertIfNegative val="0"/>
+          <c:val>
+            <c:numRef>
+              <c:f>每日消耗時數!$D$67</c:f>
+              <c:numCache>
+                <c:formatCode>General</c:formatCode>
+                <c:ptCount val="1"/>
+                <c:pt idx="0">
+                  <c:v>16.5</c:v>
+                </c:pt>
+              </c:numCache>
+            </c:numRef>
+          </c:val>
+        </c:ser>
+        <c:ser>
+          <c:idx val="3"/>
+          <c:order val="3"/>
+          <c:tx>
+            <c:v>林家文</c:v>
+          </c:tx>
+          <c:spPr>
+            <a:solidFill>
+              <a:srgbClr val="8064A2"/>
+            </a:solidFill>
+            <a:ln w="25400">
+              <a:noFill/>
+            </a:ln>
+          </c:spPr>
+          <c:invertIfNegative val="0"/>
+          <c:val>
+            <c:numRef>
+              <c:f>每日消耗時數!$E$67</c:f>
+              <c:numCache>
+                <c:formatCode>General</c:formatCode>
+                <c:ptCount val="1"/>
+                <c:pt idx="0">
+                  <c:v>14.0</c:v>
+                </c:pt>
+              </c:numCache>
+            </c:numRef>
+          </c:val>
+        </c:ser>
+        <c:ser>
+          <c:idx val="4"/>
+          <c:order val="4"/>
+          <c:tx>
+            <c:v>施帛辰</c:v>
+          </c:tx>
+          <c:spPr>
+            <a:solidFill>
+              <a:srgbClr val="4BACC6"/>
+            </a:solidFill>
+            <a:ln w="25400">
+              <a:noFill/>
+            </a:ln>
+          </c:spPr>
+          <c:invertIfNegative val="0"/>
+          <c:val>
+            <c:numRef>
+              <c:f>每日消耗時數!$F$67</c:f>
+              <c:numCache>
+                <c:formatCode>General</c:formatCode>
+                <c:ptCount val="1"/>
+                <c:pt idx="0">
+                  <c:v>13.5</c:v>
+                </c:pt>
+              </c:numCache>
+            </c:numRef>
+          </c:val>
+        </c:ser>
+        <c:dLbls>
+          <c:showLegendKey val="0"/>
+          <c:showVal val="0"/>
+          <c:showCatName val="0"/>
+          <c:showSerName val="0"/>
+          <c:showPercent val="0"/>
+          <c:showBubbleSize val="0"/>
+        </c:dLbls>
+        <c:gapWidth val="219"/>
+        <c:overlap val="-27"/>
+        <c:axId val="1856347112"/>
+        <c:axId val="1856350168"/>
+      </c:barChart>
+      <c:catAx>
+        <c:axId val="1856347112"/>
+        <c:scaling>
+          <c:orientation val="minMax"/>
+        </c:scaling>
+        <c:delete val="1"/>
+        <c:axPos val="b"/>
+        <c:majorTickMark val="out"/>
+        <c:minorTickMark val="none"/>
+        <c:tickLblPos val="nextTo"/>
+        <c:crossAx val="1856350168"/>
+        <c:crosses val="autoZero"/>
+        <c:auto val="1"/>
+        <c:lblAlgn val="ctr"/>
+        <c:lblOffset val="100"/>
+        <c:noMultiLvlLbl val="0"/>
+      </c:catAx>
+      <c:valAx>
+        <c:axId val="1856350168"/>
+        <c:scaling>
+          <c:orientation val="minMax"/>
+        </c:scaling>
+        <c:delete val="0"/>
+        <c:axPos val="l"/>
+        <c:majorGridlines>
+          <c:spPr>
+            <a:ln w="3175">
+              <a:solidFill>
+                <a:srgbClr val="C0C0C0"/>
+              </a:solidFill>
+              <a:prstDash val="solid"/>
+            </a:ln>
+          </c:spPr>
+        </c:majorGridlines>
+        <c:title>
+          <c:tx>
+            <c:rich>
+              <a:bodyPr/>
+              <a:lstStyle/>
+              <a:p>
+                <a:pPr>
+                  <a:defRPr sz="1000" b="0" i="0" u="none" strike="noStrike" baseline="0">
+                    <a:solidFill>
+                      <a:srgbClr val="333333"/>
+                    </a:solidFill>
+                    <a:latin typeface="新細明體"/>
+                    <a:ea typeface="新細明體"/>
+                    <a:cs typeface="新細明體"/>
+                  </a:defRPr>
+                </a:pPr>
+                <a:r>
+                  <a:rPr lang="zh-TW" altLang="en-US"/>
+                  <a:t>時數</a:t>
+                </a:r>
+              </a:p>
+            </c:rich>
+          </c:tx>
+          <c:layout/>
+          <c:overlay val="0"/>
+          <c:spPr>
+            <a:noFill/>
+            <a:ln w="25400">
+              <a:noFill/>
+            </a:ln>
+          </c:spPr>
+        </c:title>
+        <c:numFmt formatCode="General" sourceLinked="1"/>
+        <c:majorTickMark val="none"/>
+        <c:minorTickMark val="none"/>
+        <c:tickLblPos val="nextTo"/>
+        <c:spPr>
+          <a:ln w="9525">
+            <a:noFill/>
+          </a:ln>
+        </c:spPr>
+        <c:txPr>
+          <a:bodyPr rot="-60000000" spcFirstLastPara="1" vertOverflow="ellipsis" vert="horz" wrap="square" anchor="ctr" anchorCtr="1"/>
+          <a:lstStyle/>
+          <a:p>
+            <a:pPr>
+              <a:defRPr sz="900" b="0" i="0" u="none" strike="noStrike" kern="1200" baseline="0">
+                <a:solidFill>
+                  <a:schemeClr val="tx1">
+                    <a:lumMod val="65000"/>
+                    <a:lumOff val="35000"/>
+                  </a:schemeClr>
+                </a:solidFill>
+                <a:latin typeface="+mn-lt"/>
+                <a:ea typeface="+mn-ea"/>
+                <a:cs typeface="+mn-cs"/>
+              </a:defRPr>
+            </a:pPr>
+            <a:endParaRPr lang="zh-TW"/>
+          </a:p>
+        </c:txPr>
+        <c:crossAx val="1856347112"/>
+        <c:crosses val="autoZero"/>
+        <c:crossBetween val="between"/>
+      </c:valAx>
+      <c:spPr>
+        <a:noFill/>
+        <a:ln w="25400">
+          <a:noFill/>
+        </a:ln>
+      </c:spPr>
+    </c:plotArea>
+    <c:legend>
+      <c:legendPos val="r"/>
+      <c:layout>
+        <c:manualLayout>
+          <c:xMode val="edge"/>
+          <c:yMode val="edge"/>
+          <c:x val="0.821519092496399"/>
+          <c:y val="0.385714848143982"/>
+          <c:w val="0.164527071742079"/>
+          <c:h val="0.300000562429696"/>
+        </c:manualLayout>
+      </c:layout>
+      <c:overlay val="0"/>
+      <c:spPr>
+        <a:noFill/>
+        <a:ln w="25400">
+          <a:noFill/>
+        </a:ln>
+      </c:spPr>
+      <c:txPr>
+        <a:bodyPr rot="0" spcFirstLastPara="1" vertOverflow="ellipsis" vert="horz" wrap="square" anchor="ctr" anchorCtr="1"/>
+        <a:lstStyle/>
+        <a:p>
+          <a:pPr>
+            <a:defRPr sz="900" b="0" i="0" u="none" strike="noStrike" kern="1200" baseline="0">
+              <a:solidFill>
+                <a:schemeClr val="tx1">
+                  <a:lumMod val="65000"/>
+                  <a:lumOff val="35000"/>
+                </a:schemeClr>
+              </a:solidFill>
+              <a:latin typeface="+mn-lt"/>
+              <a:ea typeface="+mn-ea"/>
+              <a:cs typeface="+mn-cs"/>
+            </a:defRPr>
+          </a:pPr>
+          <a:endParaRPr lang="zh-TW"/>
+        </a:p>
+      </c:txPr>
+    </c:legend>
+    <c:plotVisOnly val="1"/>
+    <c:dispBlanksAs val="gap"/>
+    <c:showDLblsOverMax val="0"/>
+  </c:chart>
+  <c:spPr>
+    <a:solidFill>
+      <a:srgbClr val="FFFFFF"/>
+    </a:solidFill>
+    <a:ln w="3175">
+      <a:solidFill>
+        <a:srgbClr val="C0C0C0"/>
+      </a:solidFill>
+      <a:prstDash val="solid"/>
+    </a:ln>
+  </c:spPr>
+  <c:txPr>
+    <a:bodyPr/>
+    <a:lstStyle/>
+    <a:p>
+      <a:pPr>
+        <a:defRPr/>
+      </a:pPr>
+      <a:endParaRPr lang="zh-TW"/>
+    </a:p>
+  </c:txPr>
+  <c:externalData r:id="rId1">
+    <c:autoUpdate val="0"/>
+  </c:externalData>
+</c:chartSpace>
+</file>
+
 <file path=ppt/slideLayouts/slideLayout1.xml><?xml version="1.0" encoding="utf-8"?>
 <p:sldLayout xmlns:a="http://schemas.openxmlformats.org/drawingml/2006/main" xmlns:r="http://schemas.openxmlformats.org/officeDocument/2006/relationships" xmlns:p="http://schemas.openxmlformats.org/presentationml/2006/main" type="title" preserve="1">
   <p:cSld name="標題投影片">
@@ -133,7 +1448,7 @@
       </p:grpSpPr>
       <p:sp>
         <p:nvSpPr>
-          <p:cNvPr id="2" name="Title 1"/>
+          <p:cNvPr id="2" name="標題 1"/>
           <p:cNvSpPr>
             <a:spLocks noGrp="1"/>
           </p:cNvSpPr>
@@ -152,16 +1467,16 @@
           <a:lstStyle/>
           <a:p>
             <a:r>
-              <a:rPr lang="zh-TW" altLang="en-US" smtClean="0"/>
+              <a:rPr kumimoji="1" lang="zh-TW" altLang="en-US" smtClean="0"/>
               <a:t>按一下以編輯母片標題樣式</a:t>
             </a:r>
-            <a:endParaRPr lang="en-US"/>
-          </a:p>
-        </p:txBody>
-      </p:sp>
-      <p:sp>
-        <p:nvSpPr>
-          <p:cNvPr id="3" name="Subtitle 2"/>
+            <a:endParaRPr kumimoji="1" lang="zh-TW" altLang="en-US"/>
+          </a:p>
+        </p:txBody>
+      </p:sp>
+      <p:sp>
+        <p:nvSpPr>
+          <p:cNvPr id="3" name="子標題 2"/>
           <p:cNvSpPr>
             <a:spLocks noGrp="1"/>
           </p:cNvSpPr>
@@ -271,16 +1586,16 @@
           </a:lstStyle>
           <a:p>
             <a:r>
-              <a:rPr lang="zh-TW" altLang="en-US" smtClean="0"/>
+              <a:rPr kumimoji="1" lang="zh-TW" altLang="en-US" smtClean="0"/>
               <a:t>按一下以編輯母片子標題樣式</a:t>
             </a:r>
-            <a:endParaRPr lang="en-US"/>
-          </a:p>
-        </p:txBody>
-      </p:sp>
-      <p:sp>
-        <p:nvSpPr>
-          <p:cNvPr id="4" name="Date Placeholder 3"/>
+            <a:endParaRPr kumimoji="1" lang="zh-TW" altLang="en-US"/>
+          </a:p>
+        </p:txBody>
+      </p:sp>
+      <p:sp>
+        <p:nvSpPr>
+          <p:cNvPr id="4" name="日期版面配置區 3"/>
           <p:cNvSpPr>
             <a:spLocks noGrp="1"/>
           </p:cNvSpPr>
@@ -295,7 +1610,7 @@
           <a:p>
             <a:fld id="{6BFECD78-3C8E-49F2-8FAB-59489D168ABB}" type="datetimeFigureOut">
               <a:rPr lang="en-US" smtClean="0"/>
-              <a:t>15/11/16</a:t>
+              <a:t>15/11/17</a:t>
             </a:fld>
             <a:endParaRPr lang="en-US"/>
           </a:p>
@@ -303,7 +1618,7 @@
       </p:sp>
       <p:sp>
         <p:nvSpPr>
-          <p:cNvPr id="5" name="Footer Placeholder 4"/>
+          <p:cNvPr id="5" name="頁尾版面配置區 4"/>
           <p:cNvSpPr>
             <a:spLocks noGrp="1"/>
           </p:cNvSpPr>
@@ -322,7 +1637,7 @@
       </p:sp>
       <p:sp>
         <p:nvSpPr>
-          <p:cNvPr id="6" name="Slide Number Placeholder 5"/>
+          <p:cNvPr id="6" name="投影片編號版面配置區 5"/>
           <p:cNvSpPr>
             <a:spLocks noGrp="1"/>
           </p:cNvSpPr>
@@ -346,7 +1661,7 @@
     </p:spTree>
     <p:extLst>
       <p:ext uri="{BB962C8B-B14F-4D97-AF65-F5344CB8AC3E}">
-        <p14:creationId xmlns:p14="http://schemas.microsoft.com/office/powerpoint/2010/main" val="2702019936"/>
+        <p14:creationId xmlns:p14="http://schemas.microsoft.com/office/powerpoint/2010/main" val="3858749475"/>
       </p:ext>
     </p:extLst>
   </p:cSld>
@@ -375,7 +1690,7 @@
       </p:grpSpPr>
       <p:sp>
         <p:nvSpPr>
-          <p:cNvPr id="2" name="Title 1"/>
+          <p:cNvPr id="2" name="標題 1"/>
           <p:cNvSpPr>
             <a:spLocks noGrp="1"/>
           </p:cNvSpPr>
@@ -389,16 +1704,16 @@
           <a:lstStyle/>
           <a:p>
             <a:r>
-              <a:rPr lang="zh-TW" altLang="en-US" smtClean="0"/>
+              <a:rPr kumimoji="1" lang="zh-TW" altLang="en-US" smtClean="0"/>
               <a:t>按一下以編輯母片標題樣式</a:t>
             </a:r>
-            <a:endParaRPr lang="en-US"/>
-          </a:p>
-        </p:txBody>
-      </p:sp>
-      <p:sp>
-        <p:nvSpPr>
-          <p:cNvPr id="3" name="Vertical Text Placeholder 2"/>
+            <a:endParaRPr kumimoji="1" lang="zh-TW" altLang="en-US"/>
+          </a:p>
+        </p:txBody>
+      </p:sp>
+      <p:sp>
+        <p:nvSpPr>
+          <p:cNvPr id="3" name="直排文字版面配置區 2"/>
           <p:cNvSpPr>
             <a:spLocks noGrp="1"/>
           </p:cNvSpPr>
@@ -413,44 +1728,44 @@
           <a:p>
             <a:pPr lvl="0"/>
             <a:r>
-              <a:rPr lang="zh-TW" altLang="en-US" smtClean="0"/>
+              <a:rPr kumimoji="1" lang="zh-TW" altLang="en-US" smtClean="0"/>
               <a:t>按一下以編輯母片文字樣式</a:t>
             </a:r>
           </a:p>
           <a:p>
             <a:pPr lvl="1"/>
             <a:r>
-              <a:rPr lang="zh-TW" altLang="en-US" smtClean="0"/>
+              <a:rPr kumimoji="1" lang="zh-TW" altLang="en-US" smtClean="0"/>
               <a:t>第二層</a:t>
             </a:r>
           </a:p>
           <a:p>
             <a:pPr lvl="2"/>
             <a:r>
-              <a:rPr lang="zh-TW" altLang="en-US" smtClean="0"/>
+              <a:rPr kumimoji="1" lang="zh-TW" altLang="en-US" smtClean="0"/>
               <a:t>第三層</a:t>
             </a:r>
           </a:p>
           <a:p>
             <a:pPr lvl="3"/>
             <a:r>
-              <a:rPr lang="zh-TW" altLang="en-US" smtClean="0"/>
+              <a:rPr kumimoji="1" lang="zh-TW" altLang="en-US" smtClean="0"/>
               <a:t>第四層</a:t>
             </a:r>
           </a:p>
           <a:p>
             <a:pPr lvl="4"/>
             <a:r>
-              <a:rPr lang="zh-TW" altLang="en-US" smtClean="0"/>
+              <a:rPr kumimoji="1" lang="zh-TW" altLang="en-US" smtClean="0"/>
               <a:t>第五層</a:t>
             </a:r>
-            <a:endParaRPr lang="en-US"/>
-          </a:p>
-        </p:txBody>
-      </p:sp>
-      <p:sp>
-        <p:nvSpPr>
-          <p:cNvPr id="4" name="Date Placeholder 3"/>
+            <a:endParaRPr kumimoji="1" lang="zh-TW" altLang="en-US"/>
+          </a:p>
+        </p:txBody>
+      </p:sp>
+      <p:sp>
+        <p:nvSpPr>
+          <p:cNvPr id="4" name="日期版面配置區 3"/>
           <p:cNvSpPr>
             <a:spLocks noGrp="1"/>
           </p:cNvSpPr>
@@ -465,7 +1780,7 @@
           <a:p>
             <a:fld id="{6BFECD78-3C8E-49F2-8FAB-59489D168ABB}" type="datetimeFigureOut">
               <a:rPr lang="en-US" smtClean="0"/>
-              <a:t>15/11/16</a:t>
+              <a:t>15/11/17</a:t>
             </a:fld>
             <a:endParaRPr lang="en-US"/>
           </a:p>
@@ -473,7 +1788,7 @@
       </p:sp>
       <p:sp>
         <p:nvSpPr>
-          <p:cNvPr id="5" name="Footer Placeholder 4"/>
+          <p:cNvPr id="5" name="頁尾版面配置區 4"/>
           <p:cNvSpPr>
             <a:spLocks noGrp="1"/>
           </p:cNvSpPr>
@@ -492,7 +1807,7 @@
       </p:sp>
       <p:sp>
         <p:nvSpPr>
-          <p:cNvPr id="6" name="Slide Number Placeholder 5"/>
+          <p:cNvPr id="6" name="投影片編號版面配置區 5"/>
           <p:cNvSpPr>
             <a:spLocks noGrp="1"/>
           </p:cNvSpPr>
@@ -516,7 +1831,7 @@
     </p:spTree>
     <p:extLst>
       <p:ext uri="{BB962C8B-B14F-4D97-AF65-F5344CB8AC3E}">
-        <p14:creationId xmlns:p14="http://schemas.microsoft.com/office/powerpoint/2010/main" val="2949498235"/>
+        <p14:creationId xmlns:p14="http://schemas.microsoft.com/office/powerpoint/2010/main" val="2828569044"/>
       </p:ext>
     </p:extLst>
   </p:cSld>
@@ -545,7 +1860,7 @@
       </p:grpSpPr>
       <p:sp>
         <p:nvSpPr>
-          <p:cNvPr id="2" name="Vertical Title 1"/>
+          <p:cNvPr id="2" name="垂直標題 1"/>
           <p:cNvSpPr>
             <a:spLocks noGrp="1"/>
           </p:cNvSpPr>
@@ -564,16 +1879,16 @@
           <a:lstStyle/>
           <a:p>
             <a:r>
-              <a:rPr lang="zh-TW" altLang="en-US" smtClean="0"/>
+              <a:rPr kumimoji="1" lang="zh-TW" altLang="en-US" smtClean="0"/>
               <a:t>按一下以編輯母片標題樣式</a:t>
             </a:r>
-            <a:endParaRPr lang="en-US"/>
-          </a:p>
-        </p:txBody>
-      </p:sp>
-      <p:sp>
-        <p:nvSpPr>
-          <p:cNvPr id="3" name="Vertical Text Placeholder 2"/>
+            <a:endParaRPr kumimoji="1" lang="zh-TW" altLang="en-US"/>
+          </a:p>
+        </p:txBody>
+      </p:sp>
+      <p:sp>
+        <p:nvSpPr>
+          <p:cNvPr id="3" name="直排文字版面配置區 2"/>
           <p:cNvSpPr>
             <a:spLocks noGrp="1"/>
           </p:cNvSpPr>
@@ -593,44 +1908,44 @@
           <a:p>
             <a:pPr lvl="0"/>
             <a:r>
-              <a:rPr lang="zh-TW" altLang="en-US" smtClean="0"/>
+              <a:rPr kumimoji="1" lang="zh-TW" altLang="en-US" smtClean="0"/>
               <a:t>按一下以編輯母片文字樣式</a:t>
             </a:r>
           </a:p>
           <a:p>
             <a:pPr lvl="1"/>
             <a:r>
-              <a:rPr lang="zh-TW" altLang="en-US" smtClean="0"/>
+              <a:rPr kumimoji="1" lang="zh-TW" altLang="en-US" smtClean="0"/>
               <a:t>第二層</a:t>
             </a:r>
           </a:p>
           <a:p>
             <a:pPr lvl="2"/>
             <a:r>
-              <a:rPr lang="zh-TW" altLang="en-US" smtClean="0"/>
+              <a:rPr kumimoji="1" lang="zh-TW" altLang="en-US" smtClean="0"/>
               <a:t>第三層</a:t>
             </a:r>
           </a:p>
           <a:p>
             <a:pPr lvl="3"/>
             <a:r>
-              <a:rPr lang="zh-TW" altLang="en-US" smtClean="0"/>
+              <a:rPr kumimoji="1" lang="zh-TW" altLang="en-US" smtClean="0"/>
               <a:t>第四層</a:t>
             </a:r>
           </a:p>
           <a:p>
             <a:pPr lvl="4"/>
             <a:r>
-              <a:rPr lang="zh-TW" altLang="en-US" smtClean="0"/>
+              <a:rPr kumimoji="1" lang="zh-TW" altLang="en-US" smtClean="0"/>
               <a:t>第五層</a:t>
             </a:r>
-            <a:endParaRPr lang="en-US"/>
-          </a:p>
-        </p:txBody>
-      </p:sp>
-      <p:sp>
-        <p:nvSpPr>
-          <p:cNvPr id="4" name="Date Placeholder 3"/>
+            <a:endParaRPr kumimoji="1" lang="zh-TW" altLang="en-US"/>
+          </a:p>
+        </p:txBody>
+      </p:sp>
+      <p:sp>
+        <p:nvSpPr>
+          <p:cNvPr id="4" name="日期版面配置區 3"/>
           <p:cNvSpPr>
             <a:spLocks noGrp="1"/>
           </p:cNvSpPr>
@@ -645,7 +1960,7 @@
           <a:p>
             <a:fld id="{6BFECD78-3C8E-49F2-8FAB-59489D168ABB}" type="datetimeFigureOut">
               <a:rPr lang="en-US" smtClean="0"/>
-              <a:t>15/11/16</a:t>
+              <a:t>15/11/17</a:t>
             </a:fld>
             <a:endParaRPr lang="en-US"/>
           </a:p>
@@ -653,7 +1968,7 @@
       </p:sp>
       <p:sp>
         <p:nvSpPr>
-          <p:cNvPr id="5" name="Footer Placeholder 4"/>
+          <p:cNvPr id="5" name="頁尾版面配置區 4"/>
           <p:cNvSpPr>
             <a:spLocks noGrp="1"/>
           </p:cNvSpPr>
@@ -672,7 +1987,7 @@
       </p:sp>
       <p:sp>
         <p:nvSpPr>
-          <p:cNvPr id="6" name="Slide Number Placeholder 5"/>
+          <p:cNvPr id="6" name="投影片編號版面配置區 5"/>
           <p:cNvSpPr>
             <a:spLocks noGrp="1"/>
           </p:cNvSpPr>
@@ -696,7 +2011,7 @@
     </p:spTree>
     <p:extLst>
       <p:ext uri="{BB962C8B-B14F-4D97-AF65-F5344CB8AC3E}">
-        <p14:creationId xmlns:p14="http://schemas.microsoft.com/office/powerpoint/2010/main" val="1427941222"/>
+        <p14:creationId xmlns:p14="http://schemas.microsoft.com/office/powerpoint/2010/main" val="4101688513"/>
       </p:ext>
     </p:extLst>
   </p:cSld>
@@ -725,7 +2040,7 @@
       </p:grpSpPr>
       <p:sp>
         <p:nvSpPr>
-          <p:cNvPr id="2" name="Title 1"/>
+          <p:cNvPr id="2" name="標題 1"/>
           <p:cNvSpPr>
             <a:spLocks noGrp="1"/>
           </p:cNvSpPr>
@@ -739,16 +2054,16 @@
           <a:lstStyle/>
           <a:p>
             <a:r>
-              <a:rPr lang="zh-TW" altLang="en-US" smtClean="0"/>
+              <a:rPr kumimoji="1" lang="zh-TW" altLang="en-US" smtClean="0"/>
               <a:t>按一下以編輯母片標題樣式</a:t>
             </a:r>
-            <a:endParaRPr lang="en-US"/>
-          </a:p>
-        </p:txBody>
-      </p:sp>
-      <p:sp>
-        <p:nvSpPr>
-          <p:cNvPr id="3" name="Content Placeholder 2"/>
+            <a:endParaRPr kumimoji="1" lang="zh-TW" altLang="en-US"/>
+          </a:p>
+        </p:txBody>
+      </p:sp>
+      <p:sp>
+        <p:nvSpPr>
+          <p:cNvPr id="3" name="內容版面配置區 2"/>
           <p:cNvSpPr>
             <a:spLocks noGrp="1"/>
           </p:cNvSpPr>
@@ -763,44 +2078,44 @@
           <a:p>
             <a:pPr lvl="0"/>
             <a:r>
-              <a:rPr lang="zh-TW" altLang="en-US" smtClean="0"/>
+              <a:rPr kumimoji="1" lang="zh-TW" altLang="en-US" smtClean="0"/>
               <a:t>按一下以編輯母片文字樣式</a:t>
             </a:r>
           </a:p>
           <a:p>
             <a:pPr lvl="1"/>
             <a:r>
-              <a:rPr lang="zh-TW" altLang="en-US" smtClean="0"/>
+              <a:rPr kumimoji="1" lang="zh-TW" altLang="en-US" smtClean="0"/>
               <a:t>第二層</a:t>
             </a:r>
           </a:p>
           <a:p>
             <a:pPr lvl="2"/>
             <a:r>
-              <a:rPr lang="zh-TW" altLang="en-US" smtClean="0"/>
+              <a:rPr kumimoji="1" lang="zh-TW" altLang="en-US" smtClean="0"/>
               <a:t>第三層</a:t>
             </a:r>
           </a:p>
           <a:p>
             <a:pPr lvl="3"/>
             <a:r>
-              <a:rPr lang="zh-TW" altLang="en-US" smtClean="0"/>
+              <a:rPr kumimoji="1" lang="zh-TW" altLang="en-US" smtClean="0"/>
               <a:t>第四層</a:t>
             </a:r>
           </a:p>
           <a:p>
             <a:pPr lvl="4"/>
             <a:r>
-              <a:rPr lang="zh-TW" altLang="en-US" smtClean="0"/>
+              <a:rPr kumimoji="1" lang="zh-TW" altLang="en-US" smtClean="0"/>
               <a:t>第五層</a:t>
             </a:r>
-            <a:endParaRPr lang="en-US"/>
-          </a:p>
-        </p:txBody>
-      </p:sp>
-      <p:sp>
-        <p:nvSpPr>
-          <p:cNvPr id="4" name="Date Placeholder 3"/>
+            <a:endParaRPr kumimoji="1" lang="zh-TW" altLang="en-US"/>
+          </a:p>
+        </p:txBody>
+      </p:sp>
+      <p:sp>
+        <p:nvSpPr>
+          <p:cNvPr id="4" name="日期版面配置區 3"/>
           <p:cNvSpPr>
             <a:spLocks noGrp="1"/>
           </p:cNvSpPr>
@@ -815,7 +2130,7 @@
           <a:p>
             <a:fld id="{6BFECD78-3C8E-49F2-8FAB-59489D168ABB}" type="datetimeFigureOut">
               <a:rPr lang="en-US" smtClean="0"/>
-              <a:t>15/11/16</a:t>
+              <a:t>15/11/17</a:t>
             </a:fld>
             <a:endParaRPr lang="en-US"/>
           </a:p>
@@ -823,7 +2138,7 @@
       </p:sp>
       <p:sp>
         <p:nvSpPr>
-          <p:cNvPr id="5" name="Footer Placeholder 4"/>
+          <p:cNvPr id="5" name="頁尾版面配置區 4"/>
           <p:cNvSpPr>
             <a:spLocks noGrp="1"/>
           </p:cNvSpPr>
@@ -842,7 +2157,7 @@
       </p:sp>
       <p:sp>
         <p:nvSpPr>
-          <p:cNvPr id="6" name="Slide Number Placeholder 5"/>
+          <p:cNvPr id="6" name="投影片編號版面配置區 5"/>
           <p:cNvSpPr>
             <a:spLocks noGrp="1"/>
           </p:cNvSpPr>
@@ -866,7 +2181,7 @@
     </p:spTree>
     <p:extLst>
       <p:ext uri="{BB962C8B-B14F-4D97-AF65-F5344CB8AC3E}">
-        <p14:creationId xmlns:p14="http://schemas.microsoft.com/office/powerpoint/2010/main" val="2275933374"/>
+        <p14:creationId xmlns:p14="http://schemas.microsoft.com/office/powerpoint/2010/main" val="972043231"/>
       </p:ext>
     </p:extLst>
   </p:cSld>
@@ -895,7 +2210,7 @@
       </p:grpSpPr>
       <p:sp>
         <p:nvSpPr>
-          <p:cNvPr id="2" name="Title 1"/>
+          <p:cNvPr id="2" name="標題 1"/>
           <p:cNvSpPr>
             <a:spLocks noGrp="1"/>
           </p:cNvSpPr>
@@ -918,16 +2233,16 @@
           </a:lstStyle>
           <a:p>
             <a:r>
-              <a:rPr lang="zh-TW" altLang="en-US" smtClean="0"/>
+              <a:rPr kumimoji="1" lang="zh-TW" altLang="en-US" smtClean="0"/>
               <a:t>按一下以編輯母片標題樣式</a:t>
             </a:r>
-            <a:endParaRPr lang="en-US"/>
-          </a:p>
-        </p:txBody>
-      </p:sp>
-      <p:sp>
-        <p:nvSpPr>
-          <p:cNvPr id="3" name="Text Placeholder 2"/>
+            <a:endParaRPr kumimoji="1" lang="zh-TW" altLang="en-US"/>
+          </a:p>
+        </p:txBody>
+      </p:sp>
+      <p:sp>
+        <p:nvSpPr>
+          <p:cNvPr id="3" name="文字版面配置區 2"/>
           <p:cNvSpPr>
             <a:spLocks noGrp="1"/>
           </p:cNvSpPr>
@@ -1038,7 +2353,7 @@
           <a:p>
             <a:pPr lvl="0"/>
             <a:r>
-              <a:rPr lang="zh-TW" altLang="en-US" smtClean="0"/>
+              <a:rPr kumimoji="1" lang="zh-TW" altLang="en-US" smtClean="0"/>
               <a:t>按一下以編輯母片文字樣式</a:t>
             </a:r>
           </a:p>
@@ -1046,7 +2361,7 @@
       </p:sp>
       <p:sp>
         <p:nvSpPr>
-          <p:cNvPr id="4" name="Date Placeholder 3"/>
+          <p:cNvPr id="4" name="日期版面配置區 3"/>
           <p:cNvSpPr>
             <a:spLocks noGrp="1"/>
           </p:cNvSpPr>
@@ -1061,7 +2376,7 @@
           <a:p>
             <a:fld id="{6BFECD78-3C8E-49F2-8FAB-59489D168ABB}" type="datetimeFigureOut">
               <a:rPr lang="en-US" smtClean="0"/>
-              <a:t>15/11/16</a:t>
+              <a:t>15/11/17</a:t>
             </a:fld>
             <a:endParaRPr lang="en-US"/>
           </a:p>
@@ -1069,7 +2384,7 @@
       </p:sp>
       <p:sp>
         <p:nvSpPr>
-          <p:cNvPr id="5" name="Footer Placeholder 4"/>
+          <p:cNvPr id="5" name="頁尾版面配置區 4"/>
           <p:cNvSpPr>
             <a:spLocks noGrp="1"/>
           </p:cNvSpPr>
@@ -1088,7 +2403,7 @@
       </p:sp>
       <p:sp>
         <p:nvSpPr>
-          <p:cNvPr id="6" name="Slide Number Placeholder 5"/>
+          <p:cNvPr id="6" name="投影片編號版面配置區 5"/>
           <p:cNvSpPr>
             <a:spLocks noGrp="1"/>
           </p:cNvSpPr>
@@ -1112,7 +2427,7 @@
     </p:spTree>
     <p:extLst>
       <p:ext uri="{BB962C8B-B14F-4D97-AF65-F5344CB8AC3E}">
-        <p14:creationId xmlns:p14="http://schemas.microsoft.com/office/powerpoint/2010/main" val="1798952600"/>
+        <p14:creationId xmlns:p14="http://schemas.microsoft.com/office/powerpoint/2010/main" val="1926214813"/>
       </p:ext>
     </p:extLst>
   </p:cSld>
@@ -1141,7 +2456,7 @@
       </p:grpSpPr>
       <p:sp>
         <p:nvSpPr>
-          <p:cNvPr id="2" name="Title 1"/>
+          <p:cNvPr id="2" name="標題 1"/>
           <p:cNvSpPr>
             <a:spLocks noGrp="1"/>
           </p:cNvSpPr>
@@ -1155,16 +2470,16 @@
           <a:lstStyle/>
           <a:p>
             <a:r>
-              <a:rPr lang="zh-TW" altLang="en-US" smtClean="0"/>
+              <a:rPr kumimoji="1" lang="zh-TW" altLang="en-US" smtClean="0"/>
               <a:t>按一下以編輯母片標題樣式</a:t>
             </a:r>
-            <a:endParaRPr lang="en-US"/>
-          </a:p>
-        </p:txBody>
-      </p:sp>
-      <p:sp>
-        <p:nvSpPr>
-          <p:cNvPr id="3" name="Content Placeholder 2"/>
+            <a:endParaRPr kumimoji="1" lang="zh-TW" altLang="en-US"/>
+          </a:p>
+        </p:txBody>
+      </p:sp>
+      <p:sp>
+        <p:nvSpPr>
+          <p:cNvPr id="3" name="內容版面配置區 2"/>
           <p:cNvSpPr>
             <a:spLocks noGrp="1"/>
           </p:cNvSpPr>
@@ -1212,44 +2527,44 @@
           <a:p>
             <a:pPr lvl="0"/>
             <a:r>
-              <a:rPr lang="zh-TW" altLang="en-US" smtClean="0"/>
+              <a:rPr kumimoji="1" lang="zh-TW" altLang="en-US" smtClean="0"/>
               <a:t>按一下以編輯母片文字樣式</a:t>
             </a:r>
           </a:p>
           <a:p>
             <a:pPr lvl="1"/>
             <a:r>
-              <a:rPr lang="zh-TW" altLang="en-US" smtClean="0"/>
+              <a:rPr kumimoji="1" lang="zh-TW" altLang="en-US" smtClean="0"/>
               <a:t>第二層</a:t>
             </a:r>
           </a:p>
           <a:p>
             <a:pPr lvl="2"/>
             <a:r>
-              <a:rPr lang="zh-TW" altLang="en-US" smtClean="0"/>
+              <a:rPr kumimoji="1" lang="zh-TW" altLang="en-US" smtClean="0"/>
               <a:t>第三層</a:t>
             </a:r>
           </a:p>
           <a:p>
             <a:pPr lvl="3"/>
             <a:r>
-              <a:rPr lang="zh-TW" altLang="en-US" smtClean="0"/>
+              <a:rPr kumimoji="1" lang="zh-TW" altLang="en-US" smtClean="0"/>
               <a:t>第四層</a:t>
             </a:r>
           </a:p>
           <a:p>
             <a:pPr lvl="4"/>
             <a:r>
-              <a:rPr lang="zh-TW" altLang="en-US" smtClean="0"/>
+              <a:rPr kumimoji="1" lang="zh-TW" altLang="en-US" smtClean="0"/>
               <a:t>第五層</a:t>
             </a:r>
-            <a:endParaRPr lang="en-US"/>
-          </a:p>
-        </p:txBody>
-      </p:sp>
-      <p:sp>
-        <p:nvSpPr>
-          <p:cNvPr id="4" name="Content Placeholder 3"/>
+            <a:endParaRPr kumimoji="1" lang="zh-TW" altLang="en-US"/>
+          </a:p>
+        </p:txBody>
+      </p:sp>
+      <p:sp>
+        <p:nvSpPr>
+          <p:cNvPr id="4" name="內容版面配置區 3"/>
           <p:cNvSpPr>
             <a:spLocks noGrp="1"/>
           </p:cNvSpPr>
@@ -1297,44 +2612,44 @@
           <a:p>
             <a:pPr lvl="0"/>
             <a:r>
-              <a:rPr lang="zh-TW" altLang="en-US" smtClean="0"/>
+              <a:rPr kumimoji="1" lang="zh-TW" altLang="en-US" smtClean="0"/>
               <a:t>按一下以編輯母片文字樣式</a:t>
             </a:r>
           </a:p>
           <a:p>
             <a:pPr lvl="1"/>
             <a:r>
-              <a:rPr lang="zh-TW" altLang="en-US" smtClean="0"/>
+              <a:rPr kumimoji="1" lang="zh-TW" altLang="en-US" smtClean="0"/>
               <a:t>第二層</a:t>
             </a:r>
           </a:p>
           <a:p>
             <a:pPr lvl="2"/>
             <a:r>
-              <a:rPr lang="zh-TW" altLang="en-US" smtClean="0"/>
+              <a:rPr kumimoji="1" lang="zh-TW" altLang="en-US" smtClean="0"/>
               <a:t>第三層</a:t>
             </a:r>
           </a:p>
           <a:p>
             <a:pPr lvl="3"/>
             <a:r>
-              <a:rPr lang="zh-TW" altLang="en-US" smtClean="0"/>
+              <a:rPr kumimoji="1" lang="zh-TW" altLang="en-US" smtClean="0"/>
               <a:t>第四層</a:t>
             </a:r>
           </a:p>
           <a:p>
             <a:pPr lvl="4"/>
             <a:r>
-              <a:rPr lang="zh-TW" altLang="en-US" smtClean="0"/>
+              <a:rPr kumimoji="1" lang="zh-TW" altLang="en-US" smtClean="0"/>
               <a:t>第五層</a:t>
             </a:r>
-            <a:endParaRPr lang="en-US"/>
-          </a:p>
-        </p:txBody>
-      </p:sp>
-      <p:sp>
-        <p:nvSpPr>
-          <p:cNvPr id="5" name="Date Placeholder 4"/>
+            <a:endParaRPr kumimoji="1" lang="zh-TW" altLang="en-US"/>
+          </a:p>
+        </p:txBody>
+      </p:sp>
+      <p:sp>
+        <p:nvSpPr>
+          <p:cNvPr id="5" name="日期版面配置區 4"/>
           <p:cNvSpPr>
             <a:spLocks noGrp="1"/>
           </p:cNvSpPr>
@@ -1349,7 +2664,7 @@
           <a:p>
             <a:fld id="{6BFECD78-3C8E-49F2-8FAB-59489D168ABB}" type="datetimeFigureOut">
               <a:rPr lang="en-US" smtClean="0"/>
-              <a:t>15/11/16</a:t>
+              <a:t>15/11/17</a:t>
             </a:fld>
             <a:endParaRPr lang="en-US"/>
           </a:p>
@@ -1357,7 +2672,7 @@
       </p:sp>
       <p:sp>
         <p:nvSpPr>
-          <p:cNvPr id="6" name="Footer Placeholder 5"/>
+          <p:cNvPr id="6" name="頁尾版面配置區 5"/>
           <p:cNvSpPr>
             <a:spLocks noGrp="1"/>
           </p:cNvSpPr>
@@ -1376,7 +2691,7 @@
       </p:sp>
       <p:sp>
         <p:nvSpPr>
-          <p:cNvPr id="7" name="Slide Number Placeholder 6"/>
+          <p:cNvPr id="7" name="投影片編號版面配置區 6"/>
           <p:cNvSpPr>
             <a:spLocks noGrp="1"/>
           </p:cNvSpPr>
@@ -1400,7 +2715,7 @@
     </p:spTree>
     <p:extLst>
       <p:ext uri="{BB962C8B-B14F-4D97-AF65-F5344CB8AC3E}">
-        <p14:creationId xmlns:p14="http://schemas.microsoft.com/office/powerpoint/2010/main" val="1034301619"/>
+        <p14:creationId xmlns:p14="http://schemas.microsoft.com/office/powerpoint/2010/main" val="2578748374"/>
       </p:ext>
     </p:extLst>
   </p:cSld>
@@ -1429,7 +2744,7 @@
       </p:grpSpPr>
       <p:sp>
         <p:nvSpPr>
-          <p:cNvPr id="2" name="Title 1"/>
+          <p:cNvPr id="2" name="標題 1"/>
           <p:cNvSpPr>
             <a:spLocks noGrp="1"/>
           </p:cNvSpPr>
@@ -1447,16 +2762,16 @@
           </a:lstStyle>
           <a:p>
             <a:r>
-              <a:rPr lang="zh-TW" altLang="en-US" smtClean="0"/>
+              <a:rPr kumimoji="1" lang="zh-TW" altLang="en-US" smtClean="0"/>
               <a:t>按一下以編輯母片標題樣式</a:t>
             </a:r>
-            <a:endParaRPr lang="en-US"/>
-          </a:p>
-        </p:txBody>
-      </p:sp>
-      <p:sp>
-        <p:nvSpPr>
-          <p:cNvPr id="3" name="Text Placeholder 2"/>
+            <a:endParaRPr kumimoji="1" lang="zh-TW" altLang="en-US"/>
+          </a:p>
+        </p:txBody>
+      </p:sp>
+      <p:sp>
+        <p:nvSpPr>
+          <p:cNvPr id="3" name="文字版面配置區 2"/>
           <p:cNvSpPr>
             <a:spLocks noGrp="1"/>
           </p:cNvSpPr>
@@ -1513,7 +2828,7 @@
           <a:p>
             <a:pPr lvl="0"/>
             <a:r>
-              <a:rPr lang="zh-TW" altLang="en-US" smtClean="0"/>
+              <a:rPr kumimoji="1" lang="zh-TW" altLang="en-US" smtClean="0"/>
               <a:t>按一下以編輯母片文字樣式</a:t>
             </a:r>
           </a:p>
@@ -1521,7 +2836,7 @@
       </p:sp>
       <p:sp>
         <p:nvSpPr>
-          <p:cNvPr id="4" name="Content Placeholder 3"/>
+          <p:cNvPr id="4" name="內容版面配置區 3"/>
           <p:cNvSpPr>
             <a:spLocks noGrp="1"/>
           </p:cNvSpPr>
@@ -1569,44 +2884,44 @@
           <a:p>
             <a:pPr lvl="0"/>
             <a:r>
-              <a:rPr lang="zh-TW" altLang="en-US" smtClean="0"/>
+              <a:rPr kumimoji="1" lang="zh-TW" altLang="en-US" smtClean="0"/>
               <a:t>按一下以編輯母片文字樣式</a:t>
             </a:r>
           </a:p>
           <a:p>
             <a:pPr lvl="1"/>
             <a:r>
-              <a:rPr lang="zh-TW" altLang="en-US" smtClean="0"/>
+              <a:rPr kumimoji="1" lang="zh-TW" altLang="en-US" smtClean="0"/>
               <a:t>第二層</a:t>
             </a:r>
           </a:p>
           <a:p>
             <a:pPr lvl="2"/>
             <a:r>
-              <a:rPr lang="zh-TW" altLang="en-US" smtClean="0"/>
+              <a:rPr kumimoji="1" lang="zh-TW" altLang="en-US" smtClean="0"/>
               <a:t>第三層</a:t>
             </a:r>
           </a:p>
           <a:p>
             <a:pPr lvl="3"/>
             <a:r>
-              <a:rPr lang="zh-TW" altLang="en-US" smtClean="0"/>
+              <a:rPr kumimoji="1" lang="zh-TW" altLang="en-US" smtClean="0"/>
               <a:t>第四層</a:t>
             </a:r>
           </a:p>
           <a:p>
             <a:pPr lvl="4"/>
             <a:r>
-              <a:rPr lang="zh-TW" altLang="en-US" smtClean="0"/>
+              <a:rPr kumimoji="1" lang="zh-TW" altLang="en-US" smtClean="0"/>
               <a:t>第五層</a:t>
             </a:r>
-            <a:endParaRPr lang="en-US"/>
-          </a:p>
-        </p:txBody>
-      </p:sp>
-      <p:sp>
-        <p:nvSpPr>
-          <p:cNvPr id="5" name="Text Placeholder 4"/>
+            <a:endParaRPr kumimoji="1" lang="zh-TW" altLang="en-US"/>
+          </a:p>
+        </p:txBody>
+      </p:sp>
+      <p:sp>
+        <p:nvSpPr>
+          <p:cNvPr id="5" name="文字版面配置區 4"/>
           <p:cNvSpPr>
             <a:spLocks noGrp="1"/>
           </p:cNvSpPr>
@@ -1663,7 +2978,7 @@
           <a:p>
             <a:pPr lvl="0"/>
             <a:r>
-              <a:rPr lang="zh-TW" altLang="en-US" smtClean="0"/>
+              <a:rPr kumimoji="1" lang="zh-TW" altLang="en-US" smtClean="0"/>
               <a:t>按一下以編輯母片文字樣式</a:t>
             </a:r>
           </a:p>
@@ -1671,7 +2986,7 @@
       </p:sp>
       <p:sp>
         <p:nvSpPr>
-          <p:cNvPr id="6" name="Content Placeholder 5"/>
+          <p:cNvPr id="6" name="內容版面配置區 5"/>
           <p:cNvSpPr>
             <a:spLocks noGrp="1"/>
           </p:cNvSpPr>
@@ -1719,44 +3034,44 @@
           <a:p>
             <a:pPr lvl="0"/>
             <a:r>
-              <a:rPr lang="zh-TW" altLang="en-US" smtClean="0"/>
+              <a:rPr kumimoji="1" lang="zh-TW" altLang="en-US" smtClean="0"/>
               <a:t>按一下以編輯母片文字樣式</a:t>
             </a:r>
           </a:p>
           <a:p>
             <a:pPr lvl="1"/>
             <a:r>
-              <a:rPr lang="zh-TW" altLang="en-US" smtClean="0"/>
+              <a:rPr kumimoji="1" lang="zh-TW" altLang="en-US" smtClean="0"/>
               <a:t>第二層</a:t>
             </a:r>
           </a:p>
           <a:p>
             <a:pPr lvl="2"/>
             <a:r>
-              <a:rPr lang="zh-TW" altLang="en-US" smtClean="0"/>
+              <a:rPr kumimoji="1" lang="zh-TW" altLang="en-US" smtClean="0"/>
               <a:t>第三層</a:t>
             </a:r>
           </a:p>
           <a:p>
             <a:pPr lvl="3"/>
             <a:r>
-              <a:rPr lang="zh-TW" altLang="en-US" smtClean="0"/>
+              <a:rPr kumimoji="1" lang="zh-TW" altLang="en-US" smtClean="0"/>
               <a:t>第四層</a:t>
             </a:r>
           </a:p>
           <a:p>
             <a:pPr lvl="4"/>
             <a:r>
-              <a:rPr lang="zh-TW" altLang="en-US" smtClean="0"/>
+              <a:rPr kumimoji="1" lang="zh-TW" altLang="en-US" smtClean="0"/>
               <a:t>第五層</a:t>
             </a:r>
-            <a:endParaRPr lang="en-US"/>
-          </a:p>
-        </p:txBody>
-      </p:sp>
-      <p:sp>
-        <p:nvSpPr>
-          <p:cNvPr id="7" name="Date Placeholder 6"/>
+            <a:endParaRPr kumimoji="1" lang="zh-TW" altLang="en-US"/>
+          </a:p>
+        </p:txBody>
+      </p:sp>
+      <p:sp>
+        <p:nvSpPr>
+          <p:cNvPr id="7" name="日期版面配置區 6"/>
           <p:cNvSpPr>
             <a:spLocks noGrp="1"/>
           </p:cNvSpPr>
@@ -1771,7 +3086,7 @@
           <a:p>
             <a:fld id="{6BFECD78-3C8E-49F2-8FAB-59489D168ABB}" type="datetimeFigureOut">
               <a:rPr lang="en-US" smtClean="0"/>
-              <a:t>15/11/16</a:t>
+              <a:t>15/11/17</a:t>
             </a:fld>
             <a:endParaRPr lang="en-US"/>
           </a:p>
@@ -1779,7 +3094,7 @@
       </p:sp>
       <p:sp>
         <p:nvSpPr>
-          <p:cNvPr id="8" name="Footer Placeholder 7"/>
+          <p:cNvPr id="8" name="頁尾版面配置區 7"/>
           <p:cNvSpPr>
             <a:spLocks noGrp="1"/>
           </p:cNvSpPr>
@@ -1798,7 +3113,7 @@
       </p:sp>
       <p:sp>
         <p:nvSpPr>
-          <p:cNvPr id="9" name="Slide Number Placeholder 8"/>
+          <p:cNvPr id="9" name="投影片編號版面配置區 8"/>
           <p:cNvSpPr>
             <a:spLocks noGrp="1"/>
           </p:cNvSpPr>
@@ -1822,7 +3137,7 @@
     </p:spTree>
     <p:extLst>
       <p:ext uri="{BB962C8B-B14F-4D97-AF65-F5344CB8AC3E}">
-        <p14:creationId xmlns:p14="http://schemas.microsoft.com/office/powerpoint/2010/main" val="1417940929"/>
+        <p14:creationId xmlns:p14="http://schemas.microsoft.com/office/powerpoint/2010/main" val="1565840380"/>
       </p:ext>
     </p:extLst>
   </p:cSld>
@@ -1851,7 +3166,7 @@
       </p:grpSpPr>
       <p:sp>
         <p:nvSpPr>
-          <p:cNvPr id="2" name="Title 1"/>
+          <p:cNvPr id="2" name="標題 1"/>
           <p:cNvSpPr>
             <a:spLocks noGrp="1"/>
           </p:cNvSpPr>
@@ -1865,16 +3180,16 @@
           <a:lstStyle/>
           <a:p>
             <a:r>
-              <a:rPr lang="zh-TW" altLang="en-US" smtClean="0"/>
+              <a:rPr kumimoji="1" lang="zh-TW" altLang="en-US" smtClean="0"/>
               <a:t>按一下以編輯母片標題樣式</a:t>
             </a:r>
-            <a:endParaRPr lang="en-US"/>
-          </a:p>
-        </p:txBody>
-      </p:sp>
-      <p:sp>
-        <p:nvSpPr>
-          <p:cNvPr id="3" name="Date Placeholder 2"/>
+            <a:endParaRPr kumimoji="1" lang="zh-TW" altLang="en-US"/>
+          </a:p>
+        </p:txBody>
+      </p:sp>
+      <p:sp>
+        <p:nvSpPr>
+          <p:cNvPr id="3" name="日期版面配置區 2"/>
           <p:cNvSpPr>
             <a:spLocks noGrp="1"/>
           </p:cNvSpPr>
@@ -1889,7 +3204,7 @@
           <a:p>
             <a:fld id="{6BFECD78-3C8E-49F2-8FAB-59489D168ABB}" type="datetimeFigureOut">
               <a:rPr lang="en-US" smtClean="0"/>
-              <a:t>15/11/16</a:t>
+              <a:t>15/11/17</a:t>
             </a:fld>
             <a:endParaRPr lang="en-US"/>
           </a:p>
@@ -1897,7 +3212,7 @@
       </p:sp>
       <p:sp>
         <p:nvSpPr>
-          <p:cNvPr id="4" name="Footer Placeholder 3"/>
+          <p:cNvPr id="4" name="頁尾版面配置區 3"/>
           <p:cNvSpPr>
             <a:spLocks noGrp="1"/>
           </p:cNvSpPr>
@@ -1916,7 +3231,7 @@
       </p:sp>
       <p:sp>
         <p:nvSpPr>
-          <p:cNvPr id="5" name="Slide Number Placeholder 4"/>
+          <p:cNvPr id="5" name="投影片編號版面配置區 4"/>
           <p:cNvSpPr>
             <a:spLocks noGrp="1"/>
           </p:cNvSpPr>
@@ -1940,7 +3255,7 @@
     </p:spTree>
     <p:extLst>
       <p:ext uri="{BB962C8B-B14F-4D97-AF65-F5344CB8AC3E}">
-        <p14:creationId xmlns:p14="http://schemas.microsoft.com/office/powerpoint/2010/main" val="656067729"/>
+        <p14:creationId xmlns:p14="http://schemas.microsoft.com/office/powerpoint/2010/main" val="3927564879"/>
       </p:ext>
     </p:extLst>
   </p:cSld>
@@ -1969,7 +3284,7 @@
       </p:grpSpPr>
       <p:sp>
         <p:nvSpPr>
-          <p:cNvPr id="2" name="Date Placeholder 1"/>
+          <p:cNvPr id="2" name="日期版面配置區 1"/>
           <p:cNvSpPr>
             <a:spLocks noGrp="1"/>
           </p:cNvSpPr>
@@ -1984,7 +3299,7 @@
           <a:p>
             <a:fld id="{6BFECD78-3C8E-49F2-8FAB-59489D168ABB}" type="datetimeFigureOut">
               <a:rPr lang="en-US" smtClean="0"/>
-              <a:t>15/11/16</a:t>
+              <a:t>15/11/17</a:t>
             </a:fld>
             <a:endParaRPr lang="en-US"/>
           </a:p>
@@ -1992,7 +3307,7 @@
       </p:sp>
       <p:sp>
         <p:nvSpPr>
-          <p:cNvPr id="3" name="Footer Placeholder 2"/>
+          <p:cNvPr id="3" name="頁尾版面配置區 2"/>
           <p:cNvSpPr>
             <a:spLocks noGrp="1"/>
           </p:cNvSpPr>
@@ -2011,7 +3326,7 @@
       </p:sp>
       <p:sp>
         <p:nvSpPr>
-          <p:cNvPr id="4" name="Slide Number Placeholder 3"/>
+          <p:cNvPr id="4" name="投影片編號版面配置區 3"/>
           <p:cNvSpPr>
             <a:spLocks noGrp="1"/>
           </p:cNvSpPr>
@@ -2035,7 +3350,7 @@
     </p:spTree>
     <p:extLst>
       <p:ext uri="{BB962C8B-B14F-4D97-AF65-F5344CB8AC3E}">
-        <p14:creationId xmlns:p14="http://schemas.microsoft.com/office/powerpoint/2010/main" val="1249128790"/>
+        <p14:creationId xmlns:p14="http://schemas.microsoft.com/office/powerpoint/2010/main" val="795664370"/>
       </p:ext>
     </p:extLst>
   </p:cSld>
@@ -2064,7 +3379,7 @@
       </p:grpSpPr>
       <p:sp>
         <p:nvSpPr>
-          <p:cNvPr id="2" name="Title 1"/>
+          <p:cNvPr id="2" name="標題 1"/>
           <p:cNvSpPr>
             <a:spLocks noGrp="1"/>
           </p:cNvSpPr>
@@ -2087,16 +3402,16 @@
           </a:lstStyle>
           <a:p>
             <a:r>
-              <a:rPr lang="zh-TW" altLang="en-US" smtClean="0"/>
+              <a:rPr kumimoji="1" lang="zh-TW" altLang="en-US" smtClean="0"/>
               <a:t>按一下以編輯母片標題樣式</a:t>
             </a:r>
-            <a:endParaRPr lang="en-US"/>
-          </a:p>
-        </p:txBody>
-      </p:sp>
-      <p:sp>
-        <p:nvSpPr>
-          <p:cNvPr id="3" name="Content Placeholder 2"/>
+            <a:endParaRPr kumimoji="1" lang="zh-TW" altLang="en-US"/>
+          </a:p>
+        </p:txBody>
+      </p:sp>
+      <p:sp>
+        <p:nvSpPr>
+          <p:cNvPr id="3" name="內容版面配置區 2"/>
           <p:cNvSpPr>
             <a:spLocks noGrp="1"/>
           </p:cNvSpPr>
@@ -2144,44 +3459,44 @@
           <a:p>
             <a:pPr lvl="0"/>
             <a:r>
-              <a:rPr lang="zh-TW" altLang="en-US" smtClean="0"/>
+              <a:rPr kumimoji="1" lang="zh-TW" altLang="en-US" smtClean="0"/>
               <a:t>按一下以編輯母片文字樣式</a:t>
             </a:r>
           </a:p>
           <a:p>
             <a:pPr lvl="1"/>
             <a:r>
-              <a:rPr lang="zh-TW" altLang="en-US" smtClean="0"/>
+              <a:rPr kumimoji="1" lang="zh-TW" altLang="en-US" smtClean="0"/>
               <a:t>第二層</a:t>
             </a:r>
           </a:p>
           <a:p>
             <a:pPr lvl="2"/>
             <a:r>
-              <a:rPr lang="zh-TW" altLang="en-US" smtClean="0"/>
+              <a:rPr kumimoji="1" lang="zh-TW" altLang="en-US" smtClean="0"/>
               <a:t>第三層</a:t>
             </a:r>
           </a:p>
           <a:p>
             <a:pPr lvl="3"/>
             <a:r>
-              <a:rPr lang="zh-TW" altLang="en-US" smtClean="0"/>
+              <a:rPr kumimoji="1" lang="zh-TW" altLang="en-US" smtClean="0"/>
               <a:t>第四層</a:t>
             </a:r>
           </a:p>
           <a:p>
             <a:pPr lvl="4"/>
             <a:r>
-              <a:rPr lang="zh-TW" altLang="en-US" smtClean="0"/>
+              <a:rPr kumimoji="1" lang="zh-TW" altLang="en-US" smtClean="0"/>
               <a:t>第五層</a:t>
             </a:r>
-            <a:endParaRPr lang="en-US"/>
-          </a:p>
-        </p:txBody>
-      </p:sp>
-      <p:sp>
-        <p:nvSpPr>
-          <p:cNvPr id="4" name="Text Placeholder 3"/>
+            <a:endParaRPr kumimoji="1" lang="zh-TW" altLang="en-US"/>
+          </a:p>
+        </p:txBody>
+      </p:sp>
+      <p:sp>
+        <p:nvSpPr>
+          <p:cNvPr id="4" name="文字版面配置區 3"/>
           <p:cNvSpPr>
             <a:spLocks noGrp="1"/>
           </p:cNvSpPr>
@@ -2238,7 +3553,7 @@
           <a:p>
             <a:pPr lvl="0"/>
             <a:r>
-              <a:rPr lang="zh-TW" altLang="en-US" smtClean="0"/>
+              <a:rPr kumimoji="1" lang="zh-TW" altLang="en-US" smtClean="0"/>
               <a:t>按一下以編輯母片文字樣式</a:t>
             </a:r>
           </a:p>
@@ -2246,7 +3561,7 @@
       </p:sp>
       <p:sp>
         <p:nvSpPr>
-          <p:cNvPr id="5" name="Date Placeholder 4"/>
+          <p:cNvPr id="5" name="日期版面配置區 4"/>
           <p:cNvSpPr>
             <a:spLocks noGrp="1"/>
           </p:cNvSpPr>
@@ -2261,7 +3576,7 @@
           <a:p>
             <a:fld id="{6BFECD78-3C8E-49F2-8FAB-59489D168ABB}" type="datetimeFigureOut">
               <a:rPr lang="en-US" smtClean="0"/>
-              <a:t>15/11/16</a:t>
+              <a:t>15/11/17</a:t>
             </a:fld>
             <a:endParaRPr lang="en-US"/>
           </a:p>
@@ -2269,7 +3584,7 @@
       </p:sp>
       <p:sp>
         <p:nvSpPr>
-          <p:cNvPr id="6" name="Footer Placeholder 5"/>
+          <p:cNvPr id="6" name="頁尾版面配置區 5"/>
           <p:cNvSpPr>
             <a:spLocks noGrp="1"/>
           </p:cNvSpPr>
@@ -2288,7 +3603,7 @@
       </p:sp>
       <p:sp>
         <p:nvSpPr>
-          <p:cNvPr id="7" name="Slide Number Placeholder 6"/>
+          <p:cNvPr id="7" name="投影片編號版面配置區 6"/>
           <p:cNvSpPr>
             <a:spLocks noGrp="1"/>
           </p:cNvSpPr>
@@ -2312,7 +3627,7 @@
     </p:spTree>
     <p:extLst>
       <p:ext uri="{BB962C8B-B14F-4D97-AF65-F5344CB8AC3E}">
-        <p14:creationId xmlns:p14="http://schemas.microsoft.com/office/powerpoint/2010/main" val="2730116199"/>
+        <p14:creationId xmlns:p14="http://schemas.microsoft.com/office/powerpoint/2010/main" val="626358757"/>
       </p:ext>
     </p:extLst>
   </p:cSld>
@@ -2341,7 +3656,7 @@
       </p:grpSpPr>
       <p:sp>
         <p:nvSpPr>
-          <p:cNvPr id="2" name="Title 1"/>
+          <p:cNvPr id="2" name="標題 1"/>
           <p:cNvSpPr>
             <a:spLocks noGrp="1"/>
           </p:cNvSpPr>
@@ -2364,16 +3679,16 @@
           </a:lstStyle>
           <a:p>
             <a:r>
-              <a:rPr lang="zh-TW" altLang="en-US" smtClean="0"/>
+              <a:rPr kumimoji="1" lang="zh-TW" altLang="en-US" smtClean="0"/>
               <a:t>按一下以編輯母片標題樣式</a:t>
             </a:r>
-            <a:endParaRPr lang="en-US"/>
-          </a:p>
-        </p:txBody>
-      </p:sp>
-      <p:sp>
-        <p:nvSpPr>
-          <p:cNvPr id="3" name="Picture Placeholder 2"/>
+            <a:endParaRPr kumimoji="1" lang="zh-TW" altLang="en-US"/>
+          </a:p>
+        </p:txBody>
+      </p:sp>
+      <p:sp>
+        <p:nvSpPr>
+          <p:cNvPr id="3" name="圖片版面配置區 2"/>
           <p:cNvSpPr>
             <a:spLocks noGrp="1"/>
           </p:cNvSpPr>
@@ -2428,17 +3743,13 @@
             </a:lvl9pPr>
           </a:lstStyle>
           <a:p>
-            <a:r>
-              <a:rPr lang="zh-TW" altLang="en-US" smtClean="0"/>
-              <a:t>將圖片拖曳至版面配置區或按一下圖示以新增</a:t>
-            </a:r>
-            <a:endParaRPr lang="en-US"/>
-          </a:p>
-        </p:txBody>
-      </p:sp>
-      <p:sp>
-        <p:nvSpPr>
-          <p:cNvPr id="4" name="Text Placeholder 3"/>
+            <a:endParaRPr kumimoji="1" lang="zh-TW" altLang="en-US"/>
+          </a:p>
+        </p:txBody>
+      </p:sp>
+      <p:sp>
+        <p:nvSpPr>
+          <p:cNvPr id="4" name="文字版面配置區 3"/>
           <p:cNvSpPr>
             <a:spLocks noGrp="1"/>
           </p:cNvSpPr>
@@ -2495,7 +3806,7 @@
           <a:p>
             <a:pPr lvl="0"/>
             <a:r>
-              <a:rPr lang="zh-TW" altLang="en-US" smtClean="0"/>
+              <a:rPr kumimoji="1" lang="zh-TW" altLang="en-US" smtClean="0"/>
               <a:t>按一下以編輯母片文字樣式</a:t>
             </a:r>
           </a:p>
@@ -2503,7 +3814,7 @@
       </p:sp>
       <p:sp>
         <p:nvSpPr>
-          <p:cNvPr id="5" name="Date Placeholder 4"/>
+          <p:cNvPr id="5" name="日期版面配置區 4"/>
           <p:cNvSpPr>
             <a:spLocks noGrp="1"/>
           </p:cNvSpPr>
@@ -2518,7 +3829,7 @@
           <a:p>
             <a:fld id="{6BFECD78-3C8E-49F2-8FAB-59489D168ABB}" type="datetimeFigureOut">
               <a:rPr lang="en-US" smtClean="0"/>
-              <a:t>15/11/16</a:t>
+              <a:t>15/11/17</a:t>
             </a:fld>
             <a:endParaRPr lang="en-US"/>
           </a:p>
@@ -2526,7 +3837,7 @@
       </p:sp>
       <p:sp>
         <p:nvSpPr>
-          <p:cNvPr id="6" name="Footer Placeholder 5"/>
+          <p:cNvPr id="6" name="頁尾版面配置區 5"/>
           <p:cNvSpPr>
             <a:spLocks noGrp="1"/>
           </p:cNvSpPr>
@@ -2545,7 +3856,7 @@
       </p:sp>
       <p:sp>
         <p:nvSpPr>
-          <p:cNvPr id="7" name="Slide Number Placeholder 6"/>
+          <p:cNvPr id="7" name="投影片編號版面配置區 6"/>
           <p:cNvSpPr>
             <a:spLocks noGrp="1"/>
           </p:cNvSpPr>
@@ -2569,7 +3880,7 @@
     </p:spTree>
     <p:extLst>
       <p:ext uri="{BB962C8B-B14F-4D97-AF65-F5344CB8AC3E}">
-        <p14:creationId xmlns:p14="http://schemas.microsoft.com/office/powerpoint/2010/main" val="506574558"/>
+        <p14:creationId xmlns:p14="http://schemas.microsoft.com/office/powerpoint/2010/main" val="3361888100"/>
       </p:ext>
     </p:extLst>
   </p:cSld>
@@ -2603,7 +3914,7 @@
       </p:grpSpPr>
       <p:sp>
         <p:nvSpPr>
-          <p:cNvPr id="2" name="Title Placeholder 1"/>
+          <p:cNvPr id="2" name="標題版面配置區 1"/>
           <p:cNvSpPr>
             <a:spLocks noGrp="1"/>
           </p:cNvSpPr>
@@ -2627,16 +3938,16 @@
           <a:lstStyle/>
           <a:p>
             <a:r>
-              <a:rPr lang="zh-TW" altLang="en-US" smtClean="0"/>
+              <a:rPr kumimoji="1" lang="zh-TW" altLang="en-US" smtClean="0"/>
               <a:t>按一下以編輯母片標題樣式</a:t>
             </a:r>
-            <a:endParaRPr lang="en-US"/>
-          </a:p>
-        </p:txBody>
-      </p:sp>
-      <p:sp>
-        <p:nvSpPr>
-          <p:cNvPr id="3" name="Text Placeholder 2"/>
+            <a:endParaRPr kumimoji="1" lang="zh-TW" altLang="en-US"/>
+          </a:p>
+        </p:txBody>
+      </p:sp>
+      <p:sp>
+        <p:nvSpPr>
+          <p:cNvPr id="3" name="文字版面配置區 2"/>
           <p:cNvSpPr>
             <a:spLocks noGrp="1"/>
           </p:cNvSpPr>
@@ -2661,44 +3972,44 @@
           <a:p>
             <a:pPr lvl="0"/>
             <a:r>
-              <a:rPr lang="zh-TW" altLang="en-US" smtClean="0"/>
+              <a:rPr kumimoji="1" lang="zh-TW" altLang="en-US" smtClean="0"/>
               <a:t>按一下以編輯母片文字樣式</a:t>
             </a:r>
           </a:p>
           <a:p>
             <a:pPr lvl="1"/>
             <a:r>
-              <a:rPr lang="zh-TW" altLang="en-US" smtClean="0"/>
+              <a:rPr kumimoji="1" lang="zh-TW" altLang="en-US" smtClean="0"/>
               <a:t>第二層</a:t>
             </a:r>
           </a:p>
           <a:p>
             <a:pPr lvl="2"/>
             <a:r>
-              <a:rPr lang="zh-TW" altLang="en-US" smtClean="0"/>
+              <a:rPr kumimoji="1" lang="zh-TW" altLang="en-US" smtClean="0"/>
               <a:t>第三層</a:t>
             </a:r>
           </a:p>
           <a:p>
             <a:pPr lvl="3"/>
             <a:r>
-              <a:rPr lang="zh-TW" altLang="en-US" smtClean="0"/>
+              <a:rPr kumimoji="1" lang="zh-TW" altLang="en-US" smtClean="0"/>
               <a:t>第四層</a:t>
             </a:r>
           </a:p>
           <a:p>
             <a:pPr lvl="4"/>
             <a:r>
-              <a:rPr lang="zh-TW" altLang="en-US" smtClean="0"/>
+              <a:rPr kumimoji="1" lang="zh-TW" altLang="en-US" smtClean="0"/>
               <a:t>第五層</a:t>
             </a:r>
-            <a:endParaRPr lang="en-US"/>
-          </a:p>
-        </p:txBody>
-      </p:sp>
-      <p:sp>
-        <p:nvSpPr>
-          <p:cNvPr id="4" name="Date Placeholder 3"/>
+            <a:endParaRPr kumimoji="1" lang="zh-TW" altLang="en-US"/>
+          </a:p>
+        </p:txBody>
+      </p:sp>
+      <p:sp>
+        <p:nvSpPr>
+          <p:cNvPr id="4" name="日期版面配置區 3"/>
           <p:cNvSpPr>
             <a:spLocks noGrp="1"/>
           </p:cNvSpPr>
@@ -2731,7 +4042,7 @@
           <a:p>
             <a:fld id="{6BFECD78-3C8E-49F2-8FAB-59489D168ABB}" type="datetimeFigureOut">
               <a:rPr lang="en-US" smtClean="0"/>
-              <a:t>15/11/16</a:t>
+              <a:t>15/11/17</a:t>
             </a:fld>
             <a:endParaRPr lang="en-US"/>
           </a:p>
@@ -2739,7 +4050,7 @@
       </p:sp>
       <p:sp>
         <p:nvSpPr>
-          <p:cNvPr id="5" name="Footer Placeholder 4"/>
+          <p:cNvPr id="5" name="頁尾版面配置區 4"/>
           <p:cNvSpPr>
             <a:spLocks noGrp="1"/>
           </p:cNvSpPr>
@@ -2776,7 +4087,7 @@
       </p:sp>
       <p:sp>
         <p:nvSpPr>
-          <p:cNvPr id="6" name="Slide Number Placeholder 5"/>
+          <p:cNvPr id="6" name="投影片編號版面配置區 5"/>
           <p:cNvSpPr>
             <a:spLocks noGrp="1"/>
           </p:cNvSpPr>
@@ -2818,27 +4129,27 @@
     </p:spTree>
     <p:extLst>
       <p:ext uri="{BB962C8B-B14F-4D97-AF65-F5344CB8AC3E}">
-        <p14:creationId xmlns:p14="http://schemas.microsoft.com/office/powerpoint/2010/main" val="2557711237"/>
+        <p14:creationId xmlns:p14="http://schemas.microsoft.com/office/powerpoint/2010/main" val="872506"/>
       </p:ext>
     </p:extLst>
   </p:cSld>
-  <p:clrMap bg1="dk1" tx1="lt1" bg2="dk2" tx2="lt2" accent1="accent1" accent2="accent2" accent3="accent3" accent4="accent4" accent5="accent5" accent6="accent6" hlink="hlink" folHlink="folHlink"/>
+  <p:clrMap bg1="lt1" tx1="dk1" bg2="lt2" tx2="dk2" accent1="accent1" accent2="accent2" accent3="accent3" accent4="accent4" accent5="accent5" accent6="accent6" hlink="hlink" folHlink="folHlink"/>
   <p:sldLayoutIdLst>
-    <p:sldLayoutId id="2147483649" r:id="rId1"/>
-    <p:sldLayoutId id="2147483650" r:id="rId2"/>
-    <p:sldLayoutId id="2147483651" r:id="rId3"/>
-    <p:sldLayoutId id="2147483652" r:id="rId4"/>
-    <p:sldLayoutId id="2147483653" r:id="rId5"/>
-    <p:sldLayoutId id="2147483654" r:id="rId6"/>
-    <p:sldLayoutId id="2147483655" r:id="rId7"/>
-    <p:sldLayoutId id="2147483656" r:id="rId8"/>
-    <p:sldLayoutId id="2147483657" r:id="rId9"/>
-    <p:sldLayoutId id="2147483658" r:id="rId10"/>
-    <p:sldLayoutId id="2147483659" r:id="rId11"/>
+    <p:sldLayoutId id="2147483661" r:id="rId1"/>
+    <p:sldLayoutId id="2147483662" r:id="rId2"/>
+    <p:sldLayoutId id="2147483663" r:id="rId3"/>
+    <p:sldLayoutId id="2147483664" r:id="rId4"/>
+    <p:sldLayoutId id="2147483665" r:id="rId5"/>
+    <p:sldLayoutId id="2147483666" r:id="rId6"/>
+    <p:sldLayoutId id="2147483667" r:id="rId7"/>
+    <p:sldLayoutId id="2147483668" r:id="rId8"/>
+    <p:sldLayoutId id="2147483669" r:id="rId9"/>
+    <p:sldLayoutId id="2147483670" r:id="rId10"/>
+    <p:sldLayoutId id="2147483671" r:id="rId11"/>
   </p:sldLayoutIdLst>
   <p:txStyles>
     <p:titleStyle>
-      <a:lvl1pPr algn="ctr" defTabSz="914400" rtl="0" eaLnBrk="1" latinLnBrk="0" hangingPunct="1">
+      <a:lvl1pPr algn="ctr" defTabSz="457200" rtl="0" eaLnBrk="1" latinLnBrk="0" hangingPunct="1">
         <a:spcBef>
           <a:spcPct val="0"/>
         </a:spcBef>
@@ -2854,11 +4165,11 @@
       </a:lvl1pPr>
     </p:titleStyle>
     <p:bodyStyle>
-      <a:lvl1pPr marL="342900" indent="-342900" algn="l" defTabSz="914400" rtl="0" eaLnBrk="1" latinLnBrk="0" hangingPunct="1">
+      <a:lvl1pPr marL="342900" indent="-342900" algn="l" defTabSz="457200" rtl="0" eaLnBrk="1" latinLnBrk="0" hangingPunct="1">
         <a:spcBef>
           <a:spcPct val="20000"/>
         </a:spcBef>
-        <a:buFont typeface="Arial" pitchFamily="34" charset="0"/>
+        <a:buFont typeface="Arial"/>
         <a:buChar char="•"/>
         <a:defRPr sz="3200" kern="1200">
           <a:solidFill>
@@ -2869,11 +4180,11 @@
           <a:cs typeface="+mn-cs"/>
         </a:defRPr>
       </a:lvl1pPr>
-      <a:lvl2pPr marL="742950" indent="-285750" algn="l" defTabSz="914400" rtl="0" eaLnBrk="1" latinLnBrk="0" hangingPunct="1">
+      <a:lvl2pPr marL="742950" indent="-285750" algn="l" defTabSz="457200" rtl="0" eaLnBrk="1" latinLnBrk="0" hangingPunct="1">
         <a:spcBef>
           <a:spcPct val="20000"/>
         </a:spcBef>
-        <a:buFont typeface="Arial" pitchFamily="34" charset="0"/>
+        <a:buFont typeface="Arial"/>
         <a:buChar char="–"/>
         <a:defRPr sz="2800" kern="1200">
           <a:solidFill>
@@ -2884,11 +4195,11 @@
           <a:cs typeface="+mn-cs"/>
         </a:defRPr>
       </a:lvl2pPr>
-      <a:lvl3pPr marL="1143000" indent="-228600" algn="l" defTabSz="914400" rtl="0" eaLnBrk="1" latinLnBrk="0" hangingPunct="1">
+      <a:lvl3pPr marL="1143000" indent="-228600" algn="l" defTabSz="457200" rtl="0" eaLnBrk="1" latinLnBrk="0" hangingPunct="1">
         <a:spcBef>
           <a:spcPct val="20000"/>
         </a:spcBef>
-        <a:buFont typeface="Arial" pitchFamily="34" charset="0"/>
+        <a:buFont typeface="Arial"/>
         <a:buChar char="•"/>
         <a:defRPr sz="2400" kern="1200">
           <a:solidFill>
@@ -2899,11 +4210,11 @@
           <a:cs typeface="+mn-cs"/>
         </a:defRPr>
       </a:lvl3pPr>
-      <a:lvl4pPr marL="1600200" indent="-228600" algn="l" defTabSz="914400" rtl="0" eaLnBrk="1" latinLnBrk="0" hangingPunct="1">
+      <a:lvl4pPr marL="1600200" indent="-228600" algn="l" defTabSz="457200" rtl="0" eaLnBrk="1" latinLnBrk="0" hangingPunct="1">
         <a:spcBef>
           <a:spcPct val="20000"/>
         </a:spcBef>
-        <a:buFont typeface="Arial" pitchFamily="34" charset="0"/>
+        <a:buFont typeface="Arial"/>
         <a:buChar char="–"/>
         <a:defRPr sz="2000" kern="1200">
           <a:solidFill>
@@ -2914,11 +4225,11 @@
           <a:cs typeface="+mn-cs"/>
         </a:defRPr>
       </a:lvl4pPr>
-      <a:lvl5pPr marL="2057400" indent="-228600" algn="l" defTabSz="914400" rtl="0" eaLnBrk="1" latinLnBrk="0" hangingPunct="1">
+      <a:lvl5pPr marL="2057400" indent="-228600" algn="l" defTabSz="457200" rtl="0" eaLnBrk="1" latinLnBrk="0" hangingPunct="1">
         <a:spcBef>
           <a:spcPct val="20000"/>
         </a:spcBef>
-        <a:buFont typeface="Arial" pitchFamily="34" charset="0"/>
+        <a:buFont typeface="Arial"/>
         <a:buChar char="»"/>
         <a:defRPr sz="2000" kern="1200">
           <a:solidFill>
@@ -2929,11 +4240,11 @@
           <a:cs typeface="+mn-cs"/>
         </a:defRPr>
       </a:lvl5pPr>
-      <a:lvl6pPr marL="2514600" indent="-228600" algn="l" defTabSz="914400" rtl="0" eaLnBrk="1" latinLnBrk="0" hangingPunct="1">
+      <a:lvl6pPr marL="2514600" indent="-228600" algn="l" defTabSz="457200" rtl="0" eaLnBrk="1" latinLnBrk="0" hangingPunct="1">
         <a:spcBef>
           <a:spcPct val="20000"/>
         </a:spcBef>
-        <a:buFont typeface="Arial" pitchFamily="34" charset="0"/>
+        <a:buFont typeface="Arial"/>
         <a:buChar char="•"/>
         <a:defRPr sz="2000" kern="1200">
           <a:solidFill>
@@ -2944,11 +4255,11 @@
           <a:cs typeface="+mn-cs"/>
         </a:defRPr>
       </a:lvl6pPr>
-      <a:lvl7pPr marL="2971800" indent="-228600" algn="l" defTabSz="914400" rtl="0" eaLnBrk="1" latinLnBrk="0" hangingPunct="1">
+      <a:lvl7pPr marL="2971800" indent="-228600" algn="l" defTabSz="457200" rtl="0" eaLnBrk="1" latinLnBrk="0" hangingPunct="1">
         <a:spcBef>
           <a:spcPct val="20000"/>
         </a:spcBef>
-        <a:buFont typeface="Arial" pitchFamily="34" charset="0"/>
+        <a:buFont typeface="Arial"/>
         <a:buChar char="•"/>
         <a:defRPr sz="2000" kern="1200">
           <a:solidFill>
@@ -2959,11 +4270,11 @@
           <a:cs typeface="+mn-cs"/>
         </a:defRPr>
       </a:lvl7pPr>
-      <a:lvl8pPr marL="3429000" indent="-228600" algn="l" defTabSz="914400" rtl="0" eaLnBrk="1" latinLnBrk="0" hangingPunct="1">
+      <a:lvl8pPr marL="3429000" indent="-228600" algn="l" defTabSz="457200" rtl="0" eaLnBrk="1" latinLnBrk="0" hangingPunct="1">
         <a:spcBef>
           <a:spcPct val="20000"/>
         </a:spcBef>
-        <a:buFont typeface="Arial" pitchFamily="34" charset="0"/>
+        <a:buFont typeface="Arial"/>
         <a:buChar char="•"/>
         <a:defRPr sz="2000" kern="1200">
           <a:solidFill>
@@ -2974,11 +4285,11 @@
           <a:cs typeface="+mn-cs"/>
         </a:defRPr>
       </a:lvl8pPr>
-      <a:lvl9pPr marL="3886200" indent="-228600" algn="l" defTabSz="914400" rtl="0" eaLnBrk="1" latinLnBrk="0" hangingPunct="1">
+      <a:lvl9pPr marL="3886200" indent="-228600" algn="l" defTabSz="457200" rtl="0" eaLnBrk="1" latinLnBrk="0" hangingPunct="1">
         <a:spcBef>
           <a:spcPct val="20000"/>
         </a:spcBef>
-        <a:buFont typeface="Arial" pitchFamily="34" charset="0"/>
+        <a:buFont typeface="Arial"/>
         <a:buChar char="•"/>
         <a:defRPr sz="2000" kern="1200">
           <a:solidFill>
@@ -2992,9 +4303,9 @@
     </p:bodyStyle>
     <p:otherStyle>
       <a:defPPr>
-        <a:defRPr lang="en-US"/>
+        <a:defRPr lang="zh-TW"/>
       </a:defPPr>
-      <a:lvl1pPr marL="0" algn="l" defTabSz="914400" rtl="0" eaLnBrk="1" latinLnBrk="0" hangingPunct="1">
+      <a:lvl1pPr marL="0" algn="l" defTabSz="457200" rtl="0" eaLnBrk="1" latinLnBrk="0" hangingPunct="1">
         <a:defRPr sz="1800" kern="1200">
           <a:solidFill>
             <a:schemeClr val="tx1"/>
@@ -3004,7 +4315,7 @@
           <a:cs typeface="+mn-cs"/>
         </a:defRPr>
       </a:lvl1pPr>
-      <a:lvl2pPr marL="457200" algn="l" defTabSz="914400" rtl="0" eaLnBrk="1" latinLnBrk="0" hangingPunct="1">
+      <a:lvl2pPr marL="457200" algn="l" defTabSz="457200" rtl="0" eaLnBrk="1" latinLnBrk="0" hangingPunct="1">
         <a:defRPr sz="1800" kern="1200">
           <a:solidFill>
             <a:schemeClr val="tx1"/>
@@ -3014,7 +4325,7 @@
           <a:cs typeface="+mn-cs"/>
         </a:defRPr>
       </a:lvl2pPr>
-      <a:lvl3pPr marL="914400" algn="l" defTabSz="914400" rtl="0" eaLnBrk="1" latinLnBrk="0" hangingPunct="1">
+      <a:lvl3pPr marL="914400" algn="l" defTabSz="457200" rtl="0" eaLnBrk="1" latinLnBrk="0" hangingPunct="1">
         <a:defRPr sz="1800" kern="1200">
           <a:solidFill>
             <a:schemeClr val="tx1"/>
@@ -3024,7 +4335,7 @@
           <a:cs typeface="+mn-cs"/>
         </a:defRPr>
       </a:lvl3pPr>
-      <a:lvl4pPr marL="1371600" algn="l" defTabSz="914400" rtl="0" eaLnBrk="1" latinLnBrk="0" hangingPunct="1">
+      <a:lvl4pPr marL="1371600" algn="l" defTabSz="457200" rtl="0" eaLnBrk="1" latinLnBrk="0" hangingPunct="1">
         <a:defRPr sz="1800" kern="1200">
           <a:solidFill>
             <a:schemeClr val="tx1"/>
@@ -3034,7 +4345,7 @@
           <a:cs typeface="+mn-cs"/>
         </a:defRPr>
       </a:lvl4pPr>
-      <a:lvl5pPr marL="1828800" algn="l" defTabSz="914400" rtl="0" eaLnBrk="1" latinLnBrk="0" hangingPunct="1">
+      <a:lvl5pPr marL="1828800" algn="l" defTabSz="457200" rtl="0" eaLnBrk="1" latinLnBrk="0" hangingPunct="1">
         <a:defRPr sz="1800" kern="1200">
           <a:solidFill>
             <a:schemeClr val="tx1"/>
@@ -3044,7 +4355,7 @@
           <a:cs typeface="+mn-cs"/>
         </a:defRPr>
       </a:lvl5pPr>
-      <a:lvl6pPr marL="2286000" algn="l" defTabSz="914400" rtl="0" eaLnBrk="1" latinLnBrk="0" hangingPunct="1">
+      <a:lvl6pPr marL="2286000" algn="l" defTabSz="457200" rtl="0" eaLnBrk="1" latinLnBrk="0" hangingPunct="1">
         <a:defRPr sz="1800" kern="1200">
           <a:solidFill>
             <a:schemeClr val="tx1"/>
@@ -3054,7 +4365,7 @@
           <a:cs typeface="+mn-cs"/>
         </a:defRPr>
       </a:lvl6pPr>
-      <a:lvl7pPr marL="2743200" algn="l" defTabSz="914400" rtl="0" eaLnBrk="1" latinLnBrk="0" hangingPunct="1">
+      <a:lvl7pPr marL="2743200" algn="l" defTabSz="457200" rtl="0" eaLnBrk="1" latinLnBrk="0" hangingPunct="1">
         <a:defRPr sz="1800" kern="1200">
           <a:solidFill>
             <a:schemeClr val="tx1"/>
@@ -3064,7 +4375,7 @@
           <a:cs typeface="+mn-cs"/>
         </a:defRPr>
       </a:lvl7pPr>
-      <a:lvl8pPr marL="3200400" algn="l" defTabSz="914400" rtl="0" eaLnBrk="1" latinLnBrk="0" hangingPunct="1">
+      <a:lvl8pPr marL="3200400" algn="l" defTabSz="457200" rtl="0" eaLnBrk="1" latinLnBrk="0" hangingPunct="1">
         <a:defRPr sz="1800" kern="1200">
           <a:solidFill>
             <a:schemeClr val="tx1"/>
@@ -3074,7 +4385,7 @@
           <a:cs typeface="+mn-cs"/>
         </a:defRPr>
       </a:lvl8pPr>
-      <a:lvl9pPr marL="3657600" algn="l" defTabSz="914400" rtl="0" eaLnBrk="1" latinLnBrk="0" hangingPunct="1">
+      <a:lvl9pPr marL="3657600" algn="l" defTabSz="457200" rtl="0" eaLnBrk="1" latinLnBrk="0" hangingPunct="1">
         <a:defRPr sz="1800" kern="1200">
           <a:solidFill>
             <a:schemeClr val="tx1"/>
@@ -3118,7 +4429,7 @@
         </p:nvSpPr>
         <p:spPr>
           <a:xfrm>
-            <a:off x="1969420" y="2409576"/>
+            <a:off x="1220788" y="2690312"/>
             <a:ext cx="6573548" cy="1470025"/>
           </a:xfrm>
         </p:spPr>
@@ -3166,48 +4477,24 @@
           <a:p>
             <a:r>
               <a:rPr kumimoji="1" lang="en-US" altLang="zh-TW" sz="1600" dirty="0" smtClean="0">
+                <a:solidFill>
+                  <a:schemeClr val="tx1"/>
+                </a:solidFill>
                 <a:latin typeface="PingFang TC Thin"/>
                 <a:cs typeface="PingFang TC Thin"/>
               </a:rPr>
               <a:t>Software Engineering Project</a:t>
             </a:r>
             <a:endParaRPr kumimoji="1" lang="zh-TW" altLang="en-US" sz="1600" dirty="0">
+              <a:solidFill>
+                <a:schemeClr val="tx1"/>
+              </a:solidFill>
               <a:latin typeface="PingFang TC Thin"/>
               <a:cs typeface="PingFang TC Thin"/>
             </a:endParaRPr>
           </a:p>
         </p:txBody>
       </p:sp>
-      <p:pic>
-        <p:nvPicPr>
-          <p:cNvPr id="5" name="圖片 4" descr="ptsIcon.png"/>
-          <p:cNvPicPr>
-            <a:picLocks noChangeAspect="1"/>
-          </p:cNvPicPr>
-          <p:nvPr/>
-        </p:nvPicPr>
-        <p:blipFill>
-          <a:blip r:embed="rId2">
-            <a:extLst>
-              <a:ext uri="{28A0092B-C50C-407E-A947-70E740481C1C}">
-                <a14:useLocalDpi xmlns:a14="http://schemas.microsoft.com/office/drawing/2010/main" val="0"/>
-              </a:ext>
-            </a:extLst>
-          </a:blip>
-          <a:stretch>
-            <a:fillRect/>
-          </a:stretch>
-        </p:blipFill>
-        <p:spPr>
-          <a:xfrm>
-            <a:off x="842390" y="2927101"/>
-            <a:ext cx="1489917" cy="496639"/>
-          </a:xfrm>
-          <a:prstGeom prst="rect">
-            <a:avLst/>
-          </a:prstGeom>
-        </p:spPr>
-      </p:pic>
       <p:sp>
         <p:nvSpPr>
           <p:cNvPr id="6" name="文字方塊 5"/>
@@ -3216,8 +4503,8 @@
         </p:nvSpPr>
         <p:spPr>
           <a:xfrm>
-            <a:off x="7078513" y="4796164"/>
-            <a:ext cx="2095727" cy="1754327"/>
+            <a:off x="7004415" y="4833170"/>
+            <a:ext cx="2139584" cy="1754327"/>
           </a:xfrm>
           <a:prstGeom prst="rect">
             <a:avLst/>
@@ -3232,8 +4519,8 @@
           <a:p>
             <a:r>
               <a:rPr kumimoji="1" lang="en-US" altLang="zh-TW" dirty="0" smtClean="0">
-                <a:latin typeface="PingFang TC Thin"/>
-                <a:cs typeface="PingFang TC Thin"/>
+                <a:latin typeface="PingFang TC Semibold"/>
+                <a:cs typeface="PingFang TC Semibold"/>
               </a:rPr>
               <a:t>Group 7</a:t>
             </a:r>
@@ -3241,101 +4528,116 @@
           <a:p>
             <a:r>
               <a:rPr kumimoji="1" lang="en-US" altLang="zh-TW" dirty="0" smtClean="0">
-                <a:latin typeface="Weibei TC Bold"/>
-                <a:cs typeface="Weibei TC Bold"/>
+                <a:latin typeface="微軟正黑體"/>
+                <a:ea typeface="微軟正黑體"/>
+                <a:cs typeface="微軟正黑體"/>
               </a:rPr>
               <a:t>101820308 </a:t>
             </a:r>
             <a:r>
               <a:rPr kumimoji="1" lang="zh-TW" altLang="en-US" dirty="0" smtClean="0">
-                <a:latin typeface="Weibei TC Bold"/>
-                <a:cs typeface="Weibei TC Bold"/>
+                <a:latin typeface="微軟正黑體"/>
+                <a:ea typeface="微軟正黑體"/>
+                <a:cs typeface="微軟正黑體"/>
               </a:rPr>
               <a:t>蔡易儒</a:t>
             </a:r>
             <a:endParaRPr kumimoji="1" lang="en-US" altLang="zh-TW" dirty="0" smtClean="0">
-              <a:latin typeface="Weibei TC Bold"/>
-              <a:cs typeface="Weibei TC Bold"/>
+              <a:latin typeface="微軟正黑體"/>
+              <a:ea typeface="微軟正黑體"/>
+              <a:cs typeface="微軟正黑體"/>
             </a:endParaRPr>
           </a:p>
           <a:p>
             <a:r>
               <a:rPr kumimoji="1" lang="en-US" altLang="zh-TW" dirty="0" smtClean="0">
-                <a:latin typeface="Weibei TC Bold"/>
-                <a:cs typeface="Weibei TC Bold"/>
+                <a:latin typeface="微軟正黑體"/>
+                <a:ea typeface="微軟正黑體"/>
+                <a:cs typeface="微軟正黑體"/>
               </a:rPr>
               <a:t>101820331 </a:t>
             </a:r>
             <a:r>
               <a:rPr kumimoji="1" lang="zh-TW" altLang="en-US" dirty="0" smtClean="0">
-                <a:latin typeface="Weibei TC Bold"/>
-                <a:cs typeface="Weibei TC Bold"/>
+                <a:latin typeface="微軟正黑體"/>
+                <a:ea typeface="微軟正黑體"/>
+                <a:cs typeface="微軟正黑體"/>
               </a:rPr>
               <a:t>陳亮宇</a:t>
             </a:r>
             <a:endParaRPr kumimoji="1" lang="zh-TW" altLang="en-US" dirty="0">
-              <a:latin typeface="Weibei TC Bold"/>
-              <a:cs typeface="Weibei TC Bold"/>
+              <a:latin typeface="微軟正黑體"/>
+              <a:ea typeface="微軟正黑體"/>
+              <a:cs typeface="微軟正黑體"/>
             </a:endParaRPr>
           </a:p>
           <a:p>
             <a:r>
               <a:rPr kumimoji="1" lang="en-US" altLang="zh-TW" dirty="0" smtClean="0">
-                <a:latin typeface="Weibei TC Bold"/>
-                <a:cs typeface="Weibei TC Bold"/>
+                <a:latin typeface="微軟正黑體"/>
+                <a:ea typeface="微軟正黑體"/>
+                <a:cs typeface="微軟正黑體"/>
               </a:rPr>
               <a:t>101820340 </a:t>
             </a:r>
             <a:r>
               <a:rPr kumimoji="1" lang="zh-TW" altLang="en-US" dirty="0" smtClean="0">
-                <a:latin typeface="Weibei TC Bold"/>
-                <a:cs typeface="Weibei TC Bold"/>
+                <a:latin typeface="微軟正黑體"/>
+                <a:ea typeface="微軟正黑體"/>
+                <a:cs typeface="微軟正黑體"/>
               </a:rPr>
               <a:t>鄒令業</a:t>
             </a:r>
             <a:endParaRPr kumimoji="1" lang="zh-TW" altLang="en-US" dirty="0">
-              <a:latin typeface="Weibei TC Bold"/>
-              <a:cs typeface="Weibei TC Bold"/>
+              <a:latin typeface="微軟正黑體"/>
+              <a:ea typeface="微軟正黑體"/>
+              <a:cs typeface="微軟正黑體"/>
             </a:endParaRPr>
           </a:p>
           <a:p>
             <a:r>
               <a:rPr kumimoji="1" lang="en-US" altLang="zh-TW" dirty="0" smtClean="0">
-                <a:latin typeface="Weibei TC Bold"/>
-                <a:cs typeface="Weibei TC Bold"/>
+                <a:latin typeface="微軟正黑體"/>
+                <a:ea typeface="微軟正黑體"/>
+                <a:cs typeface="微軟正黑體"/>
               </a:rPr>
               <a:t>101820329 </a:t>
             </a:r>
             <a:r>
               <a:rPr kumimoji="1" lang="zh-TW" altLang="en-US" dirty="0" smtClean="0">
-                <a:latin typeface="Weibei TC Bold"/>
-                <a:cs typeface="Weibei TC Bold"/>
+                <a:latin typeface="微軟正黑體"/>
+                <a:ea typeface="微軟正黑體"/>
+                <a:cs typeface="微軟正黑體"/>
               </a:rPr>
               <a:t>林家文</a:t>
             </a:r>
             <a:endParaRPr kumimoji="1" lang="zh-TW" altLang="en-US" dirty="0">
-              <a:latin typeface="Weibei TC Bold"/>
-              <a:cs typeface="Weibei TC Bold"/>
+              <a:latin typeface="微軟正黑體"/>
+              <a:ea typeface="微軟正黑體"/>
+              <a:cs typeface="微軟正黑體"/>
             </a:endParaRPr>
           </a:p>
           <a:p>
             <a:r>
               <a:rPr kumimoji="1" lang="en-US" altLang="zh-TW" dirty="0" smtClean="0">
-                <a:latin typeface="Weibei TC Bold"/>
-                <a:cs typeface="Weibei TC Bold"/>
+                <a:latin typeface="微軟正黑體"/>
+                <a:ea typeface="微軟正黑體"/>
+                <a:cs typeface="微軟正黑體"/>
               </a:rPr>
               <a:t>101820302 </a:t>
             </a:r>
             <a:r>
               <a:rPr kumimoji="1" lang="zh-TW" altLang="en-US" dirty="0" smtClean="0">
-                <a:latin typeface="Weibei TC Bold"/>
-                <a:cs typeface="Weibei TC Bold"/>
+                <a:latin typeface="微軟正黑體"/>
+                <a:ea typeface="微軟正黑體"/>
+                <a:cs typeface="微軟正黑體"/>
               </a:rPr>
               <a:t>施帛辰</a:t>
             </a:r>
             <a:endParaRPr kumimoji="1" lang="zh-TW" altLang="en-US" dirty="0">
-              <a:latin typeface="Weibei TC Bold"/>
-              <a:cs typeface="Weibei TC Bold"/>
+              <a:latin typeface="微軟正黑體"/>
+              <a:ea typeface="微軟正黑體"/>
+              <a:cs typeface="微軟正黑體"/>
             </a:endParaRPr>
           </a:p>
         </p:txBody>
@@ -3397,7 +4699,7 @@
                 <a:latin typeface="PingFang TC Regular"/>
                 <a:cs typeface="PingFang TC Regular"/>
               </a:rPr>
-              <a:t>WBS</a:t>
+              <a:t>System Block Diagram</a:t>
             </a:r>
             <a:endParaRPr kumimoji="1" lang="zh-TW" altLang="en-US" dirty="0">
               <a:latin typeface="PingFang TC Regular"/>
@@ -3408,7 +4710,7 @@
       </p:sp>
       <p:pic>
         <p:nvPicPr>
-          <p:cNvPr id="6" name="圖片 5" descr="螢幕快照 2015-11-17 00.23.19.png"/>
+          <p:cNvPr id="5" name="圖片 4" descr="螢幕快照 2015-11-17 01.15.20.png"/>
           <p:cNvPicPr>
             <a:picLocks noChangeAspect="1"/>
           </p:cNvPicPr>
@@ -3428,18 +4730,194 @@
         </p:blipFill>
         <p:spPr>
           <a:xfrm>
-            <a:off x="1522855" y="1205983"/>
-            <a:ext cx="6081481" cy="5440361"/>
+            <a:off x="1784195" y="1290019"/>
+            <a:ext cx="5413067" cy="5356326"/>
           </a:xfrm>
           <a:prstGeom prst="rect">
             <a:avLst/>
           </a:prstGeom>
         </p:spPr>
       </p:pic>
+      <p:sp>
+        <p:nvSpPr>
+          <p:cNvPr id="4" name="子標題 2"/>
+          <p:cNvSpPr txBox="1">
+            <a:spLocks/>
+          </p:cNvSpPr>
+          <p:nvPr/>
+        </p:nvSpPr>
+        <p:spPr>
+          <a:xfrm>
+            <a:off x="6978316" y="6550491"/>
+            <a:ext cx="2165683" cy="307509"/>
+          </a:xfrm>
+          <a:prstGeom prst="rect">
+            <a:avLst/>
+          </a:prstGeom>
+        </p:spPr>
+        <p:txBody>
+          <a:bodyPr vert="horz" lIns="91440" tIns="45720" rIns="91440" bIns="45720" rtlCol="0">
+            <a:normAutofit fontScale="85000" lnSpcReduction="10000"/>
+          </a:bodyPr>
+          <a:lstStyle>
+            <a:lvl1pPr marL="342900" indent="-342900" algn="l" defTabSz="457200" rtl="0" eaLnBrk="1" latinLnBrk="0" hangingPunct="1">
+              <a:spcBef>
+                <a:spcPct val="20000"/>
+              </a:spcBef>
+              <a:buFont typeface="Arial"/>
+              <a:buChar char="•"/>
+              <a:defRPr sz="3200" kern="1200">
+                <a:solidFill>
+                  <a:schemeClr val="tx1"/>
+                </a:solidFill>
+                <a:latin typeface="+mn-lt"/>
+                <a:ea typeface="+mn-ea"/>
+                <a:cs typeface="+mn-cs"/>
+              </a:defRPr>
+            </a:lvl1pPr>
+            <a:lvl2pPr marL="742950" indent="-285750" algn="l" defTabSz="457200" rtl="0" eaLnBrk="1" latinLnBrk="0" hangingPunct="1">
+              <a:spcBef>
+                <a:spcPct val="20000"/>
+              </a:spcBef>
+              <a:buFont typeface="Arial"/>
+              <a:buChar char="–"/>
+              <a:defRPr sz="2800" kern="1200">
+                <a:solidFill>
+                  <a:schemeClr val="tx1"/>
+                </a:solidFill>
+                <a:latin typeface="+mn-lt"/>
+                <a:ea typeface="+mn-ea"/>
+                <a:cs typeface="+mn-cs"/>
+              </a:defRPr>
+            </a:lvl2pPr>
+            <a:lvl3pPr marL="1143000" indent="-228600" algn="l" defTabSz="457200" rtl="0" eaLnBrk="1" latinLnBrk="0" hangingPunct="1">
+              <a:spcBef>
+                <a:spcPct val="20000"/>
+              </a:spcBef>
+              <a:buFont typeface="Arial"/>
+              <a:buChar char="•"/>
+              <a:defRPr sz="2400" kern="1200">
+                <a:solidFill>
+                  <a:schemeClr val="tx1"/>
+                </a:solidFill>
+                <a:latin typeface="+mn-lt"/>
+                <a:ea typeface="+mn-ea"/>
+                <a:cs typeface="+mn-cs"/>
+              </a:defRPr>
+            </a:lvl3pPr>
+            <a:lvl4pPr marL="1600200" indent="-228600" algn="l" defTabSz="457200" rtl="0" eaLnBrk="1" latinLnBrk="0" hangingPunct="1">
+              <a:spcBef>
+                <a:spcPct val="20000"/>
+              </a:spcBef>
+              <a:buFont typeface="Arial"/>
+              <a:buChar char="–"/>
+              <a:defRPr sz="2000" kern="1200">
+                <a:solidFill>
+                  <a:schemeClr val="tx1"/>
+                </a:solidFill>
+                <a:latin typeface="+mn-lt"/>
+                <a:ea typeface="+mn-ea"/>
+                <a:cs typeface="+mn-cs"/>
+              </a:defRPr>
+            </a:lvl4pPr>
+            <a:lvl5pPr marL="2057400" indent="-228600" algn="l" defTabSz="457200" rtl="0" eaLnBrk="1" latinLnBrk="0" hangingPunct="1">
+              <a:spcBef>
+                <a:spcPct val="20000"/>
+              </a:spcBef>
+              <a:buFont typeface="Arial"/>
+              <a:buChar char="»"/>
+              <a:defRPr sz="2000" kern="1200">
+                <a:solidFill>
+                  <a:schemeClr val="tx1"/>
+                </a:solidFill>
+                <a:latin typeface="+mn-lt"/>
+                <a:ea typeface="+mn-ea"/>
+                <a:cs typeface="+mn-cs"/>
+              </a:defRPr>
+            </a:lvl5pPr>
+            <a:lvl6pPr marL="2514600" indent="-228600" algn="l" defTabSz="457200" rtl="0" eaLnBrk="1" latinLnBrk="0" hangingPunct="1">
+              <a:spcBef>
+                <a:spcPct val="20000"/>
+              </a:spcBef>
+              <a:buFont typeface="Arial"/>
+              <a:buChar char="•"/>
+              <a:defRPr sz="2000" kern="1200">
+                <a:solidFill>
+                  <a:schemeClr val="tx1"/>
+                </a:solidFill>
+                <a:latin typeface="+mn-lt"/>
+                <a:ea typeface="+mn-ea"/>
+                <a:cs typeface="+mn-cs"/>
+              </a:defRPr>
+            </a:lvl6pPr>
+            <a:lvl7pPr marL="2971800" indent="-228600" algn="l" defTabSz="457200" rtl="0" eaLnBrk="1" latinLnBrk="0" hangingPunct="1">
+              <a:spcBef>
+                <a:spcPct val="20000"/>
+              </a:spcBef>
+              <a:buFont typeface="Arial"/>
+              <a:buChar char="•"/>
+              <a:defRPr sz="2000" kern="1200">
+                <a:solidFill>
+                  <a:schemeClr val="tx1"/>
+                </a:solidFill>
+                <a:latin typeface="+mn-lt"/>
+                <a:ea typeface="+mn-ea"/>
+                <a:cs typeface="+mn-cs"/>
+              </a:defRPr>
+            </a:lvl7pPr>
+            <a:lvl8pPr marL="3429000" indent="-228600" algn="l" defTabSz="457200" rtl="0" eaLnBrk="1" latinLnBrk="0" hangingPunct="1">
+              <a:spcBef>
+                <a:spcPct val="20000"/>
+              </a:spcBef>
+              <a:buFont typeface="Arial"/>
+              <a:buChar char="•"/>
+              <a:defRPr sz="2000" kern="1200">
+                <a:solidFill>
+                  <a:schemeClr val="tx1"/>
+                </a:solidFill>
+                <a:latin typeface="+mn-lt"/>
+                <a:ea typeface="+mn-ea"/>
+                <a:cs typeface="+mn-cs"/>
+              </a:defRPr>
+            </a:lvl8pPr>
+            <a:lvl9pPr marL="3886200" indent="-228600" algn="l" defTabSz="457200" rtl="0" eaLnBrk="1" latinLnBrk="0" hangingPunct="1">
+              <a:spcBef>
+                <a:spcPct val="20000"/>
+              </a:spcBef>
+              <a:buFont typeface="Arial"/>
+              <a:buChar char="•"/>
+              <a:defRPr sz="2000" kern="1200">
+                <a:solidFill>
+                  <a:schemeClr val="tx1"/>
+                </a:solidFill>
+                <a:latin typeface="+mn-lt"/>
+                <a:ea typeface="+mn-ea"/>
+                <a:cs typeface="+mn-cs"/>
+              </a:defRPr>
+            </a:lvl9pPr>
+          </a:lstStyle>
+          <a:p>
+            <a:pPr marL="0" indent="0" algn="r">
+              <a:buNone/>
+            </a:pPr>
+            <a:r>
+              <a:rPr kumimoji="1" lang="en-US" altLang="zh-TW" sz="1600" dirty="0" smtClean="0">
+                <a:latin typeface="PingFang TC Thin"/>
+                <a:cs typeface="PingFang TC Thin"/>
+              </a:rPr>
+              <a:t>Project Tracking System</a:t>
+            </a:r>
+            <a:endParaRPr kumimoji="1" lang="zh-TW" altLang="en-US" sz="1600" dirty="0">
+              <a:latin typeface="PingFang TC Thin"/>
+              <a:cs typeface="PingFang TC Thin"/>
+            </a:endParaRPr>
+          </a:p>
+        </p:txBody>
+      </p:sp>
     </p:spTree>
     <p:extLst>
       <p:ext uri="{BB962C8B-B14F-4D97-AF65-F5344CB8AC3E}">
-        <p14:creationId xmlns:p14="http://schemas.microsoft.com/office/powerpoint/2010/main" val="2553982274"/>
+        <p14:creationId xmlns:p14="http://schemas.microsoft.com/office/powerpoint/2010/main" val="571387818"/>
       </p:ext>
     </p:extLst>
   </p:cSld>
@@ -3493,7 +4971,7 @@
                 <a:latin typeface="PingFang TC Regular"/>
                 <a:cs typeface="PingFang TC Regular"/>
               </a:rPr>
-              <a:t>Task Assignments</a:t>
+              <a:t>WBS</a:t>
             </a:r>
             <a:endParaRPr kumimoji="1" lang="zh-TW" altLang="en-US" dirty="0">
               <a:latin typeface="PingFang TC Regular"/>
@@ -3504,7 +4982,7 @@
       </p:sp>
       <p:pic>
         <p:nvPicPr>
-          <p:cNvPr id="4" name="圖片 3" descr="螢幕快照 2015-11-17 00.26.58.png"/>
+          <p:cNvPr id="6" name="圖片 5" descr="螢幕快照 2015-11-17 00.23.19.png"/>
           <p:cNvPicPr>
             <a:picLocks noChangeAspect="1"/>
           </p:cNvPicPr>
@@ -3524,18 +5002,194 @@
         </p:blipFill>
         <p:spPr>
           <a:xfrm>
-            <a:off x="2736137" y="1417638"/>
-            <a:ext cx="3654480" cy="5215784"/>
+            <a:off x="1522855" y="1205983"/>
+            <a:ext cx="6081481" cy="5440361"/>
           </a:xfrm>
           <a:prstGeom prst="rect">
             <a:avLst/>
           </a:prstGeom>
         </p:spPr>
       </p:pic>
+      <p:sp>
+        <p:nvSpPr>
+          <p:cNvPr id="4" name="子標題 2"/>
+          <p:cNvSpPr txBox="1">
+            <a:spLocks/>
+          </p:cNvSpPr>
+          <p:nvPr/>
+        </p:nvSpPr>
+        <p:spPr>
+          <a:xfrm>
+            <a:off x="6978316" y="6550491"/>
+            <a:ext cx="2165683" cy="307509"/>
+          </a:xfrm>
+          <a:prstGeom prst="rect">
+            <a:avLst/>
+          </a:prstGeom>
+        </p:spPr>
+        <p:txBody>
+          <a:bodyPr vert="horz" lIns="91440" tIns="45720" rIns="91440" bIns="45720" rtlCol="0">
+            <a:normAutofit fontScale="85000" lnSpcReduction="10000"/>
+          </a:bodyPr>
+          <a:lstStyle>
+            <a:lvl1pPr marL="342900" indent="-342900" algn="l" defTabSz="457200" rtl="0" eaLnBrk="1" latinLnBrk="0" hangingPunct="1">
+              <a:spcBef>
+                <a:spcPct val="20000"/>
+              </a:spcBef>
+              <a:buFont typeface="Arial"/>
+              <a:buChar char="•"/>
+              <a:defRPr sz="3200" kern="1200">
+                <a:solidFill>
+                  <a:schemeClr val="tx1"/>
+                </a:solidFill>
+                <a:latin typeface="+mn-lt"/>
+                <a:ea typeface="+mn-ea"/>
+                <a:cs typeface="+mn-cs"/>
+              </a:defRPr>
+            </a:lvl1pPr>
+            <a:lvl2pPr marL="742950" indent="-285750" algn="l" defTabSz="457200" rtl="0" eaLnBrk="1" latinLnBrk="0" hangingPunct="1">
+              <a:spcBef>
+                <a:spcPct val="20000"/>
+              </a:spcBef>
+              <a:buFont typeface="Arial"/>
+              <a:buChar char="–"/>
+              <a:defRPr sz="2800" kern="1200">
+                <a:solidFill>
+                  <a:schemeClr val="tx1"/>
+                </a:solidFill>
+                <a:latin typeface="+mn-lt"/>
+                <a:ea typeface="+mn-ea"/>
+                <a:cs typeface="+mn-cs"/>
+              </a:defRPr>
+            </a:lvl2pPr>
+            <a:lvl3pPr marL="1143000" indent="-228600" algn="l" defTabSz="457200" rtl="0" eaLnBrk="1" latinLnBrk="0" hangingPunct="1">
+              <a:spcBef>
+                <a:spcPct val="20000"/>
+              </a:spcBef>
+              <a:buFont typeface="Arial"/>
+              <a:buChar char="•"/>
+              <a:defRPr sz="2400" kern="1200">
+                <a:solidFill>
+                  <a:schemeClr val="tx1"/>
+                </a:solidFill>
+                <a:latin typeface="+mn-lt"/>
+                <a:ea typeface="+mn-ea"/>
+                <a:cs typeface="+mn-cs"/>
+              </a:defRPr>
+            </a:lvl3pPr>
+            <a:lvl4pPr marL="1600200" indent="-228600" algn="l" defTabSz="457200" rtl="0" eaLnBrk="1" latinLnBrk="0" hangingPunct="1">
+              <a:spcBef>
+                <a:spcPct val="20000"/>
+              </a:spcBef>
+              <a:buFont typeface="Arial"/>
+              <a:buChar char="–"/>
+              <a:defRPr sz="2000" kern="1200">
+                <a:solidFill>
+                  <a:schemeClr val="tx1"/>
+                </a:solidFill>
+                <a:latin typeface="+mn-lt"/>
+                <a:ea typeface="+mn-ea"/>
+                <a:cs typeface="+mn-cs"/>
+              </a:defRPr>
+            </a:lvl4pPr>
+            <a:lvl5pPr marL="2057400" indent="-228600" algn="l" defTabSz="457200" rtl="0" eaLnBrk="1" latinLnBrk="0" hangingPunct="1">
+              <a:spcBef>
+                <a:spcPct val="20000"/>
+              </a:spcBef>
+              <a:buFont typeface="Arial"/>
+              <a:buChar char="»"/>
+              <a:defRPr sz="2000" kern="1200">
+                <a:solidFill>
+                  <a:schemeClr val="tx1"/>
+                </a:solidFill>
+                <a:latin typeface="+mn-lt"/>
+                <a:ea typeface="+mn-ea"/>
+                <a:cs typeface="+mn-cs"/>
+              </a:defRPr>
+            </a:lvl5pPr>
+            <a:lvl6pPr marL="2514600" indent="-228600" algn="l" defTabSz="457200" rtl="0" eaLnBrk="1" latinLnBrk="0" hangingPunct="1">
+              <a:spcBef>
+                <a:spcPct val="20000"/>
+              </a:spcBef>
+              <a:buFont typeface="Arial"/>
+              <a:buChar char="•"/>
+              <a:defRPr sz="2000" kern="1200">
+                <a:solidFill>
+                  <a:schemeClr val="tx1"/>
+                </a:solidFill>
+                <a:latin typeface="+mn-lt"/>
+                <a:ea typeface="+mn-ea"/>
+                <a:cs typeface="+mn-cs"/>
+              </a:defRPr>
+            </a:lvl6pPr>
+            <a:lvl7pPr marL="2971800" indent="-228600" algn="l" defTabSz="457200" rtl="0" eaLnBrk="1" latinLnBrk="0" hangingPunct="1">
+              <a:spcBef>
+                <a:spcPct val="20000"/>
+              </a:spcBef>
+              <a:buFont typeface="Arial"/>
+              <a:buChar char="•"/>
+              <a:defRPr sz="2000" kern="1200">
+                <a:solidFill>
+                  <a:schemeClr val="tx1"/>
+                </a:solidFill>
+                <a:latin typeface="+mn-lt"/>
+                <a:ea typeface="+mn-ea"/>
+                <a:cs typeface="+mn-cs"/>
+              </a:defRPr>
+            </a:lvl7pPr>
+            <a:lvl8pPr marL="3429000" indent="-228600" algn="l" defTabSz="457200" rtl="0" eaLnBrk="1" latinLnBrk="0" hangingPunct="1">
+              <a:spcBef>
+                <a:spcPct val="20000"/>
+              </a:spcBef>
+              <a:buFont typeface="Arial"/>
+              <a:buChar char="•"/>
+              <a:defRPr sz="2000" kern="1200">
+                <a:solidFill>
+                  <a:schemeClr val="tx1"/>
+                </a:solidFill>
+                <a:latin typeface="+mn-lt"/>
+                <a:ea typeface="+mn-ea"/>
+                <a:cs typeface="+mn-cs"/>
+              </a:defRPr>
+            </a:lvl8pPr>
+            <a:lvl9pPr marL="3886200" indent="-228600" algn="l" defTabSz="457200" rtl="0" eaLnBrk="1" latinLnBrk="0" hangingPunct="1">
+              <a:spcBef>
+                <a:spcPct val="20000"/>
+              </a:spcBef>
+              <a:buFont typeface="Arial"/>
+              <a:buChar char="•"/>
+              <a:defRPr sz="2000" kern="1200">
+                <a:solidFill>
+                  <a:schemeClr val="tx1"/>
+                </a:solidFill>
+                <a:latin typeface="+mn-lt"/>
+                <a:ea typeface="+mn-ea"/>
+                <a:cs typeface="+mn-cs"/>
+              </a:defRPr>
+            </a:lvl9pPr>
+          </a:lstStyle>
+          <a:p>
+            <a:pPr marL="0" indent="0" algn="r">
+              <a:buNone/>
+            </a:pPr>
+            <a:r>
+              <a:rPr kumimoji="1" lang="en-US" altLang="zh-TW" sz="1600" dirty="0" smtClean="0">
+                <a:latin typeface="PingFang TC Thin"/>
+                <a:cs typeface="PingFang TC Thin"/>
+              </a:rPr>
+              <a:t>Project Tracking System</a:t>
+            </a:r>
+            <a:endParaRPr kumimoji="1" lang="zh-TW" altLang="en-US" sz="1600" dirty="0">
+              <a:latin typeface="PingFang TC Thin"/>
+              <a:cs typeface="PingFang TC Thin"/>
+            </a:endParaRPr>
+          </a:p>
+        </p:txBody>
+      </p:sp>
     </p:spTree>
     <p:extLst>
       <p:ext uri="{BB962C8B-B14F-4D97-AF65-F5344CB8AC3E}">
-        <p14:creationId xmlns:p14="http://schemas.microsoft.com/office/powerpoint/2010/main" val="3412706670"/>
+        <p14:creationId xmlns:p14="http://schemas.microsoft.com/office/powerpoint/2010/main" val="2553982274"/>
       </p:ext>
     </p:extLst>
   </p:cSld>
@@ -3589,6 +5243,278 @@
                 <a:latin typeface="PingFang TC Regular"/>
                 <a:cs typeface="PingFang TC Regular"/>
               </a:rPr>
+              <a:t>Task Assignments</a:t>
+            </a:r>
+            <a:endParaRPr kumimoji="1" lang="zh-TW" altLang="en-US" dirty="0">
+              <a:latin typeface="PingFang TC Regular"/>
+              <a:cs typeface="PingFang TC Regular"/>
+            </a:endParaRPr>
+          </a:p>
+        </p:txBody>
+      </p:sp>
+      <p:pic>
+        <p:nvPicPr>
+          <p:cNvPr id="4" name="圖片 3" descr="螢幕快照 2015-11-17 00.26.58.png"/>
+          <p:cNvPicPr>
+            <a:picLocks noChangeAspect="1"/>
+          </p:cNvPicPr>
+          <p:nvPr/>
+        </p:nvPicPr>
+        <p:blipFill>
+          <a:blip r:embed="rId2">
+            <a:extLst>
+              <a:ext uri="{28A0092B-C50C-407E-A947-70E740481C1C}">
+                <a14:useLocalDpi xmlns:a14="http://schemas.microsoft.com/office/drawing/2010/main" val="0"/>
+              </a:ext>
+            </a:extLst>
+          </a:blip>
+          <a:stretch>
+            <a:fillRect/>
+          </a:stretch>
+        </p:blipFill>
+        <p:spPr>
+          <a:xfrm>
+            <a:off x="2736137" y="1417638"/>
+            <a:ext cx="3654480" cy="5215784"/>
+          </a:xfrm>
+          <a:prstGeom prst="rect">
+            <a:avLst/>
+          </a:prstGeom>
+        </p:spPr>
+      </p:pic>
+      <p:sp>
+        <p:nvSpPr>
+          <p:cNvPr id="5" name="子標題 2"/>
+          <p:cNvSpPr txBox="1">
+            <a:spLocks/>
+          </p:cNvSpPr>
+          <p:nvPr/>
+        </p:nvSpPr>
+        <p:spPr>
+          <a:xfrm>
+            <a:off x="6978316" y="6550491"/>
+            <a:ext cx="2165683" cy="307509"/>
+          </a:xfrm>
+          <a:prstGeom prst="rect">
+            <a:avLst/>
+          </a:prstGeom>
+        </p:spPr>
+        <p:txBody>
+          <a:bodyPr vert="horz" lIns="91440" tIns="45720" rIns="91440" bIns="45720" rtlCol="0">
+            <a:normAutofit fontScale="85000" lnSpcReduction="10000"/>
+          </a:bodyPr>
+          <a:lstStyle>
+            <a:lvl1pPr marL="342900" indent="-342900" algn="l" defTabSz="457200" rtl="0" eaLnBrk="1" latinLnBrk="0" hangingPunct="1">
+              <a:spcBef>
+                <a:spcPct val="20000"/>
+              </a:spcBef>
+              <a:buFont typeface="Arial"/>
+              <a:buChar char="•"/>
+              <a:defRPr sz="3200" kern="1200">
+                <a:solidFill>
+                  <a:schemeClr val="tx1"/>
+                </a:solidFill>
+                <a:latin typeface="+mn-lt"/>
+                <a:ea typeface="+mn-ea"/>
+                <a:cs typeface="+mn-cs"/>
+              </a:defRPr>
+            </a:lvl1pPr>
+            <a:lvl2pPr marL="742950" indent="-285750" algn="l" defTabSz="457200" rtl="0" eaLnBrk="1" latinLnBrk="0" hangingPunct="1">
+              <a:spcBef>
+                <a:spcPct val="20000"/>
+              </a:spcBef>
+              <a:buFont typeface="Arial"/>
+              <a:buChar char="–"/>
+              <a:defRPr sz="2800" kern="1200">
+                <a:solidFill>
+                  <a:schemeClr val="tx1"/>
+                </a:solidFill>
+                <a:latin typeface="+mn-lt"/>
+                <a:ea typeface="+mn-ea"/>
+                <a:cs typeface="+mn-cs"/>
+              </a:defRPr>
+            </a:lvl2pPr>
+            <a:lvl3pPr marL="1143000" indent="-228600" algn="l" defTabSz="457200" rtl="0" eaLnBrk="1" latinLnBrk="0" hangingPunct="1">
+              <a:spcBef>
+                <a:spcPct val="20000"/>
+              </a:spcBef>
+              <a:buFont typeface="Arial"/>
+              <a:buChar char="•"/>
+              <a:defRPr sz="2400" kern="1200">
+                <a:solidFill>
+                  <a:schemeClr val="tx1"/>
+                </a:solidFill>
+                <a:latin typeface="+mn-lt"/>
+                <a:ea typeface="+mn-ea"/>
+                <a:cs typeface="+mn-cs"/>
+              </a:defRPr>
+            </a:lvl3pPr>
+            <a:lvl4pPr marL="1600200" indent="-228600" algn="l" defTabSz="457200" rtl="0" eaLnBrk="1" latinLnBrk="0" hangingPunct="1">
+              <a:spcBef>
+                <a:spcPct val="20000"/>
+              </a:spcBef>
+              <a:buFont typeface="Arial"/>
+              <a:buChar char="–"/>
+              <a:defRPr sz="2000" kern="1200">
+                <a:solidFill>
+                  <a:schemeClr val="tx1"/>
+                </a:solidFill>
+                <a:latin typeface="+mn-lt"/>
+                <a:ea typeface="+mn-ea"/>
+                <a:cs typeface="+mn-cs"/>
+              </a:defRPr>
+            </a:lvl4pPr>
+            <a:lvl5pPr marL="2057400" indent="-228600" algn="l" defTabSz="457200" rtl="0" eaLnBrk="1" latinLnBrk="0" hangingPunct="1">
+              <a:spcBef>
+                <a:spcPct val="20000"/>
+              </a:spcBef>
+              <a:buFont typeface="Arial"/>
+              <a:buChar char="»"/>
+              <a:defRPr sz="2000" kern="1200">
+                <a:solidFill>
+                  <a:schemeClr val="tx1"/>
+                </a:solidFill>
+                <a:latin typeface="+mn-lt"/>
+                <a:ea typeface="+mn-ea"/>
+                <a:cs typeface="+mn-cs"/>
+              </a:defRPr>
+            </a:lvl5pPr>
+            <a:lvl6pPr marL="2514600" indent="-228600" algn="l" defTabSz="457200" rtl="0" eaLnBrk="1" latinLnBrk="0" hangingPunct="1">
+              <a:spcBef>
+                <a:spcPct val="20000"/>
+              </a:spcBef>
+              <a:buFont typeface="Arial"/>
+              <a:buChar char="•"/>
+              <a:defRPr sz="2000" kern="1200">
+                <a:solidFill>
+                  <a:schemeClr val="tx1"/>
+                </a:solidFill>
+                <a:latin typeface="+mn-lt"/>
+                <a:ea typeface="+mn-ea"/>
+                <a:cs typeface="+mn-cs"/>
+              </a:defRPr>
+            </a:lvl6pPr>
+            <a:lvl7pPr marL="2971800" indent="-228600" algn="l" defTabSz="457200" rtl="0" eaLnBrk="1" latinLnBrk="0" hangingPunct="1">
+              <a:spcBef>
+                <a:spcPct val="20000"/>
+              </a:spcBef>
+              <a:buFont typeface="Arial"/>
+              <a:buChar char="•"/>
+              <a:defRPr sz="2000" kern="1200">
+                <a:solidFill>
+                  <a:schemeClr val="tx1"/>
+                </a:solidFill>
+                <a:latin typeface="+mn-lt"/>
+                <a:ea typeface="+mn-ea"/>
+                <a:cs typeface="+mn-cs"/>
+              </a:defRPr>
+            </a:lvl7pPr>
+            <a:lvl8pPr marL="3429000" indent="-228600" algn="l" defTabSz="457200" rtl="0" eaLnBrk="1" latinLnBrk="0" hangingPunct="1">
+              <a:spcBef>
+                <a:spcPct val="20000"/>
+              </a:spcBef>
+              <a:buFont typeface="Arial"/>
+              <a:buChar char="•"/>
+              <a:defRPr sz="2000" kern="1200">
+                <a:solidFill>
+                  <a:schemeClr val="tx1"/>
+                </a:solidFill>
+                <a:latin typeface="+mn-lt"/>
+                <a:ea typeface="+mn-ea"/>
+                <a:cs typeface="+mn-cs"/>
+              </a:defRPr>
+            </a:lvl8pPr>
+            <a:lvl9pPr marL="3886200" indent="-228600" algn="l" defTabSz="457200" rtl="0" eaLnBrk="1" latinLnBrk="0" hangingPunct="1">
+              <a:spcBef>
+                <a:spcPct val="20000"/>
+              </a:spcBef>
+              <a:buFont typeface="Arial"/>
+              <a:buChar char="•"/>
+              <a:defRPr sz="2000" kern="1200">
+                <a:solidFill>
+                  <a:schemeClr val="tx1"/>
+                </a:solidFill>
+                <a:latin typeface="+mn-lt"/>
+                <a:ea typeface="+mn-ea"/>
+                <a:cs typeface="+mn-cs"/>
+              </a:defRPr>
+            </a:lvl9pPr>
+          </a:lstStyle>
+          <a:p>
+            <a:pPr marL="0" indent="0" algn="r">
+              <a:buNone/>
+            </a:pPr>
+            <a:r>
+              <a:rPr kumimoji="1" lang="en-US" altLang="zh-TW" sz="1600" dirty="0" smtClean="0">
+                <a:latin typeface="PingFang TC Thin"/>
+                <a:cs typeface="PingFang TC Thin"/>
+              </a:rPr>
+              <a:t>Project Tracking System</a:t>
+            </a:r>
+            <a:endParaRPr kumimoji="1" lang="zh-TW" altLang="en-US" sz="1600" dirty="0">
+              <a:latin typeface="PingFang TC Thin"/>
+              <a:cs typeface="PingFang TC Thin"/>
+            </a:endParaRPr>
+          </a:p>
+        </p:txBody>
+      </p:sp>
+    </p:spTree>
+    <p:extLst>
+      <p:ext uri="{BB962C8B-B14F-4D97-AF65-F5344CB8AC3E}">
+        <p14:creationId xmlns:p14="http://schemas.microsoft.com/office/powerpoint/2010/main" val="3412706670"/>
+      </p:ext>
+    </p:extLst>
+  </p:cSld>
+  <p:clrMapOvr>
+    <a:masterClrMapping/>
+  </p:clrMapOvr>
+  <p:timing>
+    <p:tnLst>
+      <p:par>
+        <p:cTn xmlns:p14="http://schemas.microsoft.com/office/powerpoint/2010/main" id="1" dur="indefinite" restart="never" nodeType="tmRoot"/>
+      </p:par>
+    </p:tnLst>
+  </p:timing>
+</p:sld>
+</file>
+
+<file path=ppt/slides/slide5.xml><?xml version="1.0" encoding="utf-8"?>
+<p:sld xmlns:a="http://schemas.openxmlformats.org/drawingml/2006/main" xmlns:r="http://schemas.openxmlformats.org/officeDocument/2006/relationships" xmlns:p="http://schemas.openxmlformats.org/presentationml/2006/main">
+  <p:cSld>
+    <p:spTree>
+      <p:nvGrpSpPr>
+        <p:cNvPr id="1" name=""/>
+        <p:cNvGrpSpPr/>
+        <p:nvPr/>
+      </p:nvGrpSpPr>
+      <p:grpSpPr>
+        <a:xfrm>
+          <a:off x="0" y="0"/>
+          <a:ext cx="0" cy="0"/>
+          <a:chOff x="0" y="0"/>
+          <a:chExt cx="0" cy="0"/>
+        </a:xfrm>
+      </p:grpSpPr>
+      <p:sp>
+        <p:nvSpPr>
+          <p:cNvPr id="2" name="標題 1"/>
+          <p:cNvSpPr>
+            <a:spLocks noGrp="1"/>
+          </p:cNvSpPr>
+          <p:nvPr>
+            <p:ph type="title"/>
+          </p:nvPr>
+        </p:nvSpPr>
+        <p:spPr/>
+        <p:txBody>
+          <a:bodyPr/>
+          <a:lstStyle/>
+          <a:p>
+            <a:r>
+              <a:rPr kumimoji="1" lang="en-US" altLang="zh-TW" dirty="0">
+                <a:latin typeface="PingFang TC Regular"/>
+                <a:cs typeface="PingFang TC Regular"/>
+              </a:rPr>
               <a:t>Team Meeting</a:t>
             </a:r>
             <a:endParaRPr kumimoji="1" lang="zh-TW" altLang="en-US" dirty="0">
@@ -3669,7 +5595,11 @@
             <a:pPr lvl="1"/>
             <a:r>
               <a:rPr kumimoji="1" lang="en-US" altLang="zh-TW" sz="2400" dirty="0" smtClean="0">
+                <a:solidFill>
+                  <a:srgbClr val="FFFFFF"/>
+                </a:solidFill>
                 <a:latin typeface="PingFang TC Regular"/>
+                <a:ea typeface="蘋方-繁 細體"/>
                 <a:cs typeface="PingFang TC Regular"/>
                 <a:hlinkClick r:id="rId2"/>
               </a:rPr>
@@ -3683,9 +5613,10 @@
               <a:t> &amp; Document on </a:t>
             </a:r>
             <a:r>
-              <a:rPr kumimoji="1" lang="en-US" altLang="zh-TW" sz="2400" dirty="0" err="1" smtClean="0">
+              <a:rPr kumimoji="1" lang="en-US" altLang="zh-TW" sz="2400" dirty="0" smtClean="0">
                 <a:latin typeface="PingFang TC Regular"/>
                 <a:cs typeface="PingFang TC Regular"/>
+                <a:hlinkClick r:id="rId3"/>
               </a:rPr>
               <a:t>GitHub</a:t>
             </a:r>
@@ -3711,7 +5642,7 @@
           <p:nvPr>
             <p:extLst>
               <p:ext uri="{D42A27DB-BD31-4B8C-83A1-F6EECF244321}">
-                <p14:modId xmlns:p14="http://schemas.microsoft.com/office/powerpoint/2010/main" val="1679129199"/>
+                <p14:modId xmlns:p14="http://schemas.microsoft.com/office/powerpoint/2010/main" val="3927673298"/>
               </p:ext>
             </p:extLst>
           </p:nvPr>
@@ -3724,7 +5655,7 @@
           <a:graphicData uri="http://schemas.openxmlformats.org/drawingml/2006/table">
             <a:tbl>
               <a:tblPr firstRow="1" bandRow="1">
-                <a:tableStyleId>{5C22544A-7EE6-4342-B048-85BDC9FD1C3A}</a:tableStyleId>
+                <a:tableStyleId>{073A0DAA-6AF3-43AB-8588-CEC1D06C72B9}</a:tableStyleId>
               </a:tblPr>
               <a:tblGrid>
                 <a:gridCol w="1980260"/>
@@ -3739,8 +5670,8 @@
                     <a:p>
                       <a:pPr algn="ctr"/>
                       <a:r>
-                        <a:rPr lang="zh-TW" altLang="en-US" dirty="0" smtClean="0"/>
-                        <a:t>日期</a:t>
+                        <a:rPr lang="en-US" altLang="zh-TW" dirty="0" smtClean="0"/>
+                        <a:t>Date</a:t>
                       </a:r>
                       <a:endParaRPr lang="zh-TW" altLang="en-US" dirty="0"/>
                     </a:p>
@@ -3754,8 +5685,8 @@
                     <a:p>
                       <a:pPr algn="ctr"/>
                       <a:r>
-                        <a:rPr lang="zh-TW" altLang="en-US" dirty="0" smtClean="0"/>
-                        <a:t>開會目標</a:t>
+                        <a:rPr lang="en-US" altLang="zh-TW" dirty="0" smtClean="0"/>
+                        <a:t>Subject</a:t>
                       </a:r>
                       <a:endParaRPr lang="zh-TW" altLang="en-US" dirty="0"/>
                     </a:p>
@@ -3769,8 +5700,8 @@
                     <a:p>
                       <a:pPr algn="ctr"/>
                       <a:r>
-                        <a:rPr lang="zh-TW" altLang="en-US" dirty="0" smtClean="0"/>
-                        <a:t>類型</a:t>
+                        <a:rPr lang="en-US" altLang="zh-TW" dirty="0" smtClean="0"/>
+                        <a:t>Type</a:t>
                       </a:r>
                       <a:endParaRPr lang="zh-TW" altLang="en-US" dirty="0"/>
                     </a:p>
@@ -4203,6 +6134,182 @@
           </a:graphicData>
         </a:graphic>
       </p:graphicFrame>
+      <p:sp>
+        <p:nvSpPr>
+          <p:cNvPr id="5" name="子標題 2"/>
+          <p:cNvSpPr txBox="1">
+            <a:spLocks/>
+          </p:cNvSpPr>
+          <p:nvPr/>
+        </p:nvSpPr>
+        <p:spPr>
+          <a:xfrm>
+            <a:off x="6978316" y="6550491"/>
+            <a:ext cx="2165683" cy="307509"/>
+          </a:xfrm>
+          <a:prstGeom prst="rect">
+            <a:avLst/>
+          </a:prstGeom>
+        </p:spPr>
+        <p:txBody>
+          <a:bodyPr vert="horz" lIns="91440" tIns="45720" rIns="91440" bIns="45720" rtlCol="0">
+            <a:normAutofit fontScale="85000" lnSpcReduction="10000"/>
+          </a:bodyPr>
+          <a:lstStyle>
+            <a:lvl1pPr marL="342900" indent="-342900" algn="l" defTabSz="457200" rtl="0" eaLnBrk="1" latinLnBrk="0" hangingPunct="1">
+              <a:spcBef>
+                <a:spcPct val="20000"/>
+              </a:spcBef>
+              <a:buFont typeface="Arial"/>
+              <a:buChar char="•"/>
+              <a:defRPr sz="3200" kern="1200">
+                <a:solidFill>
+                  <a:schemeClr val="tx1"/>
+                </a:solidFill>
+                <a:latin typeface="+mn-lt"/>
+                <a:ea typeface="+mn-ea"/>
+                <a:cs typeface="+mn-cs"/>
+              </a:defRPr>
+            </a:lvl1pPr>
+            <a:lvl2pPr marL="742950" indent="-285750" algn="l" defTabSz="457200" rtl="0" eaLnBrk="1" latinLnBrk="0" hangingPunct="1">
+              <a:spcBef>
+                <a:spcPct val="20000"/>
+              </a:spcBef>
+              <a:buFont typeface="Arial"/>
+              <a:buChar char="–"/>
+              <a:defRPr sz="2800" kern="1200">
+                <a:solidFill>
+                  <a:schemeClr val="tx1"/>
+                </a:solidFill>
+                <a:latin typeface="+mn-lt"/>
+                <a:ea typeface="+mn-ea"/>
+                <a:cs typeface="+mn-cs"/>
+              </a:defRPr>
+            </a:lvl2pPr>
+            <a:lvl3pPr marL="1143000" indent="-228600" algn="l" defTabSz="457200" rtl="0" eaLnBrk="1" latinLnBrk="0" hangingPunct="1">
+              <a:spcBef>
+                <a:spcPct val="20000"/>
+              </a:spcBef>
+              <a:buFont typeface="Arial"/>
+              <a:buChar char="•"/>
+              <a:defRPr sz="2400" kern="1200">
+                <a:solidFill>
+                  <a:schemeClr val="tx1"/>
+                </a:solidFill>
+                <a:latin typeface="+mn-lt"/>
+                <a:ea typeface="+mn-ea"/>
+                <a:cs typeface="+mn-cs"/>
+              </a:defRPr>
+            </a:lvl3pPr>
+            <a:lvl4pPr marL="1600200" indent="-228600" algn="l" defTabSz="457200" rtl="0" eaLnBrk="1" latinLnBrk="0" hangingPunct="1">
+              <a:spcBef>
+                <a:spcPct val="20000"/>
+              </a:spcBef>
+              <a:buFont typeface="Arial"/>
+              <a:buChar char="–"/>
+              <a:defRPr sz="2000" kern="1200">
+                <a:solidFill>
+                  <a:schemeClr val="tx1"/>
+                </a:solidFill>
+                <a:latin typeface="+mn-lt"/>
+                <a:ea typeface="+mn-ea"/>
+                <a:cs typeface="+mn-cs"/>
+              </a:defRPr>
+            </a:lvl4pPr>
+            <a:lvl5pPr marL="2057400" indent="-228600" algn="l" defTabSz="457200" rtl="0" eaLnBrk="1" latinLnBrk="0" hangingPunct="1">
+              <a:spcBef>
+                <a:spcPct val="20000"/>
+              </a:spcBef>
+              <a:buFont typeface="Arial"/>
+              <a:buChar char="»"/>
+              <a:defRPr sz="2000" kern="1200">
+                <a:solidFill>
+                  <a:schemeClr val="tx1"/>
+                </a:solidFill>
+                <a:latin typeface="+mn-lt"/>
+                <a:ea typeface="+mn-ea"/>
+                <a:cs typeface="+mn-cs"/>
+              </a:defRPr>
+            </a:lvl5pPr>
+            <a:lvl6pPr marL="2514600" indent="-228600" algn="l" defTabSz="457200" rtl="0" eaLnBrk="1" latinLnBrk="0" hangingPunct="1">
+              <a:spcBef>
+                <a:spcPct val="20000"/>
+              </a:spcBef>
+              <a:buFont typeface="Arial"/>
+              <a:buChar char="•"/>
+              <a:defRPr sz="2000" kern="1200">
+                <a:solidFill>
+                  <a:schemeClr val="tx1"/>
+                </a:solidFill>
+                <a:latin typeface="+mn-lt"/>
+                <a:ea typeface="+mn-ea"/>
+                <a:cs typeface="+mn-cs"/>
+              </a:defRPr>
+            </a:lvl6pPr>
+            <a:lvl7pPr marL="2971800" indent="-228600" algn="l" defTabSz="457200" rtl="0" eaLnBrk="1" latinLnBrk="0" hangingPunct="1">
+              <a:spcBef>
+                <a:spcPct val="20000"/>
+              </a:spcBef>
+              <a:buFont typeface="Arial"/>
+              <a:buChar char="•"/>
+              <a:defRPr sz="2000" kern="1200">
+                <a:solidFill>
+                  <a:schemeClr val="tx1"/>
+                </a:solidFill>
+                <a:latin typeface="+mn-lt"/>
+                <a:ea typeface="+mn-ea"/>
+                <a:cs typeface="+mn-cs"/>
+              </a:defRPr>
+            </a:lvl7pPr>
+            <a:lvl8pPr marL="3429000" indent="-228600" algn="l" defTabSz="457200" rtl="0" eaLnBrk="1" latinLnBrk="0" hangingPunct="1">
+              <a:spcBef>
+                <a:spcPct val="20000"/>
+              </a:spcBef>
+              <a:buFont typeface="Arial"/>
+              <a:buChar char="•"/>
+              <a:defRPr sz="2000" kern="1200">
+                <a:solidFill>
+                  <a:schemeClr val="tx1"/>
+                </a:solidFill>
+                <a:latin typeface="+mn-lt"/>
+                <a:ea typeface="+mn-ea"/>
+                <a:cs typeface="+mn-cs"/>
+              </a:defRPr>
+            </a:lvl8pPr>
+            <a:lvl9pPr marL="3886200" indent="-228600" algn="l" defTabSz="457200" rtl="0" eaLnBrk="1" latinLnBrk="0" hangingPunct="1">
+              <a:spcBef>
+                <a:spcPct val="20000"/>
+              </a:spcBef>
+              <a:buFont typeface="Arial"/>
+              <a:buChar char="•"/>
+              <a:defRPr sz="2000" kern="1200">
+                <a:solidFill>
+                  <a:schemeClr val="tx1"/>
+                </a:solidFill>
+                <a:latin typeface="+mn-lt"/>
+                <a:ea typeface="+mn-ea"/>
+                <a:cs typeface="+mn-cs"/>
+              </a:defRPr>
+            </a:lvl9pPr>
+          </a:lstStyle>
+          <a:p>
+            <a:pPr marL="0" indent="0" algn="r">
+              <a:buNone/>
+            </a:pPr>
+            <a:r>
+              <a:rPr kumimoji="1" lang="en-US" altLang="zh-TW" sz="1600" dirty="0" smtClean="0">
+                <a:latin typeface="PingFang TC Thin"/>
+                <a:cs typeface="PingFang TC Thin"/>
+              </a:rPr>
+              <a:t>Project Tracking System</a:t>
+            </a:r>
+            <a:endParaRPr kumimoji="1" lang="zh-TW" altLang="en-US" sz="1600" dirty="0">
+              <a:latin typeface="PingFang TC Thin"/>
+              <a:cs typeface="PingFang TC Thin"/>
+            </a:endParaRPr>
+          </a:p>
+        </p:txBody>
+      </p:sp>
     </p:spTree>
     <p:extLst>
       <p:ext uri="{BB962C8B-B14F-4D97-AF65-F5344CB8AC3E}">
@@ -4223,7 +6330,7 @@
 </p:sld>
 </file>
 
-<file path=ppt/slides/slide5.xml><?xml version="1.0" encoding="utf-8"?>
+<file path=ppt/slides/slide6.xml><?xml version="1.0" encoding="utf-8"?>
 <p:sld xmlns:a="http://schemas.openxmlformats.org/drawingml/2006/main" xmlns:r="http://schemas.openxmlformats.org/officeDocument/2006/relationships" xmlns:p="http://schemas.openxmlformats.org/presentationml/2006/main">
   <p:cSld>
     <p:spTree>
@@ -4270,106 +6377,186 @@
           </a:prstGeom>
         </p:spPr>
       </p:pic>
-    </p:spTree>
-    <p:extLst>
-      <p:ext uri="{BB962C8B-B14F-4D97-AF65-F5344CB8AC3E}">
-        <p14:creationId xmlns:p14="http://schemas.microsoft.com/office/powerpoint/2010/main" val="6437193"/>
-      </p:ext>
-    </p:extLst>
-  </p:cSld>
-  <p:clrMapOvr>
-    <a:masterClrMapping/>
-  </p:clrMapOvr>
-  <p:timing>
-    <p:tnLst>
-      <p:par>
-        <p:cTn xmlns:p14="http://schemas.microsoft.com/office/powerpoint/2010/main" id="1" dur="indefinite" restart="never" nodeType="tmRoot"/>
-      </p:par>
-    </p:tnLst>
-  </p:timing>
-</p:sld>
-</file>
-
-<file path=ppt/slides/slide6.xml><?xml version="1.0" encoding="utf-8"?>
-<p:sld xmlns:a="http://schemas.openxmlformats.org/drawingml/2006/main" xmlns:r="http://schemas.openxmlformats.org/officeDocument/2006/relationships" xmlns:p="http://schemas.openxmlformats.org/presentationml/2006/main">
-  <p:cSld>
-    <p:spTree>
-      <p:nvGrpSpPr>
-        <p:cNvPr id="1" name=""/>
-        <p:cNvGrpSpPr/>
-        <p:nvPr/>
-      </p:nvGrpSpPr>
-      <p:grpSpPr>
-        <a:xfrm>
-          <a:off x="0" y="0"/>
-          <a:ext cx="0" cy="0"/>
-          <a:chOff x="0" y="0"/>
-          <a:chExt cx="0" cy="0"/>
-        </a:xfrm>
-      </p:grpSpPr>
-      <p:sp>
-        <p:nvSpPr>
-          <p:cNvPr id="2" name="標題 1"/>
-          <p:cNvSpPr>
-            <a:spLocks noGrp="1"/>
-          </p:cNvSpPr>
-          <p:nvPr>
-            <p:ph type="title"/>
-          </p:nvPr>
-        </p:nvSpPr>
-        <p:spPr/>
-        <p:txBody>
-          <a:bodyPr/>
-          <a:lstStyle/>
-          <a:p>
-            <a:r>
-              <a:rPr kumimoji="1" lang="en-US" altLang="zh-TW" dirty="0">
-                <a:latin typeface="PingFang TC Regular"/>
-                <a:cs typeface="PingFang TC Regular"/>
-              </a:rPr>
-              <a:t>Task Scheduling</a:t>
-            </a:r>
-            <a:endParaRPr kumimoji="1" lang="zh-TW" altLang="en-US" dirty="0">
-              <a:latin typeface="PingFang TC Regular"/>
-              <a:cs typeface="PingFang TC Regular"/>
-            </a:endParaRPr>
-          </a:p>
-        </p:txBody>
-      </p:sp>
-      <p:pic>
-        <p:nvPicPr>
-          <p:cNvPr id="4" name="圖片 3" descr="螢幕快照 2015-11-17 01.09.41.png"/>
-          <p:cNvPicPr>
-            <a:picLocks noChangeAspect="1"/>
-          </p:cNvPicPr>
+      <p:sp>
+        <p:nvSpPr>
+          <p:cNvPr id="3" name="子標題 2"/>
+          <p:cNvSpPr txBox="1">
+            <a:spLocks/>
+          </p:cNvSpPr>
           <p:nvPr/>
-        </p:nvPicPr>
-        <p:blipFill>
-          <a:blip r:embed="rId2">
-            <a:extLst>
-              <a:ext uri="{28A0092B-C50C-407E-A947-70E740481C1C}">
-                <a14:useLocalDpi xmlns:a14="http://schemas.microsoft.com/office/drawing/2010/main" val="0"/>
-              </a:ext>
-            </a:extLst>
-          </a:blip>
-          <a:stretch>
-            <a:fillRect/>
-          </a:stretch>
-        </p:blipFill>
+        </p:nvSpPr>
         <p:spPr>
           <a:xfrm>
-            <a:off x="226805" y="1786222"/>
-            <a:ext cx="8608462" cy="4094763"/>
+            <a:off x="6978316" y="6550491"/>
+            <a:ext cx="2165683" cy="307509"/>
           </a:xfrm>
           <a:prstGeom prst="rect">
             <a:avLst/>
           </a:prstGeom>
         </p:spPr>
-      </p:pic>
+        <p:txBody>
+          <a:bodyPr vert="horz" lIns="91440" tIns="45720" rIns="91440" bIns="45720" rtlCol="0">
+            <a:normAutofit fontScale="85000" lnSpcReduction="10000"/>
+          </a:bodyPr>
+          <a:lstStyle>
+            <a:lvl1pPr marL="342900" indent="-342900" algn="l" defTabSz="457200" rtl="0" eaLnBrk="1" latinLnBrk="0" hangingPunct="1">
+              <a:spcBef>
+                <a:spcPct val="20000"/>
+              </a:spcBef>
+              <a:buFont typeface="Arial"/>
+              <a:buChar char="•"/>
+              <a:defRPr sz="3200" kern="1200">
+                <a:solidFill>
+                  <a:schemeClr val="tx1"/>
+                </a:solidFill>
+                <a:latin typeface="+mn-lt"/>
+                <a:ea typeface="+mn-ea"/>
+                <a:cs typeface="+mn-cs"/>
+              </a:defRPr>
+            </a:lvl1pPr>
+            <a:lvl2pPr marL="742950" indent="-285750" algn="l" defTabSz="457200" rtl="0" eaLnBrk="1" latinLnBrk="0" hangingPunct="1">
+              <a:spcBef>
+                <a:spcPct val="20000"/>
+              </a:spcBef>
+              <a:buFont typeface="Arial"/>
+              <a:buChar char="–"/>
+              <a:defRPr sz="2800" kern="1200">
+                <a:solidFill>
+                  <a:schemeClr val="tx1"/>
+                </a:solidFill>
+                <a:latin typeface="+mn-lt"/>
+                <a:ea typeface="+mn-ea"/>
+                <a:cs typeface="+mn-cs"/>
+              </a:defRPr>
+            </a:lvl2pPr>
+            <a:lvl3pPr marL="1143000" indent="-228600" algn="l" defTabSz="457200" rtl="0" eaLnBrk="1" latinLnBrk="0" hangingPunct="1">
+              <a:spcBef>
+                <a:spcPct val="20000"/>
+              </a:spcBef>
+              <a:buFont typeface="Arial"/>
+              <a:buChar char="•"/>
+              <a:defRPr sz="2400" kern="1200">
+                <a:solidFill>
+                  <a:schemeClr val="tx1"/>
+                </a:solidFill>
+                <a:latin typeface="+mn-lt"/>
+                <a:ea typeface="+mn-ea"/>
+                <a:cs typeface="+mn-cs"/>
+              </a:defRPr>
+            </a:lvl3pPr>
+            <a:lvl4pPr marL="1600200" indent="-228600" algn="l" defTabSz="457200" rtl="0" eaLnBrk="1" latinLnBrk="0" hangingPunct="1">
+              <a:spcBef>
+                <a:spcPct val="20000"/>
+              </a:spcBef>
+              <a:buFont typeface="Arial"/>
+              <a:buChar char="–"/>
+              <a:defRPr sz="2000" kern="1200">
+                <a:solidFill>
+                  <a:schemeClr val="tx1"/>
+                </a:solidFill>
+                <a:latin typeface="+mn-lt"/>
+                <a:ea typeface="+mn-ea"/>
+                <a:cs typeface="+mn-cs"/>
+              </a:defRPr>
+            </a:lvl4pPr>
+            <a:lvl5pPr marL="2057400" indent="-228600" algn="l" defTabSz="457200" rtl="0" eaLnBrk="1" latinLnBrk="0" hangingPunct="1">
+              <a:spcBef>
+                <a:spcPct val="20000"/>
+              </a:spcBef>
+              <a:buFont typeface="Arial"/>
+              <a:buChar char="»"/>
+              <a:defRPr sz="2000" kern="1200">
+                <a:solidFill>
+                  <a:schemeClr val="tx1"/>
+                </a:solidFill>
+                <a:latin typeface="+mn-lt"/>
+                <a:ea typeface="+mn-ea"/>
+                <a:cs typeface="+mn-cs"/>
+              </a:defRPr>
+            </a:lvl5pPr>
+            <a:lvl6pPr marL="2514600" indent="-228600" algn="l" defTabSz="457200" rtl="0" eaLnBrk="1" latinLnBrk="0" hangingPunct="1">
+              <a:spcBef>
+                <a:spcPct val="20000"/>
+              </a:spcBef>
+              <a:buFont typeface="Arial"/>
+              <a:buChar char="•"/>
+              <a:defRPr sz="2000" kern="1200">
+                <a:solidFill>
+                  <a:schemeClr val="tx1"/>
+                </a:solidFill>
+                <a:latin typeface="+mn-lt"/>
+                <a:ea typeface="+mn-ea"/>
+                <a:cs typeface="+mn-cs"/>
+              </a:defRPr>
+            </a:lvl6pPr>
+            <a:lvl7pPr marL="2971800" indent="-228600" algn="l" defTabSz="457200" rtl="0" eaLnBrk="1" latinLnBrk="0" hangingPunct="1">
+              <a:spcBef>
+                <a:spcPct val="20000"/>
+              </a:spcBef>
+              <a:buFont typeface="Arial"/>
+              <a:buChar char="•"/>
+              <a:defRPr sz="2000" kern="1200">
+                <a:solidFill>
+                  <a:schemeClr val="tx1"/>
+                </a:solidFill>
+                <a:latin typeface="+mn-lt"/>
+                <a:ea typeface="+mn-ea"/>
+                <a:cs typeface="+mn-cs"/>
+              </a:defRPr>
+            </a:lvl7pPr>
+            <a:lvl8pPr marL="3429000" indent="-228600" algn="l" defTabSz="457200" rtl="0" eaLnBrk="1" latinLnBrk="0" hangingPunct="1">
+              <a:spcBef>
+                <a:spcPct val="20000"/>
+              </a:spcBef>
+              <a:buFont typeface="Arial"/>
+              <a:buChar char="•"/>
+              <a:defRPr sz="2000" kern="1200">
+                <a:solidFill>
+                  <a:schemeClr val="tx1"/>
+                </a:solidFill>
+                <a:latin typeface="+mn-lt"/>
+                <a:ea typeface="+mn-ea"/>
+                <a:cs typeface="+mn-cs"/>
+              </a:defRPr>
+            </a:lvl8pPr>
+            <a:lvl9pPr marL="3886200" indent="-228600" algn="l" defTabSz="457200" rtl="0" eaLnBrk="1" latinLnBrk="0" hangingPunct="1">
+              <a:spcBef>
+                <a:spcPct val="20000"/>
+              </a:spcBef>
+              <a:buFont typeface="Arial"/>
+              <a:buChar char="•"/>
+              <a:defRPr sz="2000" kern="1200">
+                <a:solidFill>
+                  <a:schemeClr val="tx1"/>
+                </a:solidFill>
+                <a:latin typeface="+mn-lt"/>
+                <a:ea typeface="+mn-ea"/>
+                <a:cs typeface="+mn-cs"/>
+              </a:defRPr>
+            </a:lvl9pPr>
+          </a:lstStyle>
+          <a:p>
+            <a:pPr marL="0" indent="0" algn="r">
+              <a:buNone/>
+            </a:pPr>
+            <a:r>
+              <a:rPr kumimoji="1" lang="en-US" altLang="zh-TW" sz="1600" dirty="0" smtClean="0">
+                <a:latin typeface="PingFang TC Thin"/>
+                <a:cs typeface="PingFang TC Thin"/>
+              </a:rPr>
+              <a:t>Project Tracking System</a:t>
+            </a:r>
+            <a:endParaRPr kumimoji="1" lang="zh-TW" altLang="en-US" sz="1600" dirty="0">
+              <a:latin typeface="PingFang TC Thin"/>
+              <a:cs typeface="PingFang TC Thin"/>
+            </a:endParaRPr>
+          </a:p>
+        </p:txBody>
+      </p:sp>
     </p:spTree>
     <p:extLst>
       <p:ext uri="{BB962C8B-B14F-4D97-AF65-F5344CB8AC3E}">
-        <p14:creationId xmlns:p14="http://schemas.microsoft.com/office/powerpoint/2010/main" val="3043614986"/>
+        <p14:creationId xmlns:p14="http://schemas.microsoft.com/office/powerpoint/2010/main" val="6437193"/>
       </p:ext>
     </p:extLst>
   </p:cSld>
@@ -4423,7 +6610,7 @@
                 <a:latin typeface="PingFang TC Regular"/>
                 <a:cs typeface="PingFang TC Regular"/>
               </a:rPr>
-              <a:t>System Block Diagram</a:t>
+              <a:t>Task Scheduling</a:t>
             </a:r>
             <a:endParaRPr kumimoji="1" lang="zh-TW" altLang="en-US" dirty="0">
               <a:latin typeface="PingFang TC Regular"/>
@@ -4434,7 +6621,7 @@
       </p:sp>
       <p:pic>
         <p:nvPicPr>
-          <p:cNvPr id="5" name="圖片 4" descr="螢幕快照 2015-11-17 01.15.20.png"/>
+          <p:cNvPr id="4" name="圖片 3" descr="螢幕快照 2015-11-17 01.09.41.png"/>
           <p:cNvPicPr>
             <a:picLocks noChangeAspect="1"/>
           </p:cNvPicPr>
@@ -4454,24 +6641,207 @@
         </p:blipFill>
         <p:spPr>
           <a:xfrm>
-            <a:off x="1784195" y="1290019"/>
-            <a:ext cx="5413067" cy="5356326"/>
+            <a:off x="226805" y="1786222"/>
+            <a:ext cx="8608462" cy="4094763"/>
           </a:xfrm>
           <a:prstGeom prst="rect">
             <a:avLst/>
           </a:prstGeom>
         </p:spPr>
       </p:pic>
+      <p:sp>
+        <p:nvSpPr>
+          <p:cNvPr id="5" name="子標題 2"/>
+          <p:cNvSpPr txBox="1">
+            <a:spLocks/>
+          </p:cNvSpPr>
+          <p:nvPr/>
+        </p:nvSpPr>
+        <p:spPr>
+          <a:xfrm>
+            <a:off x="6978316" y="6550491"/>
+            <a:ext cx="2165683" cy="307509"/>
+          </a:xfrm>
+          <a:prstGeom prst="rect">
+            <a:avLst/>
+          </a:prstGeom>
+        </p:spPr>
+        <p:txBody>
+          <a:bodyPr vert="horz" lIns="91440" tIns="45720" rIns="91440" bIns="45720" rtlCol="0">
+            <a:normAutofit fontScale="85000" lnSpcReduction="10000"/>
+          </a:bodyPr>
+          <a:lstStyle>
+            <a:lvl1pPr marL="342900" indent="-342900" algn="l" defTabSz="457200" rtl="0" eaLnBrk="1" latinLnBrk="0" hangingPunct="1">
+              <a:spcBef>
+                <a:spcPct val="20000"/>
+              </a:spcBef>
+              <a:buFont typeface="Arial"/>
+              <a:buChar char="•"/>
+              <a:defRPr sz="3200" kern="1200">
+                <a:solidFill>
+                  <a:schemeClr val="tx1"/>
+                </a:solidFill>
+                <a:latin typeface="+mn-lt"/>
+                <a:ea typeface="+mn-ea"/>
+                <a:cs typeface="+mn-cs"/>
+              </a:defRPr>
+            </a:lvl1pPr>
+            <a:lvl2pPr marL="742950" indent="-285750" algn="l" defTabSz="457200" rtl="0" eaLnBrk="1" latinLnBrk="0" hangingPunct="1">
+              <a:spcBef>
+                <a:spcPct val="20000"/>
+              </a:spcBef>
+              <a:buFont typeface="Arial"/>
+              <a:buChar char="–"/>
+              <a:defRPr sz="2800" kern="1200">
+                <a:solidFill>
+                  <a:schemeClr val="tx1"/>
+                </a:solidFill>
+                <a:latin typeface="+mn-lt"/>
+                <a:ea typeface="+mn-ea"/>
+                <a:cs typeface="+mn-cs"/>
+              </a:defRPr>
+            </a:lvl2pPr>
+            <a:lvl3pPr marL="1143000" indent="-228600" algn="l" defTabSz="457200" rtl="0" eaLnBrk="1" latinLnBrk="0" hangingPunct="1">
+              <a:spcBef>
+                <a:spcPct val="20000"/>
+              </a:spcBef>
+              <a:buFont typeface="Arial"/>
+              <a:buChar char="•"/>
+              <a:defRPr sz="2400" kern="1200">
+                <a:solidFill>
+                  <a:schemeClr val="tx1"/>
+                </a:solidFill>
+                <a:latin typeface="+mn-lt"/>
+                <a:ea typeface="+mn-ea"/>
+                <a:cs typeface="+mn-cs"/>
+              </a:defRPr>
+            </a:lvl3pPr>
+            <a:lvl4pPr marL="1600200" indent="-228600" algn="l" defTabSz="457200" rtl="0" eaLnBrk="1" latinLnBrk="0" hangingPunct="1">
+              <a:spcBef>
+                <a:spcPct val="20000"/>
+              </a:spcBef>
+              <a:buFont typeface="Arial"/>
+              <a:buChar char="–"/>
+              <a:defRPr sz="2000" kern="1200">
+                <a:solidFill>
+                  <a:schemeClr val="tx1"/>
+                </a:solidFill>
+                <a:latin typeface="+mn-lt"/>
+                <a:ea typeface="+mn-ea"/>
+                <a:cs typeface="+mn-cs"/>
+              </a:defRPr>
+            </a:lvl4pPr>
+            <a:lvl5pPr marL="2057400" indent="-228600" algn="l" defTabSz="457200" rtl="0" eaLnBrk="1" latinLnBrk="0" hangingPunct="1">
+              <a:spcBef>
+                <a:spcPct val="20000"/>
+              </a:spcBef>
+              <a:buFont typeface="Arial"/>
+              <a:buChar char="»"/>
+              <a:defRPr sz="2000" kern="1200">
+                <a:solidFill>
+                  <a:schemeClr val="tx1"/>
+                </a:solidFill>
+                <a:latin typeface="+mn-lt"/>
+                <a:ea typeface="+mn-ea"/>
+                <a:cs typeface="+mn-cs"/>
+              </a:defRPr>
+            </a:lvl5pPr>
+            <a:lvl6pPr marL="2514600" indent="-228600" algn="l" defTabSz="457200" rtl="0" eaLnBrk="1" latinLnBrk="0" hangingPunct="1">
+              <a:spcBef>
+                <a:spcPct val="20000"/>
+              </a:spcBef>
+              <a:buFont typeface="Arial"/>
+              <a:buChar char="•"/>
+              <a:defRPr sz="2000" kern="1200">
+                <a:solidFill>
+                  <a:schemeClr val="tx1"/>
+                </a:solidFill>
+                <a:latin typeface="+mn-lt"/>
+                <a:ea typeface="+mn-ea"/>
+                <a:cs typeface="+mn-cs"/>
+              </a:defRPr>
+            </a:lvl6pPr>
+            <a:lvl7pPr marL="2971800" indent="-228600" algn="l" defTabSz="457200" rtl="0" eaLnBrk="1" latinLnBrk="0" hangingPunct="1">
+              <a:spcBef>
+                <a:spcPct val="20000"/>
+              </a:spcBef>
+              <a:buFont typeface="Arial"/>
+              <a:buChar char="•"/>
+              <a:defRPr sz="2000" kern="1200">
+                <a:solidFill>
+                  <a:schemeClr val="tx1"/>
+                </a:solidFill>
+                <a:latin typeface="+mn-lt"/>
+                <a:ea typeface="+mn-ea"/>
+                <a:cs typeface="+mn-cs"/>
+              </a:defRPr>
+            </a:lvl7pPr>
+            <a:lvl8pPr marL="3429000" indent="-228600" algn="l" defTabSz="457200" rtl="0" eaLnBrk="1" latinLnBrk="0" hangingPunct="1">
+              <a:spcBef>
+                <a:spcPct val="20000"/>
+              </a:spcBef>
+              <a:buFont typeface="Arial"/>
+              <a:buChar char="•"/>
+              <a:defRPr sz="2000" kern="1200">
+                <a:solidFill>
+                  <a:schemeClr val="tx1"/>
+                </a:solidFill>
+                <a:latin typeface="+mn-lt"/>
+                <a:ea typeface="+mn-ea"/>
+                <a:cs typeface="+mn-cs"/>
+              </a:defRPr>
+            </a:lvl8pPr>
+            <a:lvl9pPr marL="3886200" indent="-228600" algn="l" defTabSz="457200" rtl="0" eaLnBrk="1" latinLnBrk="0" hangingPunct="1">
+              <a:spcBef>
+                <a:spcPct val="20000"/>
+              </a:spcBef>
+              <a:buFont typeface="Arial"/>
+              <a:buChar char="•"/>
+              <a:defRPr sz="2000" kern="1200">
+                <a:solidFill>
+                  <a:schemeClr val="tx1"/>
+                </a:solidFill>
+                <a:latin typeface="+mn-lt"/>
+                <a:ea typeface="+mn-ea"/>
+                <a:cs typeface="+mn-cs"/>
+              </a:defRPr>
+            </a:lvl9pPr>
+          </a:lstStyle>
+          <a:p>
+            <a:pPr marL="0" indent="0" algn="r">
+              <a:buNone/>
+            </a:pPr>
+            <a:r>
+              <a:rPr kumimoji="1" lang="en-US" altLang="zh-TW" sz="1600" dirty="0" smtClean="0">
+                <a:latin typeface="PingFang TC Thin"/>
+                <a:cs typeface="PingFang TC Thin"/>
+              </a:rPr>
+              <a:t>Project Tracking System</a:t>
+            </a:r>
+            <a:endParaRPr kumimoji="1" lang="zh-TW" altLang="en-US" sz="1600" dirty="0">
+              <a:latin typeface="PingFang TC Thin"/>
+              <a:cs typeface="PingFang TC Thin"/>
+            </a:endParaRPr>
+          </a:p>
+        </p:txBody>
+      </p:sp>
     </p:spTree>
     <p:extLst>
       <p:ext uri="{BB962C8B-B14F-4D97-AF65-F5344CB8AC3E}">
-        <p14:creationId xmlns:p14="http://schemas.microsoft.com/office/powerpoint/2010/main" val="571387818"/>
+        <p14:creationId xmlns:p14="http://schemas.microsoft.com/office/powerpoint/2010/main" val="3043614986"/>
       </p:ext>
     </p:extLst>
   </p:cSld>
   <p:clrMapOvr>
     <a:masterClrMapping/>
   </p:clrMapOvr>
+  <p:timing>
+    <p:tnLst>
+      <p:par>
+        <p:cTn xmlns:p14="http://schemas.microsoft.com/office/powerpoint/2010/main" id="1" dur="indefinite" restart="never" nodeType="tmRoot"/>
+      </p:par>
+    </p:tnLst>
+  </p:timing>
 </p:sld>
 </file>
 
@@ -4502,6 +6872,155 @@
             <p:ph type="title"/>
           </p:nvPr>
         </p:nvSpPr>
+        <p:spPr/>
+        <p:txBody>
+          <a:bodyPr/>
+          <a:lstStyle/>
+          <a:p>
+            <a:r>
+              <a:rPr kumimoji="1" lang="en-US" altLang="zh-TW" dirty="0" smtClean="0"/>
+              <a:t>SCRUM Burn Time</a:t>
+            </a:r>
+            <a:endParaRPr kumimoji="1" lang="zh-TW" altLang="en-US" dirty="0"/>
+          </a:p>
+        </p:txBody>
+      </p:sp>
+      <p:graphicFrame>
+        <p:nvGraphicFramePr>
+          <p:cNvPr id="4" name="圖表 3"/>
+          <p:cNvGraphicFramePr>
+            <a:graphicFrameLocks/>
+          </p:cNvGraphicFramePr>
+          <p:nvPr>
+            <p:extLst>
+              <p:ext uri="{D42A27DB-BD31-4B8C-83A1-F6EECF244321}">
+                <p14:modId xmlns:p14="http://schemas.microsoft.com/office/powerpoint/2010/main" val="511597664"/>
+              </p:ext>
+            </p:extLst>
+          </p:nvPr>
+        </p:nvGraphicFramePr>
+        <p:xfrm>
+          <a:off x="467034" y="1778408"/>
+          <a:ext cx="3989567" cy="2147942"/>
+        </p:xfrm>
+        <a:graphic>
+          <a:graphicData uri="http://schemas.openxmlformats.org/drawingml/2006/chart">
+            <c:chart xmlns:c="http://schemas.openxmlformats.org/drawingml/2006/chart" xmlns:r="http://schemas.openxmlformats.org/officeDocument/2006/relationships" r:id="rId2"/>
+          </a:graphicData>
+        </a:graphic>
+      </p:graphicFrame>
+      <p:graphicFrame>
+        <p:nvGraphicFramePr>
+          <p:cNvPr id="5" name="圖表 4"/>
+          <p:cNvGraphicFramePr>
+            <a:graphicFrameLocks/>
+          </p:cNvGraphicFramePr>
+          <p:nvPr>
+            <p:extLst>
+              <p:ext uri="{D42A27DB-BD31-4B8C-83A1-F6EECF244321}">
+                <p14:modId xmlns:p14="http://schemas.microsoft.com/office/powerpoint/2010/main" val="3525193280"/>
+              </p:ext>
+            </p:extLst>
+          </p:nvPr>
+        </p:nvGraphicFramePr>
+        <p:xfrm>
+          <a:off x="4697233" y="1778408"/>
+          <a:ext cx="3989567" cy="2147942"/>
+        </p:xfrm>
+        <a:graphic>
+          <a:graphicData uri="http://schemas.openxmlformats.org/drawingml/2006/chart">
+            <c:chart xmlns:c="http://schemas.openxmlformats.org/drawingml/2006/chart" xmlns:r="http://schemas.openxmlformats.org/officeDocument/2006/relationships" r:id="rId3"/>
+          </a:graphicData>
+        </a:graphic>
+      </p:graphicFrame>
+      <p:graphicFrame>
+        <p:nvGraphicFramePr>
+          <p:cNvPr id="6" name="圖表 5"/>
+          <p:cNvGraphicFramePr>
+            <a:graphicFrameLocks/>
+          </p:cNvGraphicFramePr>
+          <p:nvPr>
+            <p:extLst>
+              <p:ext uri="{D42A27DB-BD31-4B8C-83A1-F6EECF244321}">
+                <p14:modId xmlns:p14="http://schemas.microsoft.com/office/powerpoint/2010/main" val="1885691445"/>
+              </p:ext>
+            </p:extLst>
+          </p:nvPr>
+        </p:nvGraphicFramePr>
+        <p:xfrm>
+          <a:off x="440654" y="4327403"/>
+          <a:ext cx="4015947" cy="2162144"/>
+        </p:xfrm>
+        <a:graphic>
+          <a:graphicData uri="http://schemas.openxmlformats.org/drawingml/2006/chart">
+            <c:chart xmlns:c="http://schemas.openxmlformats.org/drawingml/2006/chart" xmlns:r="http://schemas.openxmlformats.org/officeDocument/2006/relationships" r:id="rId4"/>
+          </a:graphicData>
+        </a:graphic>
+      </p:graphicFrame>
+      <p:graphicFrame>
+        <p:nvGraphicFramePr>
+          <p:cNvPr id="7" name="圖表 6"/>
+          <p:cNvGraphicFramePr>
+            <a:graphicFrameLocks/>
+          </p:cNvGraphicFramePr>
+          <p:nvPr>
+            <p:extLst>
+              <p:ext uri="{D42A27DB-BD31-4B8C-83A1-F6EECF244321}">
+                <p14:modId xmlns:p14="http://schemas.microsoft.com/office/powerpoint/2010/main" val="2374659178"/>
+              </p:ext>
+            </p:extLst>
+          </p:nvPr>
+        </p:nvGraphicFramePr>
+        <p:xfrm>
+          <a:off x="4750462" y="4327402"/>
+          <a:ext cx="3936337" cy="2162143"/>
+        </p:xfrm>
+        <a:graphic>
+          <a:graphicData uri="http://schemas.openxmlformats.org/drawingml/2006/chart">
+            <c:chart xmlns:c="http://schemas.openxmlformats.org/drawingml/2006/chart" xmlns:r="http://schemas.openxmlformats.org/officeDocument/2006/relationships" r:id="rId5"/>
+          </a:graphicData>
+        </a:graphic>
+      </p:graphicFrame>
+    </p:spTree>
+    <p:extLst>
+      <p:ext uri="{BB962C8B-B14F-4D97-AF65-F5344CB8AC3E}">
+        <p14:creationId xmlns:p14="http://schemas.microsoft.com/office/powerpoint/2010/main" val="1472732441"/>
+      </p:ext>
+    </p:extLst>
+  </p:cSld>
+  <p:clrMapOvr>
+    <a:masterClrMapping/>
+  </p:clrMapOvr>
+</p:sld>
+</file>
+
+<file path=ppt/slides/slide9.xml><?xml version="1.0" encoding="utf-8"?>
+<p:sld xmlns:a="http://schemas.openxmlformats.org/drawingml/2006/main" xmlns:r="http://schemas.openxmlformats.org/officeDocument/2006/relationships" xmlns:p="http://schemas.openxmlformats.org/presentationml/2006/main">
+  <p:cSld>
+    <p:spTree>
+      <p:nvGrpSpPr>
+        <p:cNvPr id="1" name=""/>
+        <p:cNvGrpSpPr/>
+        <p:nvPr/>
+      </p:nvGrpSpPr>
+      <p:grpSpPr>
+        <a:xfrm>
+          <a:off x="0" y="0"/>
+          <a:ext cx="0" cy="0"/>
+          <a:chOff x="0" y="0"/>
+          <a:chExt cx="0" cy="0"/>
+        </a:xfrm>
+      </p:grpSpPr>
+      <p:sp>
+        <p:nvSpPr>
+          <p:cNvPr id="2" name="標題 1"/>
+          <p:cNvSpPr>
+            <a:spLocks noGrp="1"/>
+          </p:cNvSpPr>
+          <p:nvPr>
+            <p:ph type="title"/>
+          </p:nvPr>
+        </p:nvSpPr>
         <p:spPr>
           <a:xfrm>
             <a:off x="457200" y="3131980"/>
@@ -4520,6 +7039,182 @@
               <a:t>DEMO</a:t>
             </a:r>
             <a:endParaRPr kumimoji="1" lang="zh-TW" altLang="en-US" dirty="0">
+              <a:latin typeface="PingFang TC Thin"/>
+              <a:cs typeface="PingFang TC Thin"/>
+            </a:endParaRPr>
+          </a:p>
+        </p:txBody>
+      </p:sp>
+      <p:sp>
+        <p:nvSpPr>
+          <p:cNvPr id="3" name="子標題 2"/>
+          <p:cNvSpPr txBox="1">
+            <a:spLocks/>
+          </p:cNvSpPr>
+          <p:nvPr/>
+        </p:nvSpPr>
+        <p:spPr>
+          <a:xfrm>
+            <a:off x="6978316" y="6550491"/>
+            <a:ext cx="2165683" cy="307509"/>
+          </a:xfrm>
+          <a:prstGeom prst="rect">
+            <a:avLst/>
+          </a:prstGeom>
+        </p:spPr>
+        <p:txBody>
+          <a:bodyPr vert="horz" lIns="91440" tIns="45720" rIns="91440" bIns="45720" rtlCol="0">
+            <a:normAutofit fontScale="85000" lnSpcReduction="10000"/>
+          </a:bodyPr>
+          <a:lstStyle>
+            <a:lvl1pPr marL="342900" indent="-342900" algn="l" defTabSz="457200" rtl="0" eaLnBrk="1" latinLnBrk="0" hangingPunct="1">
+              <a:spcBef>
+                <a:spcPct val="20000"/>
+              </a:spcBef>
+              <a:buFont typeface="Arial"/>
+              <a:buChar char="•"/>
+              <a:defRPr sz="3200" kern="1200">
+                <a:solidFill>
+                  <a:schemeClr val="tx1"/>
+                </a:solidFill>
+                <a:latin typeface="+mn-lt"/>
+                <a:ea typeface="+mn-ea"/>
+                <a:cs typeface="+mn-cs"/>
+              </a:defRPr>
+            </a:lvl1pPr>
+            <a:lvl2pPr marL="742950" indent="-285750" algn="l" defTabSz="457200" rtl="0" eaLnBrk="1" latinLnBrk="0" hangingPunct="1">
+              <a:spcBef>
+                <a:spcPct val="20000"/>
+              </a:spcBef>
+              <a:buFont typeface="Arial"/>
+              <a:buChar char="–"/>
+              <a:defRPr sz="2800" kern="1200">
+                <a:solidFill>
+                  <a:schemeClr val="tx1"/>
+                </a:solidFill>
+                <a:latin typeface="+mn-lt"/>
+                <a:ea typeface="+mn-ea"/>
+                <a:cs typeface="+mn-cs"/>
+              </a:defRPr>
+            </a:lvl2pPr>
+            <a:lvl3pPr marL="1143000" indent="-228600" algn="l" defTabSz="457200" rtl="0" eaLnBrk="1" latinLnBrk="0" hangingPunct="1">
+              <a:spcBef>
+                <a:spcPct val="20000"/>
+              </a:spcBef>
+              <a:buFont typeface="Arial"/>
+              <a:buChar char="•"/>
+              <a:defRPr sz="2400" kern="1200">
+                <a:solidFill>
+                  <a:schemeClr val="tx1"/>
+                </a:solidFill>
+                <a:latin typeface="+mn-lt"/>
+                <a:ea typeface="+mn-ea"/>
+                <a:cs typeface="+mn-cs"/>
+              </a:defRPr>
+            </a:lvl3pPr>
+            <a:lvl4pPr marL="1600200" indent="-228600" algn="l" defTabSz="457200" rtl="0" eaLnBrk="1" latinLnBrk="0" hangingPunct="1">
+              <a:spcBef>
+                <a:spcPct val="20000"/>
+              </a:spcBef>
+              <a:buFont typeface="Arial"/>
+              <a:buChar char="–"/>
+              <a:defRPr sz="2000" kern="1200">
+                <a:solidFill>
+                  <a:schemeClr val="tx1"/>
+                </a:solidFill>
+                <a:latin typeface="+mn-lt"/>
+                <a:ea typeface="+mn-ea"/>
+                <a:cs typeface="+mn-cs"/>
+              </a:defRPr>
+            </a:lvl4pPr>
+            <a:lvl5pPr marL="2057400" indent="-228600" algn="l" defTabSz="457200" rtl="0" eaLnBrk="1" latinLnBrk="0" hangingPunct="1">
+              <a:spcBef>
+                <a:spcPct val="20000"/>
+              </a:spcBef>
+              <a:buFont typeface="Arial"/>
+              <a:buChar char="»"/>
+              <a:defRPr sz="2000" kern="1200">
+                <a:solidFill>
+                  <a:schemeClr val="tx1"/>
+                </a:solidFill>
+                <a:latin typeface="+mn-lt"/>
+                <a:ea typeface="+mn-ea"/>
+                <a:cs typeface="+mn-cs"/>
+              </a:defRPr>
+            </a:lvl5pPr>
+            <a:lvl6pPr marL="2514600" indent="-228600" algn="l" defTabSz="457200" rtl="0" eaLnBrk="1" latinLnBrk="0" hangingPunct="1">
+              <a:spcBef>
+                <a:spcPct val="20000"/>
+              </a:spcBef>
+              <a:buFont typeface="Arial"/>
+              <a:buChar char="•"/>
+              <a:defRPr sz="2000" kern="1200">
+                <a:solidFill>
+                  <a:schemeClr val="tx1"/>
+                </a:solidFill>
+                <a:latin typeface="+mn-lt"/>
+                <a:ea typeface="+mn-ea"/>
+                <a:cs typeface="+mn-cs"/>
+              </a:defRPr>
+            </a:lvl6pPr>
+            <a:lvl7pPr marL="2971800" indent="-228600" algn="l" defTabSz="457200" rtl="0" eaLnBrk="1" latinLnBrk="0" hangingPunct="1">
+              <a:spcBef>
+                <a:spcPct val="20000"/>
+              </a:spcBef>
+              <a:buFont typeface="Arial"/>
+              <a:buChar char="•"/>
+              <a:defRPr sz="2000" kern="1200">
+                <a:solidFill>
+                  <a:schemeClr val="tx1"/>
+                </a:solidFill>
+                <a:latin typeface="+mn-lt"/>
+                <a:ea typeface="+mn-ea"/>
+                <a:cs typeface="+mn-cs"/>
+              </a:defRPr>
+            </a:lvl7pPr>
+            <a:lvl8pPr marL="3429000" indent="-228600" algn="l" defTabSz="457200" rtl="0" eaLnBrk="1" latinLnBrk="0" hangingPunct="1">
+              <a:spcBef>
+                <a:spcPct val="20000"/>
+              </a:spcBef>
+              <a:buFont typeface="Arial"/>
+              <a:buChar char="•"/>
+              <a:defRPr sz="2000" kern="1200">
+                <a:solidFill>
+                  <a:schemeClr val="tx1"/>
+                </a:solidFill>
+                <a:latin typeface="+mn-lt"/>
+                <a:ea typeface="+mn-ea"/>
+                <a:cs typeface="+mn-cs"/>
+              </a:defRPr>
+            </a:lvl8pPr>
+            <a:lvl9pPr marL="3886200" indent="-228600" algn="l" defTabSz="457200" rtl="0" eaLnBrk="1" latinLnBrk="0" hangingPunct="1">
+              <a:spcBef>
+                <a:spcPct val="20000"/>
+              </a:spcBef>
+              <a:buFont typeface="Arial"/>
+              <a:buChar char="•"/>
+              <a:defRPr sz="2000" kern="1200">
+                <a:solidFill>
+                  <a:schemeClr val="tx1"/>
+                </a:solidFill>
+                <a:latin typeface="+mn-lt"/>
+                <a:ea typeface="+mn-ea"/>
+                <a:cs typeface="+mn-cs"/>
+              </a:defRPr>
+            </a:lvl9pPr>
+          </a:lstStyle>
+          <a:p>
+            <a:pPr marL="0" indent="0" algn="r">
+              <a:buNone/>
+            </a:pPr>
+            <a:r>
+              <a:rPr kumimoji="1" lang="en-US" altLang="zh-TW" sz="1600" dirty="0" smtClean="0">
+                <a:latin typeface="PingFang TC Thin"/>
+                <a:cs typeface="PingFang TC Thin"/>
+              </a:rPr>
+              <a:t>Project Tracking System</a:t>
+            </a:r>
+            <a:endParaRPr kumimoji="1" lang="zh-TW" altLang="en-US" sz="1600" dirty="0">
               <a:latin typeface="PingFang TC Thin"/>
               <a:cs typeface="PingFang TC Thin"/>
             </a:endParaRPr>
@@ -4536,11 +7231,18 @@
   <p:clrMapOvr>
     <a:masterClrMapping/>
   </p:clrMapOvr>
+  <p:timing>
+    <p:tnLst>
+      <p:par>
+        <p:cTn xmlns:p14="http://schemas.microsoft.com/office/powerpoint/2010/main" id="1" dur="indefinite" restart="never" nodeType="tmRoot"/>
+      </p:par>
+    </p:tnLst>
+  </p:timing>
 </p:sld>
 </file>
 
 <file path=ppt/theme/theme1.xml><?xml version="1.0" encoding="utf-8"?>
-<a:theme xmlns:a="http://schemas.openxmlformats.org/drawingml/2006/main" name=" 黑色 ">
+<a:theme xmlns:a="http://schemas.openxmlformats.org/drawingml/2006/main" name="Office 佈景主題">
   <a:themeElements>
     <a:clrScheme name="Office">
       <a:dk1>
@@ -4684,20 +7386,16 @@
           <a:gsLst>
             <a:gs pos="0">
               <a:schemeClr val="phClr">
-                <a:shade val="51000"/>
-                <a:satMod val="130000"/>
-              </a:schemeClr>
-            </a:gs>
-            <a:gs pos="80000">
-              <a:schemeClr val="phClr">
-                <a:shade val="93000"/>
+                <a:tint val="100000"/>
+                <a:shade val="100000"/>
                 <a:satMod val="130000"/>
               </a:schemeClr>
             </a:gs>
             <a:gs pos="100000">
               <a:schemeClr val="phClr">
-                <a:shade val="94000"/>
-                <a:satMod val="135000"/>
+                <a:tint val="50000"/>
+                <a:shade val="100000"/>
+                <a:satMod val="350000"/>
               </a:schemeClr>
             </a:gs>
           </a:gsLst>
@@ -4819,7 +7517,46 @@
       </a:bgFillStyleLst>
     </a:fmtScheme>
   </a:themeElements>
-  <a:objectDefaults/>
+  <a:objectDefaults>
+    <a:spDef>
+      <a:spPr/>
+      <a:bodyPr/>
+      <a:lstStyle/>
+      <a:style>
+        <a:lnRef idx="1">
+          <a:schemeClr val="accent1"/>
+        </a:lnRef>
+        <a:fillRef idx="3">
+          <a:schemeClr val="accent1"/>
+        </a:fillRef>
+        <a:effectRef idx="2">
+          <a:schemeClr val="accent1"/>
+        </a:effectRef>
+        <a:fontRef idx="minor">
+          <a:schemeClr val="lt1"/>
+        </a:fontRef>
+      </a:style>
+    </a:spDef>
+    <a:lnDef>
+      <a:spPr/>
+      <a:bodyPr/>
+      <a:lstStyle/>
+      <a:style>
+        <a:lnRef idx="2">
+          <a:schemeClr val="accent1"/>
+        </a:lnRef>
+        <a:fillRef idx="0">
+          <a:schemeClr val="accent1"/>
+        </a:fillRef>
+        <a:effectRef idx="1">
+          <a:schemeClr val="accent1"/>
+        </a:effectRef>
+        <a:fontRef idx="minor">
+          <a:schemeClr val="tx1"/>
+        </a:fontRef>
+      </a:style>
+    </a:lnDef>
+  </a:objectDefaults>
   <a:extraClrSchemeLst/>
 </a:theme>
 </file>
--- a/Phase01_Doc/Presentation/Presentation_20151117.pptx
+++ b/Phase01_Doc/Presentation/Presentation_20151117.pptx
@@ -281,11 +281,11 @@
         </c:dLbls>
         <c:marker val="1"/>
         <c:smooth val="0"/>
-        <c:axId val="1853023064"/>
-        <c:axId val="1853014744"/>
+        <c:axId val="2111153144"/>
+        <c:axId val="2111161880"/>
       </c:lineChart>
       <c:catAx>
-        <c:axId val="1853023064"/>
+        <c:axId val="2111153144"/>
         <c:scaling>
           <c:orientation val="minMax"/>
         </c:scaling>
@@ -323,7 +323,7 @@
             <a:endParaRPr lang="zh-TW"/>
           </a:p>
         </c:txPr>
-        <c:crossAx val="1853014744"/>
+        <c:crossAx val="2111161880"/>
         <c:crosses val="autoZero"/>
         <c:auto val="1"/>
         <c:lblAlgn val="ctr"/>
@@ -331,7 +331,7 @@
         <c:noMultiLvlLbl val="0"/>
       </c:catAx>
       <c:valAx>
-        <c:axId val="1853014744"/>
+        <c:axId val="2111161880"/>
         <c:scaling>
           <c:orientation val="minMax"/>
         </c:scaling>
@@ -376,7 +376,7 @@
             <a:endParaRPr lang="zh-TW"/>
           </a:p>
         </c:txPr>
-        <c:crossAx val="1853023064"/>
+        <c:crossAx val="2111153144"/>
         <c:crossesAt val="1.0"/>
         <c:crossBetween val="midCat"/>
       </c:valAx>
@@ -587,11 +587,11 @@
         </c:dLbls>
         <c:marker val="1"/>
         <c:smooth val="0"/>
-        <c:axId val="2109068264"/>
-        <c:axId val="1854451384"/>
+        <c:axId val="2111224552"/>
+        <c:axId val="2111227960"/>
       </c:lineChart>
       <c:catAx>
-        <c:axId val="2109068264"/>
+        <c:axId val="2111224552"/>
         <c:scaling>
           <c:orientation val="minMax"/>
         </c:scaling>
@@ -629,7 +629,7 @@
             <a:endParaRPr lang="zh-TW"/>
           </a:p>
         </c:txPr>
-        <c:crossAx val="1854451384"/>
+        <c:crossAx val="2111227960"/>
         <c:crosses val="autoZero"/>
         <c:auto val="1"/>
         <c:lblAlgn val="ctr"/>
@@ -637,7 +637,7 @@
         <c:noMultiLvlLbl val="0"/>
       </c:catAx>
       <c:valAx>
-        <c:axId val="1854451384"/>
+        <c:axId val="2111227960"/>
         <c:scaling>
           <c:orientation val="minMax"/>
         </c:scaling>
@@ -682,7 +682,7 @@
             <a:endParaRPr lang="zh-TW"/>
           </a:p>
         </c:txPr>
-        <c:crossAx val="2109068264"/>
+        <c:crossAx val="2111224552"/>
         <c:crossesAt val="1.0"/>
         <c:crossBetween val="midCat"/>
       </c:valAx>
@@ -893,11 +893,11 @@
         </c:dLbls>
         <c:marker val="1"/>
         <c:smooth val="0"/>
-        <c:axId val="1855496520"/>
-        <c:axId val="1855692056"/>
+        <c:axId val="2111259768"/>
+        <c:axId val="2111263176"/>
       </c:lineChart>
       <c:catAx>
-        <c:axId val="1855496520"/>
+        <c:axId val="2111259768"/>
         <c:scaling>
           <c:orientation val="minMax"/>
         </c:scaling>
@@ -935,7 +935,7 @@
             <a:endParaRPr lang="zh-TW"/>
           </a:p>
         </c:txPr>
-        <c:crossAx val="1855692056"/>
+        <c:crossAx val="2111263176"/>
         <c:crosses val="autoZero"/>
         <c:auto val="1"/>
         <c:lblAlgn val="ctr"/>
@@ -943,7 +943,7 @@
         <c:noMultiLvlLbl val="0"/>
       </c:catAx>
       <c:valAx>
-        <c:axId val="1855692056"/>
+        <c:axId val="2111263176"/>
         <c:scaling>
           <c:orientation val="minMax"/>
         </c:scaling>
@@ -988,7 +988,7 @@
             <a:endParaRPr lang="zh-TW"/>
           </a:p>
         </c:txPr>
-        <c:crossAx val="1855496520"/>
+        <c:crossAx val="2111259768"/>
         <c:crossesAt val="1.0"/>
         <c:crossBetween val="midCat"/>
       </c:valAx>
@@ -1249,11 +1249,11 @@
         </c:dLbls>
         <c:gapWidth val="219"/>
         <c:overlap val="-27"/>
-        <c:axId val="1856347112"/>
-        <c:axId val="1856350168"/>
+        <c:axId val="2111304904"/>
+        <c:axId val="2111307960"/>
       </c:barChart>
       <c:catAx>
-        <c:axId val="1856347112"/>
+        <c:axId val="2111304904"/>
         <c:scaling>
           <c:orientation val="minMax"/>
         </c:scaling>
@@ -1262,7 +1262,7 @@
         <c:majorTickMark val="out"/>
         <c:minorTickMark val="none"/>
         <c:tickLblPos val="nextTo"/>
-        <c:crossAx val="1856350168"/>
+        <c:crossAx val="2111307960"/>
         <c:crosses val="autoZero"/>
         <c:auto val="1"/>
         <c:lblAlgn val="ctr"/>
@@ -1270,7 +1270,7 @@
         <c:noMultiLvlLbl val="0"/>
       </c:catAx>
       <c:valAx>
-        <c:axId val="1856350168"/>
+        <c:axId val="2111307960"/>
         <c:scaling>
           <c:orientation val="minMax"/>
         </c:scaling>
@@ -1347,7 +1347,7 @@
             <a:endParaRPr lang="zh-TW"/>
           </a:p>
         </c:txPr>
-        <c:crossAx val="1856347112"/>
+        <c:crossAx val="2111304904"/>
         <c:crosses val="autoZero"/>
         <c:crossBetween val="between"/>
       </c:valAx>
@@ -4652,6 +4652,18 @@
   <p:clrMapOvr>
     <a:masterClrMapping/>
   </p:clrMapOvr>
+  <mc:AlternateContent xmlns:mc="http://schemas.openxmlformats.org/markup-compatibility/2006">
+    <mc:Choice xmlns:p14="http://schemas.microsoft.com/office/powerpoint/2010/main" Requires="p14">
+      <p:transition spd="med" p14:dur="700">
+        <p:fade/>
+      </p:transition>
+    </mc:Choice>
+    <mc:Fallback>
+      <p:transition xmlns:p14="http://schemas.microsoft.com/office/powerpoint/2010/main" spd="med">
+        <p:fade/>
+      </p:transition>
+    </mc:Fallback>
+  </mc:AlternateContent>
   <p:timing>
     <p:tnLst>
       <p:par>
@@ -4924,6 +4936,18 @@
   <p:clrMapOvr>
     <a:masterClrMapping/>
   </p:clrMapOvr>
+  <mc:AlternateContent xmlns:mc="http://schemas.openxmlformats.org/markup-compatibility/2006">
+    <mc:Choice xmlns:p14="http://schemas.microsoft.com/office/powerpoint/2010/main" Requires="p14">
+      <p:transition spd="med" p14:dur="700">
+        <p:fade/>
+      </p:transition>
+    </mc:Choice>
+    <mc:Fallback>
+      <p:transition xmlns:p14="http://schemas.microsoft.com/office/powerpoint/2010/main" spd="med">
+        <p:fade/>
+      </p:transition>
+    </mc:Fallback>
+  </mc:AlternateContent>
   <p:timing>
     <p:tnLst>
       <p:par>
@@ -5196,6 +5220,18 @@
   <p:clrMapOvr>
     <a:masterClrMapping/>
   </p:clrMapOvr>
+  <mc:AlternateContent xmlns:mc="http://schemas.openxmlformats.org/markup-compatibility/2006">
+    <mc:Choice xmlns:p14="http://schemas.microsoft.com/office/powerpoint/2010/main" Requires="p14">
+      <p:transition spd="med" p14:dur="700">
+        <p:fade/>
+      </p:transition>
+    </mc:Choice>
+    <mc:Fallback>
+      <p:transition xmlns:p14="http://schemas.microsoft.com/office/powerpoint/2010/main" spd="med">
+        <p:fade/>
+      </p:transition>
+    </mc:Fallback>
+  </mc:AlternateContent>
   <p:timing>
     <p:tnLst>
       <p:par>
@@ -5468,6 +5504,18 @@
   <p:clrMapOvr>
     <a:masterClrMapping/>
   </p:clrMapOvr>
+  <mc:AlternateContent xmlns:mc="http://schemas.openxmlformats.org/markup-compatibility/2006">
+    <mc:Choice xmlns:p14="http://schemas.microsoft.com/office/powerpoint/2010/main" Requires="p14">
+      <p:transition spd="med" p14:dur="700">
+        <p:fade/>
+      </p:transition>
+    </mc:Choice>
+    <mc:Fallback>
+      <p:transition xmlns:p14="http://schemas.microsoft.com/office/powerpoint/2010/main" spd="med">
+        <p:fade/>
+      </p:transition>
+    </mc:Fallback>
+  </mc:AlternateContent>
   <p:timing>
     <p:tnLst>
       <p:par>
@@ -6320,6 +6368,18 @@
   <p:clrMapOvr>
     <a:masterClrMapping/>
   </p:clrMapOvr>
+  <mc:AlternateContent xmlns:mc="http://schemas.openxmlformats.org/markup-compatibility/2006">
+    <mc:Choice xmlns:p14="http://schemas.microsoft.com/office/powerpoint/2010/main" Requires="p14">
+      <p:transition spd="med" p14:dur="700">
+        <p:fade/>
+      </p:transition>
+    </mc:Choice>
+    <mc:Fallback>
+      <p:transition xmlns:p14="http://schemas.microsoft.com/office/powerpoint/2010/main" spd="med">
+        <p:fade/>
+      </p:transition>
+    </mc:Fallback>
+  </mc:AlternateContent>
   <p:timing>
     <p:tnLst>
       <p:par>
@@ -6563,6 +6623,18 @@
   <p:clrMapOvr>
     <a:masterClrMapping/>
   </p:clrMapOvr>
+  <mc:AlternateContent xmlns:mc="http://schemas.openxmlformats.org/markup-compatibility/2006">
+    <mc:Choice xmlns:p14="http://schemas.microsoft.com/office/powerpoint/2010/main" Requires="p14">
+      <p:transition spd="med" p14:dur="700">
+        <p:fade/>
+      </p:transition>
+    </mc:Choice>
+    <mc:Fallback>
+      <p:transition xmlns:p14="http://schemas.microsoft.com/office/powerpoint/2010/main" spd="med">
+        <p:fade/>
+      </p:transition>
+    </mc:Fallback>
+  </mc:AlternateContent>
   <p:timing>
     <p:tnLst>
       <p:par>
@@ -6835,6 +6907,18 @@
   <p:clrMapOvr>
     <a:masterClrMapping/>
   </p:clrMapOvr>
+  <mc:AlternateContent xmlns:mc="http://schemas.openxmlformats.org/markup-compatibility/2006">
+    <mc:Choice xmlns:p14="http://schemas.microsoft.com/office/powerpoint/2010/main" Requires="p14">
+      <p:transition spd="med" p14:dur="700">
+        <p:fade/>
+      </p:transition>
+    </mc:Choice>
+    <mc:Fallback>
+      <p:transition xmlns:p14="http://schemas.microsoft.com/office/powerpoint/2010/main" spd="med">
+        <p:fade/>
+      </p:transition>
+    </mc:Fallback>
+  </mc:AlternateContent>
   <p:timing>
     <p:tnLst>
       <p:par>
@@ -6991,6 +7075,25 @@
   <p:clrMapOvr>
     <a:masterClrMapping/>
   </p:clrMapOvr>
+  <mc:AlternateContent xmlns:mc="http://schemas.openxmlformats.org/markup-compatibility/2006">
+    <mc:Choice xmlns:p14="http://schemas.microsoft.com/office/powerpoint/2010/main" Requires="p14">
+      <p:transition spd="med" p14:dur="700">
+        <p:fade/>
+      </p:transition>
+    </mc:Choice>
+    <mc:Fallback>
+      <p:transition xmlns:p14="http://schemas.microsoft.com/office/powerpoint/2010/main" spd="med">
+        <p:fade/>
+      </p:transition>
+    </mc:Fallback>
+  </mc:AlternateContent>
+  <p:timing>
+    <p:tnLst>
+      <p:par>
+        <p:cTn xmlns:p14="http://schemas.microsoft.com/office/powerpoint/2010/main" id="1" dur="indefinite" restart="never" nodeType="tmRoot"/>
+      </p:par>
+    </p:tnLst>
+  </p:timing>
 </p:sld>
 </file>
 
@@ -7231,6 +7334,18 @@
   <p:clrMapOvr>
     <a:masterClrMapping/>
   </p:clrMapOvr>
+  <mc:AlternateContent xmlns:mc="http://schemas.openxmlformats.org/markup-compatibility/2006">
+    <mc:Choice xmlns:p14="http://schemas.microsoft.com/office/powerpoint/2010/main" Requires="p14">
+      <p:transition spd="med" p14:dur="700">
+        <p:fade/>
+      </p:transition>
+    </mc:Choice>
+    <mc:Fallback>
+      <p:transition xmlns:p14="http://schemas.microsoft.com/office/powerpoint/2010/main" spd="med">
+        <p:fade/>
+      </p:transition>
+    </mc:Fallback>
+  </mc:AlternateContent>
   <p:timing>
     <p:tnLst>
       <p:par>

--- a/Phase01_Doc/Presentation/Presentation_20151117.pptx
+++ b/Phase01_Doc/Presentation/Presentation_20151117.pptx
@@ -6,9 +6,9 @@
   </p:sldMasterIdLst>
   <p:sldIdLst>
     <p:sldId id="256" r:id="rId2"/>
-    <p:sldId id="262" r:id="rId3"/>
-    <p:sldId id="258" r:id="rId4"/>
-    <p:sldId id="259" r:id="rId5"/>
+    <p:sldId id="258" r:id="rId3"/>
+    <p:sldId id="259" r:id="rId4"/>
+    <p:sldId id="266" r:id="rId5"/>
     <p:sldId id="257" r:id="rId6"/>
     <p:sldId id="263" r:id="rId7"/>
     <p:sldId id="260" r:id="rId8"/>
@@ -281,11 +281,11 @@
         </c:dLbls>
         <c:marker val="1"/>
         <c:smooth val="0"/>
-        <c:axId val="2111153144"/>
-        <c:axId val="2111161880"/>
+        <c:axId val="2118399608"/>
+        <c:axId val="2118403080"/>
       </c:lineChart>
       <c:catAx>
-        <c:axId val="2111153144"/>
+        <c:axId val="2118399608"/>
         <c:scaling>
           <c:orientation val="minMax"/>
         </c:scaling>
@@ -323,7 +323,7 @@
             <a:endParaRPr lang="zh-TW"/>
           </a:p>
         </c:txPr>
-        <c:crossAx val="2111161880"/>
+        <c:crossAx val="2118403080"/>
         <c:crosses val="autoZero"/>
         <c:auto val="1"/>
         <c:lblAlgn val="ctr"/>
@@ -331,7 +331,7 @@
         <c:noMultiLvlLbl val="0"/>
       </c:catAx>
       <c:valAx>
-        <c:axId val="2111161880"/>
+        <c:axId val="2118403080"/>
         <c:scaling>
           <c:orientation val="minMax"/>
         </c:scaling>
@@ -376,7 +376,7 @@
             <a:endParaRPr lang="zh-TW"/>
           </a:p>
         </c:txPr>
-        <c:crossAx val="2111153144"/>
+        <c:crossAx val="2118399608"/>
         <c:crossesAt val="1.0"/>
         <c:crossBetween val="midCat"/>
       </c:valAx>
@@ -587,11 +587,11 @@
         </c:dLbls>
         <c:marker val="1"/>
         <c:smooth val="0"/>
-        <c:axId val="2111224552"/>
-        <c:axId val="2111227960"/>
+        <c:axId val="2110221496"/>
+        <c:axId val="2110224920"/>
       </c:lineChart>
       <c:catAx>
-        <c:axId val="2111224552"/>
+        <c:axId val="2110221496"/>
         <c:scaling>
           <c:orientation val="minMax"/>
         </c:scaling>
@@ -629,7 +629,7 @@
             <a:endParaRPr lang="zh-TW"/>
           </a:p>
         </c:txPr>
-        <c:crossAx val="2111227960"/>
+        <c:crossAx val="2110224920"/>
         <c:crosses val="autoZero"/>
         <c:auto val="1"/>
         <c:lblAlgn val="ctr"/>
@@ -637,7 +637,7 @@
         <c:noMultiLvlLbl val="0"/>
       </c:catAx>
       <c:valAx>
-        <c:axId val="2111227960"/>
+        <c:axId val="2110224920"/>
         <c:scaling>
           <c:orientation val="minMax"/>
         </c:scaling>
@@ -682,7 +682,7 @@
             <a:endParaRPr lang="zh-TW"/>
           </a:p>
         </c:txPr>
-        <c:crossAx val="2111224552"/>
+        <c:crossAx val="2110221496"/>
         <c:crossesAt val="1.0"/>
         <c:crossBetween val="midCat"/>
       </c:valAx>
@@ -893,11 +893,11 @@
         </c:dLbls>
         <c:marker val="1"/>
         <c:smooth val="0"/>
-        <c:axId val="2111259768"/>
-        <c:axId val="2111263176"/>
+        <c:axId val="2113992504"/>
+        <c:axId val="2116583480"/>
       </c:lineChart>
       <c:catAx>
-        <c:axId val="2111259768"/>
+        <c:axId val="2113992504"/>
         <c:scaling>
           <c:orientation val="minMax"/>
         </c:scaling>
@@ -935,7 +935,7 @@
             <a:endParaRPr lang="zh-TW"/>
           </a:p>
         </c:txPr>
-        <c:crossAx val="2111263176"/>
+        <c:crossAx val="2116583480"/>
         <c:crosses val="autoZero"/>
         <c:auto val="1"/>
         <c:lblAlgn val="ctr"/>
@@ -943,7 +943,7 @@
         <c:noMultiLvlLbl val="0"/>
       </c:catAx>
       <c:valAx>
-        <c:axId val="2111263176"/>
+        <c:axId val="2116583480"/>
         <c:scaling>
           <c:orientation val="minMax"/>
         </c:scaling>
@@ -988,7 +988,7 @@
             <a:endParaRPr lang="zh-TW"/>
           </a:p>
         </c:txPr>
-        <c:crossAx val="2111259768"/>
+        <c:crossAx val="2113992504"/>
         <c:crossesAt val="1.0"/>
         <c:crossBetween val="midCat"/>
       </c:valAx>
@@ -1249,11 +1249,11 @@
         </c:dLbls>
         <c:gapWidth val="219"/>
         <c:overlap val="-27"/>
-        <c:axId val="2111304904"/>
-        <c:axId val="2111307960"/>
+        <c:axId val="2066591192"/>
+        <c:axId val="2114001848"/>
       </c:barChart>
       <c:catAx>
-        <c:axId val="2111304904"/>
+        <c:axId val="2066591192"/>
         <c:scaling>
           <c:orientation val="minMax"/>
         </c:scaling>
@@ -1262,7 +1262,7 @@
         <c:majorTickMark val="out"/>
         <c:minorTickMark val="none"/>
         <c:tickLblPos val="nextTo"/>
-        <c:crossAx val="2111307960"/>
+        <c:crossAx val="2114001848"/>
         <c:crosses val="autoZero"/>
         <c:auto val="1"/>
         <c:lblAlgn val="ctr"/>
@@ -1270,7 +1270,7 @@
         <c:noMultiLvlLbl val="0"/>
       </c:catAx>
       <c:valAx>
-        <c:axId val="2111307960"/>
+        <c:axId val="2114001848"/>
         <c:scaling>
           <c:orientation val="minMax"/>
         </c:scaling>
@@ -1347,7 +1347,7 @@
             <a:endParaRPr lang="zh-TW"/>
           </a:p>
         </c:txPr>
-        <c:crossAx val="2111304904"/>
+        <c:crossAx val="2066591192"/>
         <c:crosses val="autoZero"/>
         <c:crossBetween val="between"/>
       </c:valAx>
@@ -4652,13 +4652,13 @@
   <p:clrMapOvr>
     <a:masterClrMapping/>
   </p:clrMapOvr>
-  <mc:AlternateContent xmlns:mc="http://schemas.openxmlformats.org/markup-compatibility/2006">
-    <mc:Choice xmlns:p14="http://schemas.microsoft.com/office/powerpoint/2010/main" Requires="p14">
+  <mc:AlternateContent xmlns:mc="http://schemas.openxmlformats.org/markup-compatibility/2006" xmlns:p14="http://schemas.microsoft.com/office/powerpoint/2010/main">
+    <mc:Choice Requires="p14">
       <p:transition spd="med" p14:dur="700">
         <p:fade/>
       </p:transition>
     </mc:Choice>
-    <mc:Fallback>
+    <mc:Fallback xmlns="">
       <p:transition xmlns:p14="http://schemas.microsoft.com/office/powerpoint/2010/main" spd="med">
         <p:fade/>
       </p:transition>
@@ -4711,7 +4711,7 @@
                 <a:latin typeface="PingFang TC Regular"/>
                 <a:cs typeface="PingFang TC Regular"/>
               </a:rPr>
-              <a:t>System Block Diagram</a:t>
+              <a:t>WBS</a:t>
             </a:r>
             <a:endParaRPr kumimoji="1" lang="zh-TW" altLang="en-US" dirty="0">
               <a:latin typeface="PingFang TC Regular"/>
@@ -4722,7 +4722,7 @@
       </p:sp>
       <p:pic>
         <p:nvPicPr>
-          <p:cNvPr id="5" name="圖片 4" descr="螢幕快照 2015-11-17 01.15.20.png"/>
+          <p:cNvPr id="6" name="圖片 5" descr="螢幕快照 2015-11-17 00.23.19.png"/>
           <p:cNvPicPr>
             <a:picLocks noChangeAspect="1"/>
           </p:cNvPicPr>
@@ -4742,8 +4742,8 @@
         </p:blipFill>
         <p:spPr>
           <a:xfrm>
-            <a:off x="1784195" y="1290019"/>
-            <a:ext cx="5413067" cy="5356326"/>
+            <a:off x="1522855" y="1205983"/>
+            <a:ext cx="6081481" cy="5440361"/>
           </a:xfrm>
           <a:prstGeom prst="rect">
             <a:avLst/>
@@ -4929,20 +4929,20 @@
     </p:spTree>
     <p:extLst>
       <p:ext uri="{BB962C8B-B14F-4D97-AF65-F5344CB8AC3E}">
-        <p14:creationId xmlns:p14="http://schemas.microsoft.com/office/powerpoint/2010/main" val="571387818"/>
+        <p14:creationId xmlns:p14="http://schemas.microsoft.com/office/powerpoint/2010/main" val="2553982274"/>
       </p:ext>
     </p:extLst>
   </p:cSld>
   <p:clrMapOvr>
     <a:masterClrMapping/>
   </p:clrMapOvr>
-  <mc:AlternateContent xmlns:mc="http://schemas.openxmlformats.org/markup-compatibility/2006">
-    <mc:Choice xmlns:p14="http://schemas.microsoft.com/office/powerpoint/2010/main" Requires="p14">
+  <mc:AlternateContent xmlns:mc="http://schemas.openxmlformats.org/markup-compatibility/2006" xmlns:p14="http://schemas.microsoft.com/office/powerpoint/2010/main">
+    <mc:Choice Requires="p14">
       <p:transition spd="med" p14:dur="700">
         <p:fade/>
       </p:transition>
     </mc:Choice>
-    <mc:Fallback>
+    <mc:Fallback xmlns="">
       <p:transition xmlns:p14="http://schemas.microsoft.com/office/powerpoint/2010/main" spd="med">
         <p:fade/>
       </p:transition>
@@ -4995,7 +4995,7 @@
                 <a:latin typeface="PingFang TC Regular"/>
                 <a:cs typeface="PingFang TC Regular"/>
               </a:rPr>
-              <a:t>WBS</a:t>
+              <a:t>Task Assignments</a:t>
             </a:r>
             <a:endParaRPr kumimoji="1" lang="zh-TW" altLang="en-US" dirty="0">
               <a:latin typeface="PingFang TC Regular"/>
@@ -5006,7 +5006,7 @@
       </p:sp>
       <p:pic>
         <p:nvPicPr>
-          <p:cNvPr id="6" name="圖片 5" descr="螢幕快照 2015-11-17 00.23.19.png"/>
+          <p:cNvPr id="4" name="圖片 3" descr="螢幕快照 2015-11-17 00.26.58.png"/>
           <p:cNvPicPr>
             <a:picLocks noChangeAspect="1"/>
           </p:cNvPicPr>
@@ -5026,8 +5026,8 @@
         </p:blipFill>
         <p:spPr>
           <a:xfrm>
-            <a:off x="1522855" y="1205983"/>
-            <a:ext cx="6081481" cy="5440361"/>
+            <a:off x="2736137" y="1417638"/>
+            <a:ext cx="3654480" cy="5215784"/>
           </a:xfrm>
           <a:prstGeom prst="rect">
             <a:avLst/>
@@ -5036,7 +5036,7 @@
       </p:pic>
       <p:sp>
         <p:nvSpPr>
-          <p:cNvPr id="4" name="子標題 2"/>
+          <p:cNvPr id="5" name="子標題 2"/>
           <p:cNvSpPr txBox="1">
             <a:spLocks/>
           </p:cNvSpPr>
@@ -5213,20 +5213,20 @@
     </p:spTree>
     <p:extLst>
       <p:ext uri="{BB962C8B-B14F-4D97-AF65-F5344CB8AC3E}">
-        <p14:creationId xmlns:p14="http://schemas.microsoft.com/office/powerpoint/2010/main" val="2553982274"/>
+        <p14:creationId xmlns:p14="http://schemas.microsoft.com/office/powerpoint/2010/main" val="3412706670"/>
       </p:ext>
     </p:extLst>
   </p:cSld>
   <p:clrMapOvr>
     <a:masterClrMapping/>
   </p:clrMapOvr>
-  <mc:AlternateContent xmlns:mc="http://schemas.openxmlformats.org/markup-compatibility/2006">
-    <mc:Choice xmlns:p14="http://schemas.microsoft.com/office/powerpoint/2010/main" Requires="p14">
+  <mc:AlternateContent xmlns:mc="http://schemas.openxmlformats.org/markup-compatibility/2006" xmlns:p14="http://schemas.microsoft.com/office/powerpoint/2010/main">
+    <mc:Choice Requires="p14">
       <p:transition spd="med" p14:dur="700">
         <p:fade/>
       </p:transition>
     </mc:Choice>
-    <mc:Fallback>
+    <mc:Fallback xmlns="">
       <p:transition xmlns:p14="http://schemas.microsoft.com/office/powerpoint/2010/main" spd="med">
         <p:fade/>
       </p:transition>
@@ -5275,11 +5275,11 @@
           <a:lstStyle/>
           <a:p>
             <a:r>
-              <a:rPr kumimoji="1" lang="en-US" altLang="zh-TW" dirty="0">
+              <a:rPr kumimoji="1" lang="en-US" altLang="zh-TW" dirty="0" smtClean="0">
                 <a:latin typeface="PingFang TC Regular"/>
                 <a:cs typeface="PingFang TC Regular"/>
               </a:rPr>
-              <a:t>Task Assignments</a:t>
+              <a:t>System Block Diagram</a:t>
             </a:r>
             <a:endParaRPr kumimoji="1" lang="zh-TW" altLang="en-US" dirty="0">
               <a:latin typeface="PingFang TC Regular"/>
@@ -5288,39 +5288,9 @@
           </a:p>
         </p:txBody>
       </p:sp>
-      <p:pic>
-        <p:nvPicPr>
-          <p:cNvPr id="4" name="圖片 3" descr="螢幕快照 2015-11-17 00.26.58.png"/>
-          <p:cNvPicPr>
-            <a:picLocks noChangeAspect="1"/>
-          </p:cNvPicPr>
-          <p:nvPr/>
-        </p:nvPicPr>
-        <p:blipFill>
-          <a:blip r:embed="rId2">
-            <a:extLst>
-              <a:ext uri="{28A0092B-C50C-407E-A947-70E740481C1C}">
-                <a14:useLocalDpi xmlns:a14="http://schemas.microsoft.com/office/drawing/2010/main" val="0"/>
-              </a:ext>
-            </a:extLst>
-          </a:blip>
-          <a:stretch>
-            <a:fillRect/>
-          </a:stretch>
-        </p:blipFill>
-        <p:spPr>
-          <a:xfrm>
-            <a:off x="2736137" y="1417638"/>
-            <a:ext cx="3654480" cy="5215784"/>
-          </a:xfrm>
-          <a:prstGeom prst="rect">
-            <a:avLst/>
-          </a:prstGeom>
-        </p:spPr>
-      </p:pic>
-      <p:sp>
-        <p:nvSpPr>
-          <p:cNvPr id="5" name="子標題 2"/>
+      <p:sp>
+        <p:nvSpPr>
+          <p:cNvPr id="4" name="子標題 2"/>
           <p:cNvSpPr txBox="1">
             <a:spLocks/>
           </p:cNvSpPr>
@@ -5494,23 +5464,47 @@
           </a:p>
         </p:txBody>
       </p:sp>
+      <p:pic>
+        <p:nvPicPr>
+          <p:cNvPr id="3" name="圖片 2"/>
+          <p:cNvPicPr>
+            <a:picLocks noChangeAspect="1"/>
+          </p:cNvPicPr>
+          <p:nvPr/>
+        </p:nvPicPr>
+        <p:blipFill>
+          <a:blip r:embed="rId2"/>
+          <a:stretch>
+            <a:fillRect/>
+          </a:stretch>
+        </p:blipFill>
+        <p:spPr>
+          <a:xfrm>
+            <a:off x="1549400" y="1417638"/>
+            <a:ext cx="6045200" cy="4965700"/>
+          </a:xfrm>
+          <a:prstGeom prst="rect">
+            <a:avLst/>
+          </a:prstGeom>
+        </p:spPr>
+      </p:pic>
     </p:spTree>
     <p:extLst>
       <p:ext uri="{BB962C8B-B14F-4D97-AF65-F5344CB8AC3E}">
-        <p14:creationId xmlns:p14="http://schemas.microsoft.com/office/powerpoint/2010/main" val="3412706670"/>
+        <p14:creationId xmlns:p14="http://schemas.microsoft.com/office/powerpoint/2010/main" val="46793965"/>
       </p:ext>
     </p:extLst>
   </p:cSld>
   <p:clrMapOvr>
     <a:masterClrMapping/>
   </p:clrMapOvr>
-  <mc:AlternateContent xmlns:mc="http://schemas.openxmlformats.org/markup-compatibility/2006">
-    <mc:Choice xmlns:p14="http://schemas.microsoft.com/office/powerpoint/2010/main" Requires="p14">
+  <mc:AlternateContent xmlns:mc="http://schemas.openxmlformats.org/markup-compatibility/2006" xmlns:p14="http://schemas.microsoft.com/office/powerpoint/2010/main">
+    <mc:Choice Requires="p14">
       <p:transition spd="med" p14:dur="700">
         <p:fade/>
       </p:transition>
     </mc:Choice>
-    <mc:Fallback>
+    <mc:Fallback xmlns="">
       <p:transition xmlns:p14="http://schemas.microsoft.com/office/powerpoint/2010/main" spd="med">
         <p:fade/>
       </p:transition>
@@ -6368,13 +6362,13 @@
   <p:clrMapOvr>
     <a:masterClrMapping/>
   </p:clrMapOvr>
-  <mc:AlternateContent xmlns:mc="http://schemas.openxmlformats.org/markup-compatibility/2006">
-    <mc:Choice xmlns:p14="http://schemas.microsoft.com/office/powerpoint/2010/main" Requires="p14">
+  <mc:AlternateContent xmlns:mc="http://schemas.openxmlformats.org/markup-compatibility/2006" xmlns:p14="http://schemas.microsoft.com/office/powerpoint/2010/main">
+    <mc:Choice Requires="p14">
       <p:transition spd="med" p14:dur="700">
         <p:fade/>
       </p:transition>
     </mc:Choice>
-    <mc:Fallback>
+    <mc:Fallback xmlns="">
       <p:transition xmlns:p14="http://schemas.microsoft.com/office/powerpoint/2010/main" spd="med">
         <p:fade/>
       </p:transition>
@@ -6623,13 +6617,13 @@
   <p:clrMapOvr>
     <a:masterClrMapping/>
   </p:clrMapOvr>
-  <mc:AlternateContent xmlns:mc="http://schemas.openxmlformats.org/markup-compatibility/2006">
-    <mc:Choice xmlns:p14="http://schemas.microsoft.com/office/powerpoint/2010/main" Requires="p14">
+  <mc:AlternateContent xmlns:mc="http://schemas.openxmlformats.org/markup-compatibility/2006" xmlns:p14="http://schemas.microsoft.com/office/powerpoint/2010/main">
+    <mc:Choice Requires="p14">
       <p:transition spd="med" p14:dur="700">
         <p:fade/>
       </p:transition>
     </mc:Choice>
-    <mc:Fallback>
+    <mc:Fallback xmlns="">
       <p:transition xmlns:p14="http://schemas.microsoft.com/office/powerpoint/2010/main" spd="med">
         <p:fade/>
       </p:transition>
@@ -6907,13 +6901,13 @@
   <p:clrMapOvr>
     <a:masterClrMapping/>
   </p:clrMapOvr>
-  <mc:AlternateContent xmlns:mc="http://schemas.openxmlformats.org/markup-compatibility/2006">
-    <mc:Choice xmlns:p14="http://schemas.microsoft.com/office/powerpoint/2010/main" Requires="p14">
+  <mc:AlternateContent xmlns:mc="http://schemas.openxmlformats.org/markup-compatibility/2006" xmlns:p14="http://schemas.microsoft.com/office/powerpoint/2010/main">
+    <mc:Choice Requires="p14">
       <p:transition spd="med" p14:dur="700">
         <p:fade/>
       </p:transition>
     </mc:Choice>
-    <mc:Fallback>
+    <mc:Fallback xmlns="">
       <p:transition xmlns:p14="http://schemas.microsoft.com/office/powerpoint/2010/main" spd="med">
         <p:fade/>
       </p:transition>
@@ -7075,13 +7069,13 @@
   <p:clrMapOvr>
     <a:masterClrMapping/>
   </p:clrMapOvr>
-  <mc:AlternateContent xmlns:mc="http://schemas.openxmlformats.org/markup-compatibility/2006">
-    <mc:Choice xmlns:p14="http://schemas.microsoft.com/office/powerpoint/2010/main" Requires="p14">
+  <mc:AlternateContent xmlns:mc="http://schemas.openxmlformats.org/markup-compatibility/2006" xmlns:p14="http://schemas.microsoft.com/office/powerpoint/2010/main">
+    <mc:Choice Requires="p14">
       <p:transition spd="med" p14:dur="700">
         <p:fade/>
       </p:transition>
     </mc:Choice>
-    <mc:Fallback>
+    <mc:Fallback xmlns="">
       <p:transition xmlns:p14="http://schemas.microsoft.com/office/powerpoint/2010/main" spd="med">
         <p:fade/>
       </p:transition>
@@ -7334,13 +7328,13 @@
   <p:clrMapOvr>
     <a:masterClrMapping/>
   </p:clrMapOvr>
-  <mc:AlternateContent xmlns:mc="http://schemas.openxmlformats.org/markup-compatibility/2006">
-    <mc:Choice xmlns:p14="http://schemas.microsoft.com/office/powerpoint/2010/main" Requires="p14">
+  <mc:AlternateContent xmlns:mc="http://schemas.openxmlformats.org/markup-compatibility/2006" xmlns:p14="http://schemas.microsoft.com/office/powerpoint/2010/main">
+    <mc:Choice Requires="p14">
       <p:transition spd="med" p14:dur="700">
         <p:fade/>
       </p:transition>
     </mc:Choice>
-    <mc:Fallback>
+    <mc:Fallback xmlns="">
       <p:transition xmlns:p14="http://schemas.microsoft.com/office/powerpoint/2010/main" spd="med">
         <p:fade/>
       </p:transition>

--- a/Phase01_Doc/Presentation/Presentation_20151117.pptx
+++ b/Phase01_Doc/Presentation/Presentation_20151117.pptx
@@ -281,11 +281,11 @@
         </c:dLbls>
         <c:marker val="1"/>
         <c:smooth val="0"/>
-        <c:axId val="2118399608"/>
-        <c:axId val="2118403080"/>
+        <c:axId val="2093851784"/>
+        <c:axId val="2093855256"/>
       </c:lineChart>
       <c:catAx>
-        <c:axId val="2118399608"/>
+        <c:axId val="2093851784"/>
         <c:scaling>
           <c:orientation val="minMax"/>
         </c:scaling>
@@ -323,7 +323,7 @@
             <a:endParaRPr lang="zh-TW"/>
           </a:p>
         </c:txPr>
-        <c:crossAx val="2118403080"/>
+        <c:crossAx val="2093855256"/>
         <c:crosses val="autoZero"/>
         <c:auto val="1"/>
         <c:lblAlgn val="ctr"/>
@@ -331,7 +331,7 @@
         <c:noMultiLvlLbl val="0"/>
       </c:catAx>
       <c:valAx>
-        <c:axId val="2118403080"/>
+        <c:axId val="2093855256"/>
         <c:scaling>
           <c:orientation val="minMax"/>
         </c:scaling>
@@ -376,7 +376,7 @@
             <a:endParaRPr lang="zh-TW"/>
           </a:p>
         </c:txPr>
-        <c:crossAx val="2118399608"/>
+        <c:crossAx val="2093851784"/>
         <c:crossesAt val="1.0"/>
         <c:crossBetween val="midCat"/>
       </c:valAx>
@@ -587,11 +587,11 @@
         </c:dLbls>
         <c:marker val="1"/>
         <c:smooth val="0"/>
-        <c:axId val="2110221496"/>
-        <c:axId val="2110224920"/>
+        <c:axId val="2093920520"/>
+        <c:axId val="2093923992"/>
       </c:lineChart>
       <c:catAx>
-        <c:axId val="2110221496"/>
+        <c:axId val="2093920520"/>
         <c:scaling>
           <c:orientation val="minMax"/>
         </c:scaling>
@@ -629,7 +629,7 @@
             <a:endParaRPr lang="zh-TW"/>
           </a:p>
         </c:txPr>
-        <c:crossAx val="2110224920"/>
+        <c:crossAx val="2093923992"/>
         <c:crosses val="autoZero"/>
         <c:auto val="1"/>
         <c:lblAlgn val="ctr"/>
@@ -637,7 +637,7 @@
         <c:noMultiLvlLbl val="0"/>
       </c:catAx>
       <c:valAx>
-        <c:axId val="2110224920"/>
+        <c:axId val="2093923992"/>
         <c:scaling>
           <c:orientation val="minMax"/>
         </c:scaling>
@@ -682,7 +682,7 @@
             <a:endParaRPr lang="zh-TW"/>
           </a:p>
         </c:txPr>
-        <c:crossAx val="2110221496"/>
+        <c:crossAx val="2093920520"/>
         <c:crossesAt val="1.0"/>
         <c:crossBetween val="midCat"/>
       </c:valAx>
@@ -893,11 +893,11 @@
         </c:dLbls>
         <c:marker val="1"/>
         <c:smooth val="0"/>
-        <c:axId val="2113992504"/>
-        <c:axId val="2116583480"/>
+        <c:axId val="2093955736"/>
+        <c:axId val="2093959208"/>
       </c:lineChart>
       <c:catAx>
-        <c:axId val="2113992504"/>
+        <c:axId val="2093955736"/>
         <c:scaling>
           <c:orientation val="minMax"/>
         </c:scaling>
@@ -935,7 +935,7 @@
             <a:endParaRPr lang="zh-TW"/>
           </a:p>
         </c:txPr>
-        <c:crossAx val="2116583480"/>
+        <c:crossAx val="2093959208"/>
         <c:crosses val="autoZero"/>
         <c:auto val="1"/>
         <c:lblAlgn val="ctr"/>
@@ -943,7 +943,7 @@
         <c:noMultiLvlLbl val="0"/>
       </c:catAx>
       <c:valAx>
-        <c:axId val="2116583480"/>
+        <c:axId val="2093959208"/>
         <c:scaling>
           <c:orientation val="minMax"/>
         </c:scaling>
@@ -988,7 +988,7 @@
             <a:endParaRPr lang="zh-TW"/>
           </a:p>
         </c:txPr>
-        <c:crossAx val="2113992504"/>
+        <c:crossAx val="2093955736"/>
         <c:crossesAt val="1.0"/>
         <c:crossBetween val="midCat"/>
       </c:valAx>
@@ -1249,11 +1249,11 @@
         </c:dLbls>
         <c:gapWidth val="219"/>
         <c:overlap val="-27"/>
-        <c:axId val="2066591192"/>
-        <c:axId val="2114001848"/>
+        <c:axId val="2093312600"/>
+        <c:axId val="2093315656"/>
       </c:barChart>
       <c:catAx>
-        <c:axId val="2066591192"/>
+        <c:axId val="2093312600"/>
         <c:scaling>
           <c:orientation val="minMax"/>
         </c:scaling>
@@ -1262,7 +1262,7 @@
         <c:majorTickMark val="out"/>
         <c:minorTickMark val="none"/>
         <c:tickLblPos val="nextTo"/>
-        <c:crossAx val="2114001848"/>
+        <c:crossAx val="2093315656"/>
         <c:crosses val="autoZero"/>
         <c:auto val="1"/>
         <c:lblAlgn val="ctr"/>
@@ -1270,7 +1270,7 @@
         <c:noMultiLvlLbl val="0"/>
       </c:catAx>
       <c:valAx>
-        <c:axId val="2114001848"/>
+        <c:axId val="2093315656"/>
         <c:scaling>
           <c:orientation val="minMax"/>
         </c:scaling>
@@ -1347,7 +1347,7 @@
             <a:endParaRPr lang="zh-TW"/>
           </a:p>
         </c:txPr>
-        <c:crossAx val="2066591192"/>
+        <c:crossAx val="2093312600"/>
         <c:crosses val="autoZero"/>
         <c:crossBetween val="between"/>
       </c:valAx>
@@ -1610,7 +1610,7 @@
           <a:p>
             <a:fld id="{6BFECD78-3C8E-49F2-8FAB-59489D168ABB}" type="datetimeFigureOut">
               <a:rPr lang="en-US" smtClean="0"/>
-              <a:t>15/11/17</a:t>
+              <a:t>15/11/18</a:t>
             </a:fld>
             <a:endParaRPr lang="en-US"/>
           </a:p>
@@ -1780,7 +1780,7 @@
           <a:p>
             <a:fld id="{6BFECD78-3C8E-49F2-8FAB-59489D168ABB}" type="datetimeFigureOut">
               <a:rPr lang="en-US" smtClean="0"/>
-              <a:t>15/11/17</a:t>
+              <a:t>15/11/18</a:t>
             </a:fld>
             <a:endParaRPr lang="en-US"/>
           </a:p>
@@ -1960,7 +1960,7 @@
           <a:p>
             <a:fld id="{6BFECD78-3C8E-49F2-8FAB-59489D168ABB}" type="datetimeFigureOut">
               <a:rPr lang="en-US" smtClean="0"/>
-              <a:t>15/11/17</a:t>
+              <a:t>15/11/18</a:t>
             </a:fld>
             <a:endParaRPr lang="en-US"/>
           </a:p>
@@ -2130,7 +2130,7 @@
           <a:p>
             <a:fld id="{6BFECD78-3C8E-49F2-8FAB-59489D168ABB}" type="datetimeFigureOut">
               <a:rPr lang="en-US" smtClean="0"/>
-              <a:t>15/11/17</a:t>
+              <a:t>15/11/18</a:t>
             </a:fld>
             <a:endParaRPr lang="en-US"/>
           </a:p>
@@ -2376,7 +2376,7 @@
           <a:p>
             <a:fld id="{6BFECD78-3C8E-49F2-8FAB-59489D168ABB}" type="datetimeFigureOut">
               <a:rPr lang="en-US" smtClean="0"/>
-              <a:t>15/11/17</a:t>
+              <a:t>15/11/18</a:t>
             </a:fld>
             <a:endParaRPr lang="en-US"/>
           </a:p>
@@ -2664,7 +2664,7 @@
           <a:p>
             <a:fld id="{6BFECD78-3C8E-49F2-8FAB-59489D168ABB}" type="datetimeFigureOut">
               <a:rPr lang="en-US" smtClean="0"/>
-              <a:t>15/11/17</a:t>
+              <a:t>15/11/18</a:t>
             </a:fld>
             <a:endParaRPr lang="en-US"/>
           </a:p>
@@ -3086,7 +3086,7 @@
           <a:p>
             <a:fld id="{6BFECD78-3C8E-49F2-8FAB-59489D168ABB}" type="datetimeFigureOut">
               <a:rPr lang="en-US" smtClean="0"/>
-              <a:t>15/11/17</a:t>
+              <a:t>15/11/18</a:t>
             </a:fld>
             <a:endParaRPr lang="en-US"/>
           </a:p>
@@ -3204,7 +3204,7 @@
           <a:p>
             <a:fld id="{6BFECD78-3C8E-49F2-8FAB-59489D168ABB}" type="datetimeFigureOut">
               <a:rPr lang="en-US" smtClean="0"/>
-              <a:t>15/11/17</a:t>
+              <a:t>15/11/18</a:t>
             </a:fld>
             <a:endParaRPr lang="en-US"/>
           </a:p>
@@ -3299,7 +3299,7 @@
           <a:p>
             <a:fld id="{6BFECD78-3C8E-49F2-8FAB-59489D168ABB}" type="datetimeFigureOut">
               <a:rPr lang="en-US" smtClean="0"/>
-              <a:t>15/11/17</a:t>
+              <a:t>15/11/18</a:t>
             </a:fld>
             <a:endParaRPr lang="en-US"/>
           </a:p>
@@ -3576,7 +3576,7 @@
           <a:p>
             <a:fld id="{6BFECD78-3C8E-49F2-8FAB-59489D168ABB}" type="datetimeFigureOut">
               <a:rPr lang="en-US" smtClean="0"/>
-              <a:t>15/11/17</a:t>
+              <a:t>15/11/18</a:t>
             </a:fld>
             <a:endParaRPr lang="en-US"/>
           </a:p>
@@ -3829,7 +3829,7 @@
           <a:p>
             <a:fld id="{6BFECD78-3C8E-49F2-8FAB-59489D168ABB}" type="datetimeFigureOut">
               <a:rPr lang="en-US" smtClean="0"/>
-              <a:t>15/11/17</a:t>
+              <a:t>15/11/18</a:t>
             </a:fld>
             <a:endParaRPr lang="en-US"/>
           </a:p>
@@ -4042,7 +4042,7 @@
           <a:p>
             <a:fld id="{6BFECD78-3C8E-49F2-8FAB-59489D168ABB}" type="datetimeFigureOut">
               <a:rPr lang="en-US" smtClean="0"/>
-              <a:t>15/11/17</a:t>
+              <a:t>15/11/18</a:t>
             </a:fld>
             <a:endParaRPr lang="en-US"/>
           </a:p>
@@ -4987,15 +4987,17 @@
         </p:nvSpPr>
         <p:spPr/>
         <p:txBody>
-          <a:bodyPr/>
+          <a:bodyPr>
+            <a:normAutofit/>
+          </a:bodyPr>
           <a:lstStyle/>
           <a:p>
             <a:r>
-              <a:rPr kumimoji="1" lang="en-US" altLang="zh-TW" dirty="0">
+              <a:rPr kumimoji="1" lang="en-US" altLang="zh-TW" dirty="0" smtClean="0">
                 <a:latin typeface="PingFang TC Regular"/>
                 <a:cs typeface="PingFang TC Regular"/>
               </a:rPr>
-              <a:t>Task Assignments</a:t>
+              <a:t>WBS</a:t>
             </a:r>
             <a:endParaRPr kumimoji="1" lang="zh-TW" altLang="en-US" dirty="0">
               <a:latin typeface="PingFang TC Regular"/>
